--- a/Inv_Summary/Graph.pptx
+++ b/Inv_Summary/Graph.pptx
@@ -5,11 +5,12 @@
     <p:sldMasterId id="2147483648" r:id="rId1"/>
   </p:sldMasterIdLst>
   <p:notesMasterIdLst>
-    <p:notesMasterId r:id="rId4"/>
+    <p:notesMasterId r:id="rId5"/>
   </p:notesMasterIdLst>
   <p:sldIdLst>
     <p:sldId id="256" r:id="rId2"/>
     <p:sldId id="257" r:id="rId3"/>
+    <p:sldId id="258" r:id="rId4"/>
   </p:sldIdLst>
   <p:sldSz cx="12192000" cy="6858000"/>
   <p:notesSz cx="6858000" cy="9144000"/>
@@ -198,7 +199,7 @@
           <a:p>
             <a:fld id="{DFA01F4A-61CA-4282-B66A-1965352A61A0}" type="datetimeFigureOut">
               <a:rPr lang="zh-CN" altLang="en-US" smtClean="0"/>
-              <a:t>2020/1/4</a:t>
+              <a:t>2020/1/10</a:t>
             </a:fld>
             <a:endParaRPr lang="zh-CN" altLang="en-US"/>
           </a:p>
@@ -799,7 +800,7 @@
           <a:p>
             <a:fld id="{1E7EB274-E40B-40C7-AD26-AB312C8C00A1}" type="datetimeFigureOut">
               <a:rPr lang="zh-CN" altLang="en-US" smtClean="0"/>
-              <a:t>2020/1/4</a:t>
+              <a:t>2020/1/10</a:t>
             </a:fld>
             <a:endParaRPr lang="zh-CN" altLang="en-US"/>
           </a:p>
@@ -997,7 +998,7 @@
           <a:p>
             <a:fld id="{1E7EB274-E40B-40C7-AD26-AB312C8C00A1}" type="datetimeFigureOut">
               <a:rPr lang="zh-CN" altLang="en-US" smtClean="0"/>
-              <a:t>2020/1/4</a:t>
+              <a:t>2020/1/10</a:t>
             </a:fld>
             <a:endParaRPr lang="zh-CN" altLang="en-US"/>
           </a:p>
@@ -1205,7 +1206,7 @@
           <a:p>
             <a:fld id="{1E7EB274-E40B-40C7-AD26-AB312C8C00A1}" type="datetimeFigureOut">
               <a:rPr lang="zh-CN" altLang="en-US" smtClean="0"/>
-              <a:t>2020/1/4</a:t>
+              <a:t>2020/1/10</a:t>
             </a:fld>
             <a:endParaRPr lang="zh-CN" altLang="en-US"/>
           </a:p>
@@ -1403,7 +1404,7 @@
           <a:p>
             <a:fld id="{1E7EB274-E40B-40C7-AD26-AB312C8C00A1}" type="datetimeFigureOut">
               <a:rPr lang="zh-CN" altLang="en-US" smtClean="0"/>
-              <a:t>2020/1/4</a:t>
+              <a:t>2020/1/10</a:t>
             </a:fld>
             <a:endParaRPr lang="zh-CN" altLang="en-US"/>
           </a:p>
@@ -1678,7 +1679,7 @@
           <a:p>
             <a:fld id="{1E7EB274-E40B-40C7-AD26-AB312C8C00A1}" type="datetimeFigureOut">
               <a:rPr lang="zh-CN" altLang="en-US" smtClean="0"/>
-              <a:t>2020/1/4</a:t>
+              <a:t>2020/1/10</a:t>
             </a:fld>
             <a:endParaRPr lang="zh-CN" altLang="en-US"/>
           </a:p>
@@ -1943,7 +1944,7 @@
           <a:p>
             <a:fld id="{1E7EB274-E40B-40C7-AD26-AB312C8C00A1}" type="datetimeFigureOut">
               <a:rPr lang="zh-CN" altLang="en-US" smtClean="0"/>
-              <a:t>2020/1/4</a:t>
+              <a:t>2020/1/10</a:t>
             </a:fld>
             <a:endParaRPr lang="zh-CN" altLang="en-US"/>
           </a:p>
@@ -2355,7 +2356,7 @@
           <a:p>
             <a:fld id="{1E7EB274-E40B-40C7-AD26-AB312C8C00A1}" type="datetimeFigureOut">
               <a:rPr lang="zh-CN" altLang="en-US" smtClean="0"/>
-              <a:t>2020/1/4</a:t>
+              <a:t>2020/1/10</a:t>
             </a:fld>
             <a:endParaRPr lang="zh-CN" altLang="en-US"/>
           </a:p>
@@ -2496,7 +2497,7 @@
           <a:p>
             <a:fld id="{1E7EB274-E40B-40C7-AD26-AB312C8C00A1}" type="datetimeFigureOut">
               <a:rPr lang="zh-CN" altLang="en-US" smtClean="0"/>
-              <a:t>2020/1/4</a:t>
+              <a:t>2020/1/10</a:t>
             </a:fld>
             <a:endParaRPr lang="zh-CN" altLang="en-US"/>
           </a:p>
@@ -2609,7 +2610,7 @@
           <a:p>
             <a:fld id="{1E7EB274-E40B-40C7-AD26-AB312C8C00A1}" type="datetimeFigureOut">
               <a:rPr lang="zh-CN" altLang="en-US" smtClean="0"/>
-              <a:t>2020/1/4</a:t>
+              <a:t>2020/1/10</a:t>
             </a:fld>
             <a:endParaRPr lang="zh-CN" altLang="en-US"/>
           </a:p>
@@ -2920,7 +2921,7 @@
           <a:p>
             <a:fld id="{1E7EB274-E40B-40C7-AD26-AB312C8C00A1}" type="datetimeFigureOut">
               <a:rPr lang="zh-CN" altLang="en-US" smtClean="0"/>
-              <a:t>2020/1/4</a:t>
+              <a:t>2020/1/10</a:t>
             </a:fld>
             <a:endParaRPr lang="zh-CN" altLang="en-US"/>
           </a:p>
@@ -3208,7 +3209,7 @@
           <a:p>
             <a:fld id="{1E7EB274-E40B-40C7-AD26-AB312C8C00A1}" type="datetimeFigureOut">
               <a:rPr lang="zh-CN" altLang="en-US" smtClean="0"/>
-              <a:t>2020/1/4</a:t>
+              <a:t>2020/1/10</a:t>
             </a:fld>
             <a:endParaRPr lang="zh-CN" altLang="en-US"/>
           </a:p>
@@ -3449,7 +3450,7 @@
           <a:p>
             <a:fld id="{1E7EB274-E40B-40C7-AD26-AB312C8C00A1}" type="datetimeFigureOut">
               <a:rPr lang="zh-CN" altLang="en-US" smtClean="0"/>
-              <a:t>2020/1/4</a:t>
+              <a:t>2020/1/10</a:t>
             </a:fld>
             <a:endParaRPr lang="zh-CN" altLang="en-US"/>
           </a:p>
@@ -4555,13 +4556,13 @@
         </p:spPr>
         <p:style>
           <a:lnRef idx="1">
-            <a:schemeClr val="accent1"/>
+            <a:schemeClr val="accent6"/>
           </a:lnRef>
           <a:fillRef idx="0">
-            <a:schemeClr val="accent1"/>
+            <a:schemeClr val="accent6"/>
           </a:fillRef>
           <a:effectRef idx="0">
-            <a:schemeClr val="accent1"/>
+            <a:schemeClr val="accent6"/>
           </a:effectRef>
           <a:fontRef idx="minor">
             <a:schemeClr val="tx1"/>
@@ -4594,13 +4595,13 @@
         </p:spPr>
         <p:style>
           <a:lnRef idx="1">
-            <a:schemeClr val="accent1"/>
+            <a:schemeClr val="accent6"/>
           </a:lnRef>
           <a:fillRef idx="0">
-            <a:schemeClr val="accent1"/>
+            <a:schemeClr val="accent6"/>
           </a:fillRef>
           <a:effectRef idx="0">
-            <a:schemeClr val="accent1"/>
+            <a:schemeClr val="accent6"/>
           </a:effectRef>
           <a:fontRef idx="minor">
             <a:schemeClr val="tx1"/>
@@ -4633,13 +4634,13 @@
         </p:spPr>
         <p:style>
           <a:lnRef idx="1">
-            <a:schemeClr val="accent1"/>
+            <a:schemeClr val="accent6"/>
           </a:lnRef>
           <a:fillRef idx="0">
-            <a:schemeClr val="accent1"/>
+            <a:schemeClr val="accent6"/>
           </a:fillRef>
           <a:effectRef idx="0">
-            <a:schemeClr val="accent1"/>
+            <a:schemeClr val="accent6"/>
           </a:effectRef>
           <a:fontRef idx="minor">
             <a:schemeClr val="tx1"/>
@@ -6395,13 +6396,13 @@
         </p:spPr>
         <p:style>
           <a:lnRef idx="1">
-            <a:schemeClr val="accent1"/>
+            <a:schemeClr val="accent6"/>
           </a:lnRef>
           <a:fillRef idx="0">
-            <a:schemeClr val="accent1"/>
+            <a:schemeClr val="accent6"/>
           </a:fillRef>
           <a:effectRef idx="0">
-            <a:schemeClr val="accent1"/>
+            <a:schemeClr val="accent6"/>
           </a:effectRef>
           <a:fontRef idx="minor">
             <a:schemeClr val="tx1"/>
@@ -6427,6 +6428,690 @@
           <a:xfrm>
             <a:off x="2193967" y="2256312"/>
             <a:ext cx="2343398" cy="2574966"/>
+          </a:xfrm>
+          <a:prstGeom prst="line">
+            <a:avLst/>
+          </a:prstGeom>
+        </p:spPr>
+        <p:style>
+          <a:lnRef idx="1">
+            <a:schemeClr val="accent6"/>
+          </a:lnRef>
+          <a:fillRef idx="0">
+            <a:schemeClr val="accent6"/>
+          </a:fillRef>
+          <a:effectRef idx="0">
+            <a:schemeClr val="accent6"/>
+          </a:effectRef>
+          <a:fontRef idx="minor">
+            <a:schemeClr val="tx1"/>
+          </a:fontRef>
+        </p:style>
+      </p:cxnSp>
+      <p:cxnSp>
+        <p:nvCxnSpPr>
+          <p:cNvPr id="36" name="直接连接符 35">
+            <a:extLst>
+              <a:ext uri="{FF2B5EF4-FFF2-40B4-BE49-F238E27FC236}">
+                <a16:creationId xmlns:a16="http://schemas.microsoft.com/office/drawing/2014/main" id="{984ED06F-2201-46FE-A118-1C45D1ABDF56}"/>
+              </a:ext>
+            </a:extLst>
+          </p:cNvPr>
+          <p:cNvCxnSpPr>
+            <a:stCxn id="4" idx="4"/>
+            <a:endCxn id="11" idx="0"/>
+          </p:cNvCxnSpPr>
+          <p:nvPr/>
+        </p:nvCxnSpPr>
+        <p:spPr>
+          <a:xfrm>
+            <a:off x="2193967" y="2256312"/>
+            <a:ext cx="7687294" cy="2574965"/>
+          </a:xfrm>
+          <a:prstGeom prst="line">
+            <a:avLst/>
+          </a:prstGeom>
+        </p:spPr>
+        <p:style>
+          <a:lnRef idx="1">
+            <a:schemeClr val="accent6"/>
+          </a:lnRef>
+          <a:fillRef idx="0">
+            <a:schemeClr val="accent6"/>
+          </a:fillRef>
+          <a:effectRef idx="0">
+            <a:schemeClr val="accent6"/>
+          </a:effectRef>
+          <a:fontRef idx="minor">
+            <a:schemeClr val="tx1"/>
+          </a:fontRef>
+        </p:style>
+      </p:cxnSp>
+      <p:sp>
+        <p:nvSpPr>
+          <p:cNvPr id="37" name="矩形 36">
+            <a:extLst>
+              <a:ext uri="{FF2B5EF4-FFF2-40B4-BE49-F238E27FC236}">
+                <a16:creationId xmlns:a16="http://schemas.microsoft.com/office/drawing/2014/main" id="{5A846978-A598-42E9-8B9F-7FF1B377F8B4}"/>
+              </a:ext>
+            </a:extLst>
+          </p:cNvPr>
+          <p:cNvSpPr/>
+          <p:nvPr/>
+        </p:nvSpPr>
+        <p:spPr>
+          <a:xfrm>
+            <a:off x="7456767" y="4195450"/>
+            <a:ext cx="193565" cy="369332"/>
+          </a:xfrm>
+          <a:prstGeom prst="rect">
+            <a:avLst/>
+          </a:prstGeom>
+          <a:solidFill>
+            <a:schemeClr val="bg1"/>
+          </a:solidFill>
+        </p:spPr>
+        <p:txBody>
+          <a:bodyPr wrap="square" lIns="91440" tIns="45720" rIns="91440" bIns="45720">
+            <a:spAutoFit/>
+          </a:bodyPr>
+          <a:lstStyle/>
+          <a:p>
+            <a:pPr algn="ctr"/>
+            <a:r>
+              <a:rPr lang="en-US" altLang="zh-CN" dirty="0">
+                <a:ln w="0"/>
+                <a:effectLst>
+                  <a:outerShdw blurRad="38100" dist="19050" dir="2700000" algn="tl" rotWithShape="0">
+                    <a:schemeClr val="dk1">
+                      <a:alpha val="40000"/>
+                    </a:schemeClr>
+                  </a:outerShdw>
+                </a:effectLst>
+              </a:rPr>
+              <a:t>3</a:t>
+            </a:r>
+            <a:endParaRPr lang="zh-CN" altLang="en-US" b="0" cap="none" spc="0" dirty="0">
+              <a:ln w="0"/>
+              <a:solidFill>
+                <a:schemeClr val="tx1"/>
+              </a:solidFill>
+              <a:effectLst>
+                <a:outerShdw blurRad="38100" dist="19050" dir="2700000" algn="tl" rotWithShape="0">
+                  <a:schemeClr val="dk1">
+                    <a:alpha val="40000"/>
+                  </a:schemeClr>
+                </a:outerShdw>
+              </a:effectLst>
+            </a:endParaRPr>
+          </a:p>
+        </p:txBody>
+      </p:sp>
+      <p:sp>
+        <p:nvSpPr>
+          <p:cNvPr id="38" name="矩形 37">
+            <a:extLst>
+              <a:ext uri="{FF2B5EF4-FFF2-40B4-BE49-F238E27FC236}">
+                <a16:creationId xmlns:a16="http://schemas.microsoft.com/office/drawing/2014/main" id="{AD326DE5-1364-41DF-93BF-D2B564E9EB4D}"/>
+              </a:ext>
+            </a:extLst>
+          </p:cNvPr>
+          <p:cNvSpPr/>
+          <p:nvPr/>
+        </p:nvSpPr>
+        <p:spPr>
+          <a:xfrm>
+            <a:off x="5540931" y="4133516"/>
+            <a:ext cx="193565" cy="369332"/>
+          </a:xfrm>
+          <a:prstGeom prst="rect">
+            <a:avLst/>
+          </a:prstGeom>
+          <a:solidFill>
+            <a:schemeClr val="bg1"/>
+          </a:solidFill>
+        </p:spPr>
+        <p:txBody>
+          <a:bodyPr wrap="square" lIns="91440" tIns="45720" rIns="91440" bIns="45720">
+            <a:spAutoFit/>
+          </a:bodyPr>
+          <a:lstStyle/>
+          <a:p>
+            <a:pPr algn="ctr"/>
+            <a:r>
+              <a:rPr lang="en-US" altLang="zh-CN" dirty="0">
+                <a:ln w="0"/>
+                <a:effectLst>
+                  <a:outerShdw blurRad="38100" dist="19050" dir="2700000" algn="tl" rotWithShape="0">
+                    <a:schemeClr val="dk1">
+                      <a:alpha val="40000"/>
+                    </a:schemeClr>
+                  </a:outerShdw>
+                </a:effectLst>
+              </a:rPr>
+              <a:t>2</a:t>
+            </a:r>
+            <a:endParaRPr lang="zh-CN" altLang="en-US" b="0" cap="none" spc="0" dirty="0">
+              <a:ln w="0"/>
+              <a:solidFill>
+                <a:schemeClr val="tx1"/>
+              </a:solidFill>
+              <a:effectLst>
+                <a:outerShdw blurRad="38100" dist="19050" dir="2700000" algn="tl" rotWithShape="0">
+                  <a:schemeClr val="dk1">
+                    <a:alpha val="40000"/>
+                  </a:schemeClr>
+                </a:outerShdw>
+              </a:effectLst>
+            </a:endParaRPr>
+          </a:p>
+        </p:txBody>
+      </p:sp>
+      <p:sp>
+        <p:nvSpPr>
+          <p:cNvPr id="39" name="矩形 38">
+            <a:extLst>
+              <a:ext uri="{FF2B5EF4-FFF2-40B4-BE49-F238E27FC236}">
+                <a16:creationId xmlns:a16="http://schemas.microsoft.com/office/drawing/2014/main" id="{56AF19F9-F2F7-4678-BF02-A4AADC6D5D3A}"/>
+              </a:ext>
+            </a:extLst>
+          </p:cNvPr>
+          <p:cNvSpPr/>
+          <p:nvPr/>
+        </p:nvSpPr>
+        <p:spPr>
+          <a:xfrm>
+            <a:off x="2097183" y="4084575"/>
+            <a:ext cx="193565" cy="369332"/>
+          </a:xfrm>
+          <a:prstGeom prst="rect">
+            <a:avLst/>
+          </a:prstGeom>
+          <a:solidFill>
+            <a:schemeClr val="bg1"/>
+          </a:solidFill>
+        </p:spPr>
+        <p:txBody>
+          <a:bodyPr wrap="square" lIns="91440" tIns="45720" rIns="91440" bIns="45720">
+            <a:spAutoFit/>
+          </a:bodyPr>
+          <a:lstStyle/>
+          <a:p>
+            <a:pPr algn="ctr"/>
+            <a:r>
+              <a:rPr lang="en-US" altLang="zh-CN" dirty="0">
+                <a:ln w="0"/>
+                <a:effectLst>
+                  <a:outerShdw blurRad="38100" dist="19050" dir="2700000" algn="tl" rotWithShape="0">
+                    <a:schemeClr val="dk1">
+                      <a:alpha val="40000"/>
+                    </a:schemeClr>
+                  </a:outerShdw>
+                </a:effectLst>
+              </a:rPr>
+              <a:t>3</a:t>
+            </a:r>
+            <a:endParaRPr lang="zh-CN" altLang="en-US" b="0" cap="none" spc="0" dirty="0">
+              <a:ln w="0"/>
+              <a:solidFill>
+                <a:schemeClr val="tx1"/>
+              </a:solidFill>
+              <a:effectLst>
+                <a:outerShdw blurRad="38100" dist="19050" dir="2700000" algn="tl" rotWithShape="0">
+                  <a:schemeClr val="dk1">
+                    <a:alpha val="40000"/>
+                  </a:schemeClr>
+                </a:outerShdw>
+              </a:effectLst>
+            </a:endParaRPr>
+          </a:p>
+        </p:txBody>
+      </p:sp>
+      <p:sp>
+        <p:nvSpPr>
+          <p:cNvPr id="40" name="矩形 39">
+            <a:extLst>
+              <a:ext uri="{FF2B5EF4-FFF2-40B4-BE49-F238E27FC236}">
+                <a16:creationId xmlns:a16="http://schemas.microsoft.com/office/drawing/2014/main" id="{C46E1DFE-838D-42F0-A6E6-CBFE2161EF47}"/>
+              </a:ext>
+            </a:extLst>
+          </p:cNvPr>
+          <p:cNvSpPr/>
+          <p:nvPr/>
+        </p:nvSpPr>
+        <p:spPr>
+          <a:xfrm>
+            <a:off x="3908568" y="4133516"/>
+            <a:ext cx="193565" cy="369332"/>
+          </a:xfrm>
+          <a:prstGeom prst="rect">
+            <a:avLst/>
+          </a:prstGeom>
+          <a:solidFill>
+            <a:schemeClr val="bg1"/>
+          </a:solidFill>
+        </p:spPr>
+        <p:txBody>
+          <a:bodyPr wrap="square" lIns="91440" tIns="45720" rIns="91440" bIns="45720">
+            <a:spAutoFit/>
+          </a:bodyPr>
+          <a:lstStyle/>
+          <a:p>
+            <a:pPr algn="ctr"/>
+            <a:r>
+              <a:rPr lang="en-US" altLang="zh-CN" dirty="0">
+                <a:ln w="0"/>
+                <a:effectLst>
+                  <a:outerShdw blurRad="38100" dist="19050" dir="2700000" algn="tl" rotWithShape="0">
+                    <a:schemeClr val="dk1">
+                      <a:alpha val="40000"/>
+                    </a:schemeClr>
+                  </a:outerShdw>
+                </a:effectLst>
+              </a:rPr>
+              <a:t>2</a:t>
+            </a:r>
+            <a:endParaRPr lang="zh-CN" altLang="en-US" b="0" cap="none" spc="0" dirty="0">
+              <a:ln w="0"/>
+              <a:solidFill>
+                <a:schemeClr val="tx1"/>
+              </a:solidFill>
+              <a:effectLst>
+                <a:outerShdw blurRad="38100" dist="19050" dir="2700000" algn="tl" rotWithShape="0">
+                  <a:schemeClr val="dk1">
+                    <a:alpha val="40000"/>
+                  </a:schemeClr>
+                </a:outerShdw>
+              </a:effectLst>
+            </a:endParaRPr>
+          </a:p>
+        </p:txBody>
+      </p:sp>
+      <p:sp>
+        <p:nvSpPr>
+          <p:cNvPr id="41" name="矩形 40">
+            <a:extLst>
+              <a:ext uri="{FF2B5EF4-FFF2-40B4-BE49-F238E27FC236}">
+                <a16:creationId xmlns:a16="http://schemas.microsoft.com/office/drawing/2014/main" id="{1813A8E2-3E0E-4E73-9150-2DA172D7759B}"/>
+              </a:ext>
+            </a:extLst>
+          </p:cNvPr>
+          <p:cNvSpPr/>
+          <p:nvPr/>
+        </p:nvSpPr>
+        <p:spPr>
+          <a:xfrm>
+            <a:off x="8466604" y="4195450"/>
+            <a:ext cx="193565" cy="369332"/>
+          </a:xfrm>
+          <a:prstGeom prst="rect">
+            <a:avLst/>
+          </a:prstGeom>
+          <a:solidFill>
+            <a:schemeClr val="bg1"/>
+          </a:solidFill>
+        </p:spPr>
+        <p:txBody>
+          <a:bodyPr wrap="square" lIns="91440" tIns="45720" rIns="91440" bIns="45720">
+            <a:spAutoFit/>
+          </a:bodyPr>
+          <a:lstStyle/>
+          <a:p>
+            <a:pPr algn="ctr"/>
+            <a:r>
+              <a:rPr lang="en-US" altLang="zh-CN" dirty="0">
+                <a:ln w="0"/>
+                <a:effectLst>
+                  <a:outerShdw blurRad="38100" dist="19050" dir="2700000" algn="tl" rotWithShape="0">
+                    <a:schemeClr val="dk1">
+                      <a:alpha val="40000"/>
+                    </a:schemeClr>
+                  </a:outerShdw>
+                </a:effectLst>
+              </a:rPr>
+              <a:t>4</a:t>
+            </a:r>
+            <a:endParaRPr lang="zh-CN" altLang="en-US" b="0" cap="none" spc="0" dirty="0">
+              <a:ln w="0"/>
+              <a:solidFill>
+                <a:schemeClr val="tx1"/>
+              </a:solidFill>
+              <a:effectLst>
+                <a:outerShdw blurRad="38100" dist="19050" dir="2700000" algn="tl" rotWithShape="0">
+                  <a:schemeClr val="dk1">
+                    <a:alpha val="40000"/>
+                  </a:schemeClr>
+                </a:outerShdw>
+              </a:effectLst>
+            </a:endParaRPr>
+          </a:p>
+        </p:txBody>
+      </p:sp>
+      <p:sp>
+        <p:nvSpPr>
+          <p:cNvPr id="42" name="矩形 41">
+            <a:extLst>
+              <a:ext uri="{FF2B5EF4-FFF2-40B4-BE49-F238E27FC236}">
+                <a16:creationId xmlns:a16="http://schemas.microsoft.com/office/drawing/2014/main" id="{199177F7-DCBC-40F0-B711-3271935F208C}"/>
+              </a:ext>
+            </a:extLst>
+          </p:cNvPr>
+          <p:cNvSpPr/>
+          <p:nvPr/>
+        </p:nvSpPr>
+        <p:spPr>
+          <a:xfrm>
+            <a:off x="3116437" y="4133516"/>
+            <a:ext cx="193565" cy="369332"/>
+          </a:xfrm>
+          <a:prstGeom prst="rect">
+            <a:avLst/>
+          </a:prstGeom>
+          <a:solidFill>
+            <a:schemeClr val="bg1"/>
+          </a:solidFill>
+        </p:spPr>
+        <p:txBody>
+          <a:bodyPr wrap="square" lIns="91440" tIns="45720" rIns="91440" bIns="45720">
+            <a:spAutoFit/>
+          </a:bodyPr>
+          <a:lstStyle/>
+          <a:p>
+            <a:pPr algn="ctr"/>
+            <a:r>
+              <a:rPr lang="en-US" altLang="zh-CN" dirty="0">
+                <a:ln w="0"/>
+                <a:effectLst>
+                  <a:outerShdw blurRad="38100" dist="19050" dir="2700000" algn="tl" rotWithShape="0">
+                    <a:schemeClr val="dk1">
+                      <a:alpha val="40000"/>
+                    </a:schemeClr>
+                  </a:outerShdw>
+                </a:effectLst>
+              </a:rPr>
+              <a:t>3</a:t>
+            </a:r>
+            <a:endParaRPr lang="zh-CN" altLang="en-US" b="0" cap="none" spc="0" dirty="0">
+              <a:ln w="0"/>
+              <a:solidFill>
+                <a:schemeClr val="tx1"/>
+              </a:solidFill>
+              <a:effectLst>
+                <a:outerShdw blurRad="38100" dist="19050" dir="2700000" algn="tl" rotWithShape="0">
+                  <a:schemeClr val="dk1">
+                    <a:alpha val="40000"/>
+                  </a:schemeClr>
+                </a:outerShdw>
+              </a:effectLst>
+            </a:endParaRPr>
+          </a:p>
+        </p:txBody>
+      </p:sp>
+      <p:sp>
+        <p:nvSpPr>
+          <p:cNvPr id="43" name="矩形 42">
+            <a:extLst>
+              <a:ext uri="{FF2B5EF4-FFF2-40B4-BE49-F238E27FC236}">
+                <a16:creationId xmlns:a16="http://schemas.microsoft.com/office/drawing/2014/main" id="{E96162E9-4D02-4175-AA41-B294F0B0CC03}"/>
+              </a:ext>
+            </a:extLst>
+          </p:cNvPr>
+          <p:cNvSpPr/>
+          <p:nvPr/>
+        </p:nvSpPr>
+        <p:spPr>
+          <a:xfrm>
+            <a:off x="9242962" y="4133516"/>
+            <a:ext cx="193565" cy="369332"/>
+          </a:xfrm>
+          <a:prstGeom prst="rect">
+            <a:avLst/>
+          </a:prstGeom>
+          <a:solidFill>
+            <a:schemeClr val="bg1"/>
+          </a:solidFill>
+        </p:spPr>
+        <p:txBody>
+          <a:bodyPr wrap="square" lIns="91440" tIns="45720" rIns="91440" bIns="45720">
+            <a:spAutoFit/>
+          </a:bodyPr>
+          <a:lstStyle/>
+          <a:p>
+            <a:pPr algn="ctr"/>
+            <a:r>
+              <a:rPr lang="en-US" altLang="zh-CN" b="0" cap="none" spc="0" dirty="0">
+                <a:ln w="0"/>
+                <a:solidFill>
+                  <a:schemeClr val="tx1"/>
+                </a:solidFill>
+                <a:effectLst>
+                  <a:outerShdw blurRad="38100" dist="19050" dir="2700000" algn="tl" rotWithShape="0">
+                    <a:schemeClr val="dk1">
+                      <a:alpha val="40000"/>
+                    </a:schemeClr>
+                  </a:outerShdw>
+                </a:effectLst>
+              </a:rPr>
+              <a:t>1</a:t>
+            </a:r>
+            <a:endParaRPr lang="zh-CN" altLang="en-US" b="0" cap="none" spc="0" dirty="0">
+              <a:ln w="0"/>
+              <a:solidFill>
+                <a:schemeClr val="tx1"/>
+              </a:solidFill>
+              <a:effectLst>
+                <a:outerShdw blurRad="38100" dist="19050" dir="2700000" algn="tl" rotWithShape="0">
+                  <a:schemeClr val="dk1">
+                    <a:alpha val="40000"/>
+                  </a:schemeClr>
+                </a:outerShdw>
+              </a:effectLst>
+            </a:endParaRPr>
+          </a:p>
+        </p:txBody>
+      </p:sp>
+      <p:sp>
+        <p:nvSpPr>
+          <p:cNvPr id="44" name="矩形 43">
+            <a:extLst>
+              <a:ext uri="{FF2B5EF4-FFF2-40B4-BE49-F238E27FC236}">
+                <a16:creationId xmlns:a16="http://schemas.microsoft.com/office/drawing/2014/main" id="{035CA8EC-7BDD-4A0C-A39E-1B84B259DE28}"/>
+              </a:ext>
+            </a:extLst>
+          </p:cNvPr>
+          <p:cNvSpPr/>
+          <p:nvPr/>
+        </p:nvSpPr>
+        <p:spPr>
+          <a:xfrm>
+            <a:off x="4427657" y="4010784"/>
+            <a:ext cx="193565" cy="369332"/>
+          </a:xfrm>
+          <a:prstGeom prst="rect">
+            <a:avLst/>
+          </a:prstGeom>
+          <a:solidFill>
+            <a:schemeClr val="bg1"/>
+          </a:solidFill>
+        </p:spPr>
+        <p:txBody>
+          <a:bodyPr wrap="square" lIns="91440" tIns="45720" rIns="91440" bIns="45720">
+            <a:spAutoFit/>
+          </a:bodyPr>
+          <a:lstStyle/>
+          <a:p>
+            <a:pPr algn="ctr"/>
+            <a:r>
+              <a:rPr lang="en-US" altLang="zh-CN" b="0" cap="none" spc="0" dirty="0">
+                <a:ln w="0"/>
+                <a:solidFill>
+                  <a:schemeClr val="tx1"/>
+                </a:solidFill>
+                <a:effectLst>
+                  <a:outerShdw blurRad="38100" dist="19050" dir="2700000" algn="tl" rotWithShape="0">
+                    <a:schemeClr val="dk1">
+                      <a:alpha val="40000"/>
+                    </a:schemeClr>
+                  </a:outerShdw>
+                </a:effectLst>
+              </a:rPr>
+              <a:t>1</a:t>
+            </a:r>
+            <a:endParaRPr lang="zh-CN" altLang="en-US" b="0" cap="none" spc="0" dirty="0">
+              <a:ln w="0"/>
+              <a:solidFill>
+                <a:schemeClr val="tx1"/>
+              </a:solidFill>
+              <a:effectLst>
+                <a:outerShdw blurRad="38100" dist="19050" dir="2700000" algn="tl" rotWithShape="0">
+                  <a:schemeClr val="dk1">
+                    <a:alpha val="40000"/>
+                  </a:schemeClr>
+                </a:outerShdw>
+              </a:effectLst>
+            </a:endParaRPr>
+          </a:p>
+        </p:txBody>
+      </p:sp>
+      <p:sp>
+        <p:nvSpPr>
+          <p:cNvPr id="45" name="矩形 44">
+            <a:extLst>
+              <a:ext uri="{FF2B5EF4-FFF2-40B4-BE49-F238E27FC236}">
+                <a16:creationId xmlns:a16="http://schemas.microsoft.com/office/drawing/2014/main" id="{83626EC0-FEFD-4453-AD19-5F9F315F8E30}"/>
+              </a:ext>
+            </a:extLst>
+          </p:cNvPr>
+          <p:cNvSpPr/>
+          <p:nvPr/>
+        </p:nvSpPr>
+        <p:spPr>
+          <a:xfrm>
+            <a:off x="2576219" y="4084575"/>
+            <a:ext cx="193565" cy="369332"/>
+          </a:xfrm>
+          <a:prstGeom prst="rect">
+            <a:avLst/>
+          </a:prstGeom>
+          <a:solidFill>
+            <a:schemeClr val="bg1"/>
+          </a:solidFill>
+        </p:spPr>
+        <p:txBody>
+          <a:bodyPr wrap="square" lIns="91440" tIns="45720" rIns="91440" bIns="45720">
+            <a:spAutoFit/>
+          </a:bodyPr>
+          <a:lstStyle/>
+          <a:p>
+            <a:pPr algn="ctr"/>
+            <a:r>
+              <a:rPr lang="en-US" altLang="zh-CN" dirty="0">
+                <a:ln w="0"/>
+                <a:effectLst>
+                  <a:outerShdw blurRad="38100" dist="19050" dir="2700000" algn="tl" rotWithShape="0">
+                    <a:schemeClr val="dk1">
+                      <a:alpha val="40000"/>
+                    </a:schemeClr>
+                  </a:outerShdw>
+                </a:effectLst>
+              </a:rPr>
+              <a:t>4</a:t>
+            </a:r>
+            <a:endParaRPr lang="zh-CN" altLang="en-US" b="0" cap="none" spc="0" dirty="0">
+              <a:ln w="0"/>
+              <a:solidFill>
+                <a:schemeClr val="tx1"/>
+              </a:solidFill>
+              <a:effectLst>
+                <a:outerShdw blurRad="38100" dist="19050" dir="2700000" algn="tl" rotWithShape="0">
+                  <a:schemeClr val="dk1">
+                    <a:alpha val="40000"/>
+                  </a:schemeClr>
+                </a:outerShdw>
+              </a:effectLst>
+            </a:endParaRPr>
+          </a:p>
+        </p:txBody>
+      </p:sp>
+      <p:sp>
+        <p:nvSpPr>
+          <p:cNvPr id="46" name="矩形 45">
+            <a:extLst>
+              <a:ext uri="{FF2B5EF4-FFF2-40B4-BE49-F238E27FC236}">
+                <a16:creationId xmlns:a16="http://schemas.microsoft.com/office/drawing/2014/main" id="{ACEAC5EC-7876-459B-A2E4-ADB70F8B73BE}"/>
+              </a:ext>
+            </a:extLst>
+          </p:cNvPr>
+          <p:cNvSpPr/>
+          <p:nvPr/>
+        </p:nvSpPr>
+        <p:spPr>
+          <a:xfrm>
+            <a:off x="7041337" y="4133516"/>
+            <a:ext cx="193565" cy="369332"/>
+          </a:xfrm>
+          <a:prstGeom prst="rect">
+            <a:avLst/>
+          </a:prstGeom>
+          <a:solidFill>
+            <a:schemeClr val="bg1"/>
+          </a:solidFill>
+        </p:spPr>
+        <p:txBody>
+          <a:bodyPr wrap="square" lIns="91440" tIns="45720" rIns="91440" bIns="45720">
+            <a:spAutoFit/>
+          </a:bodyPr>
+          <a:lstStyle/>
+          <a:p>
+            <a:pPr algn="ctr"/>
+            <a:r>
+              <a:rPr lang="en-US" altLang="zh-CN" dirty="0">
+                <a:ln w="0"/>
+                <a:effectLst>
+                  <a:outerShdw blurRad="38100" dist="19050" dir="2700000" algn="tl" rotWithShape="0">
+                    <a:schemeClr val="dk1">
+                      <a:alpha val="40000"/>
+                    </a:schemeClr>
+                  </a:outerShdw>
+                </a:effectLst>
+              </a:rPr>
+              <a:t>2</a:t>
+            </a:r>
+            <a:endParaRPr lang="zh-CN" altLang="en-US" b="0" cap="none" spc="0" dirty="0">
+              <a:ln w="0"/>
+              <a:solidFill>
+                <a:schemeClr val="tx1"/>
+              </a:solidFill>
+              <a:effectLst>
+                <a:outerShdw blurRad="38100" dist="19050" dir="2700000" algn="tl" rotWithShape="0">
+                  <a:schemeClr val="dk1">
+                    <a:alpha val="40000"/>
+                  </a:schemeClr>
+                </a:outerShdw>
+              </a:effectLst>
+            </a:endParaRPr>
+          </a:p>
+        </p:txBody>
+      </p:sp>
+      <p:cxnSp>
+        <p:nvCxnSpPr>
+          <p:cNvPr id="48" name="直接连接符 47">
+            <a:extLst>
+              <a:ext uri="{FF2B5EF4-FFF2-40B4-BE49-F238E27FC236}">
+                <a16:creationId xmlns:a16="http://schemas.microsoft.com/office/drawing/2014/main" id="{9D87FD8F-7B5E-4129-9CF2-6FD38AF16C8A}"/>
+              </a:ext>
+            </a:extLst>
+          </p:cNvPr>
+          <p:cNvCxnSpPr>
+            <a:stCxn id="7" idx="4"/>
+            <a:endCxn id="11" idx="0"/>
+          </p:cNvCxnSpPr>
+          <p:nvPr/>
+        </p:nvCxnSpPr>
+        <p:spPr>
+          <a:xfrm>
+            <a:off x="9881261" y="2256311"/>
+            <a:ext cx="0" cy="2574966"/>
           </a:xfrm>
           <a:prstGeom prst="line">
             <a:avLst/>
@@ -6447,690 +7132,6 @@
           </a:fontRef>
         </p:style>
       </p:cxnSp>
-      <p:cxnSp>
-        <p:nvCxnSpPr>
-          <p:cNvPr id="36" name="直接连接符 35">
-            <a:extLst>
-              <a:ext uri="{FF2B5EF4-FFF2-40B4-BE49-F238E27FC236}">
-                <a16:creationId xmlns:a16="http://schemas.microsoft.com/office/drawing/2014/main" id="{984ED06F-2201-46FE-A118-1C45D1ABDF56}"/>
-              </a:ext>
-            </a:extLst>
-          </p:cNvPr>
-          <p:cNvCxnSpPr>
-            <a:stCxn id="4" idx="4"/>
-            <a:endCxn id="11" idx="0"/>
-          </p:cNvCxnSpPr>
-          <p:nvPr/>
-        </p:nvCxnSpPr>
-        <p:spPr>
-          <a:xfrm>
-            <a:off x="2193967" y="2256312"/>
-            <a:ext cx="7687294" cy="2574965"/>
-          </a:xfrm>
-          <a:prstGeom prst="line">
-            <a:avLst/>
-          </a:prstGeom>
-        </p:spPr>
-        <p:style>
-          <a:lnRef idx="1">
-            <a:schemeClr val="accent1"/>
-          </a:lnRef>
-          <a:fillRef idx="0">
-            <a:schemeClr val="accent1"/>
-          </a:fillRef>
-          <a:effectRef idx="0">
-            <a:schemeClr val="accent1"/>
-          </a:effectRef>
-          <a:fontRef idx="minor">
-            <a:schemeClr val="tx1"/>
-          </a:fontRef>
-        </p:style>
-      </p:cxnSp>
-      <p:sp>
-        <p:nvSpPr>
-          <p:cNvPr id="37" name="矩形 36">
-            <a:extLst>
-              <a:ext uri="{FF2B5EF4-FFF2-40B4-BE49-F238E27FC236}">
-                <a16:creationId xmlns:a16="http://schemas.microsoft.com/office/drawing/2014/main" id="{5A846978-A598-42E9-8B9F-7FF1B377F8B4}"/>
-              </a:ext>
-            </a:extLst>
-          </p:cNvPr>
-          <p:cNvSpPr/>
-          <p:nvPr/>
-        </p:nvSpPr>
-        <p:spPr>
-          <a:xfrm>
-            <a:off x="7456767" y="4195450"/>
-            <a:ext cx="193565" cy="369332"/>
-          </a:xfrm>
-          <a:prstGeom prst="rect">
-            <a:avLst/>
-          </a:prstGeom>
-          <a:solidFill>
-            <a:schemeClr val="bg1"/>
-          </a:solidFill>
-        </p:spPr>
-        <p:txBody>
-          <a:bodyPr wrap="square" lIns="91440" tIns="45720" rIns="91440" bIns="45720">
-            <a:spAutoFit/>
-          </a:bodyPr>
-          <a:lstStyle/>
-          <a:p>
-            <a:pPr algn="ctr"/>
-            <a:r>
-              <a:rPr lang="en-US" altLang="zh-CN" dirty="0">
-                <a:ln w="0"/>
-                <a:effectLst>
-                  <a:outerShdw blurRad="38100" dist="19050" dir="2700000" algn="tl" rotWithShape="0">
-                    <a:schemeClr val="dk1">
-                      <a:alpha val="40000"/>
-                    </a:schemeClr>
-                  </a:outerShdw>
-                </a:effectLst>
-              </a:rPr>
-              <a:t>3</a:t>
-            </a:r>
-            <a:endParaRPr lang="zh-CN" altLang="en-US" b="0" cap="none" spc="0" dirty="0">
-              <a:ln w="0"/>
-              <a:solidFill>
-                <a:schemeClr val="tx1"/>
-              </a:solidFill>
-              <a:effectLst>
-                <a:outerShdw blurRad="38100" dist="19050" dir="2700000" algn="tl" rotWithShape="0">
-                  <a:schemeClr val="dk1">
-                    <a:alpha val="40000"/>
-                  </a:schemeClr>
-                </a:outerShdw>
-              </a:effectLst>
-            </a:endParaRPr>
-          </a:p>
-        </p:txBody>
-      </p:sp>
-      <p:sp>
-        <p:nvSpPr>
-          <p:cNvPr id="38" name="矩形 37">
-            <a:extLst>
-              <a:ext uri="{FF2B5EF4-FFF2-40B4-BE49-F238E27FC236}">
-                <a16:creationId xmlns:a16="http://schemas.microsoft.com/office/drawing/2014/main" id="{AD326DE5-1364-41DF-93BF-D2B564E9EB4D}"/>
-              </a:ext>
-            </a:extLst>
-          </p:cNvPr>
-          <p:cNvSpPr/>
-          <p:nvPr/>
-        </p:nvSpPr>
-        <p:spPr>
-          <a:xfrm>
-            <a:off x="5540931" y="4133516"/>
-            <a:ext cx="193565" cy="369332"/>
-          </a:xfrm>
-          <a:prstGeom prst="rect">
-            <a:avLst/>
-          </a:prstGeom>
-          <a:solidFill>
-            <a:schemeClr val="bg1"/>
-          </a:solidFill>
-        </p:spPr>
-        <p:txBody>
-          <a:bodyPr wrap="square" lIns="91440" tIns="45720" rIns="91440" bIns="45720">
-            <a:spAutoFit/>
-          </a:bodyPr>
-          <a:lstStyle/>
-          <a:p>
-            <a:pPr algn="ctr"/>
-            <a:r>
-              <a:rPr lang="en-US" altLang="zh-CN" dirty="0">
-                <a:ln w="0"/>
-                <a:effectLst>
-                  <a:outerShdw blurRad="38100" dist="19050" dir="2700000" algn="tl" rotWithShape="0">
-                    <a:schemeClr val="dk1">
-                      <a:alpha val="40000"/>
-                    </a:schemeClr>
-                  </a:outerShdw>
-                </a:effectLst>
-              </a:rPr>
-              <a:t>2</a:t>
-            </a:r>
-            <a:endParaRPr lang="zh-CN" altLang="en-US" b="0" cap="none" spc="0" dirty="0">
-              <a:ln w="0"/>
-              <a:solidFill>
-                <a:schemeClr val="tx1"/>
-              </a:solidFill>
-              <a:effectLst>
-                <a:outerShdw blurRad="38100" dist="19050" dir="2700000" algn="tl" rotWithShape="0">
-                  <a:schemeClr val="dk1">
-                    <a:alpha val="40000"/>
-                  </a:schemeClr>
-                </a:outerShdw>
-              </a:effectLst>
-            </a:endParaRPr>
-          </a:p>
-        </p:txBody>
-      </p:sp>
-      <p:sp>
-        <p:nvSpPr>
-          <p:cNvPr id="39" name="矩形 38">
-            <a:extLst>
-              <a:ext uri="{FF2B5EF4-FFF2-40B4-BE49-F238E27FC236}">
-                <a16:creationId xmlns:a16="http://schemas.microsoft.com/office/drawing/2014/main" id="{56AF19F9-F2F7-4678-BF02-A4AADC6D5D3A}"/>
-              </a:ext>
-            </a:extLst>
-          </p:cNvPr>
-          <p:cNvSpPr/>
-          <p:nvPr/>
-        </p:nvSpPr>
-        <p:spPr>
-          <a:xfrm>
-            <a:off x="2097183" y="4084575"/>
-            <a:ext cx="193565" cy="369332"/>
-          </a:xfrm>
-          <a:prstGeom prst="rect">
-            <a:avLst/>
-          </a:prstGeom>
-          <a:solidFill>
-            <a:schemeClr val="bg1"/>
-          </a:solidFill>
-        </p:spPr>
-        <p:txBody>
-          <a:bodyPr wrap="square" lIns="91440" tIns="45720" rIns="91440" bIns="45720">
-            <a:spAutoFit/>
-          </a:bodyPr>
-          <a:lstStyle/>
-          <a:p>
-            <a:pPr algn="ctr"/>
-            <a:r>
-              <a:rPr lang="en-US" altLang="zh-CN" dirty="0">
-                <a:ln w="0"/>
-                <a:effectLst>
-                  <a:outerShdw blurRad="38100" dist="19050" dir="2700000" algn="tl" rotWithShape="0">
-                    <a:schemeClr val="dk1">
-                      <a:alpha val="40000"/>
-                    </a:schemeClr>
-                  </a:outerShdw>
-                </a:effectLst>
-              </a:rPr>
-              <a:t>3</a:t>
-            </a:r>
-            <a:endParaRPr lang="zh-CN" altLang="en-US" b="0" cap="none" spc="0" dirty="0">
-              <a:ln w="0"/>
-              <a:solidFill>
-                <a:schemeClr val="tx1"/>
-              </a:solidFill>
-              <a:effectLst>
-                <a:outerShdw blurRad="38100" dist="19050" dir="2700000" algn="tl" rotWithShape="0">
-                  <a:schemeClr val="dk1">
-                    <a:alpha val="40000"/>
-                  </a:schemeClr>
-                </a:outerShdw>
-              </a:effectLst>
-            </a:endParaRPr>
-          </a:p>
-        </p:txBody>
-      </p:sp>
-      <p:sp>
-        <p:nvSpPr>
-          <p:cNvPr id="40" name="矩形 39">
-            <a:extLst>
-              <a:ext uri="{FF2B5EF4-FFF2-40B4-BE49-F238E27FC236}">
-                <a16:creationId xmlns:a16="http://schemas.microsoft.com/office/drawing/2014/main" id="{C46E1DFE-838D-42F0-A6E6-CBFE2161EF47}"/>
-              </a:ext>
-            </a:extLst>
-          </p:cNvPr>
-          <p:cNvSpPr/>
-          <p:nvPr/>
-        </p:nvSpPr>
-        <p:spPr>
-          <a:xfrm>
-            <a:off x="3908568" y="4133516"/>
-            <a:ext cx="193565" cy="369332"/>
-          </a:xfrm>
-          <a:prstGeom prst="rect">
-            <a:avLst/>
-          </a:prstGeom>
-          <a:solidFill>
-            <a:schemeClr val="bg1"/>
-          </a:solidFill>
-        </p:spPr>
-        <p:txBody>
-          <a:bodyPr wrap="square" lIns="91440" tIns="45720" rIns="91440" bIns="45720">
-            <a:spAutoFit/>
-          </a:bodyPr>
-          <a:lstStyle/>
-          <a:p>
-            <a:pPr algn="ctr"/>
-            <a:r>
-              <a:rPr lang="en-US" altLang="zh-CN" dirty="0">
-                <a:ln w="0"/>
-                <a:effectLst>
-                  <a:outerShdw blurRad="38100" dist="19050" dir="2700000" algn="tl" rotWithShape="0">
-                    <a:schemeClr val="dk1">
-                      <a:alpha val="40000"/>
-                    </a:schemeClr>
-                  </a:outerShdw>
-                </a:effectLst>
-              </a:rPr>
-              <a:t>2</a:t>
-            </a:r>
-            <a:endParaRPr lang="zh-CN" altLang="en-US" b="0" cap="none" spc="0" dirty="0">
-              <a:ln w="0"/>
-              <a:solidFill>
-                <a:schemeClr val="tx1"/>
-              </a:solidFill>
-              <a:effectLst>
-                <a:outerShdw blurRad="38100" dist="19050" dir="2700000" algn="tl" rotWithShape="0">
-                  <a:schemeClr val="dk1">
-                    <a:alpha val="40000"/>
-                  </a:schemeClr>
-                </a:outerShdw>
-              </a:effectLst>
-            </a:endParaRPr>
-          </a:p>
-        </p:txBody>
-      </p:sp>
-      <p:sp>
-        <p:nvSpPr>
-          <p:cNvPr id="41" name="矩形 40">
-            <a:extLst>
-              <a:ext uri="{FF2B5EF4-FFF2-40B4-BE49-F238E27FC236}">
-                <a16:creationId xmlns:a16="http://schemas.microsoft.com/office/drawing/2014/main" id="{1813A8E2-3E0E-4E73-9150-2DA172D7759B}"/>
-              </a:ext>
-            </a:extLst>
-          </p:cNvPr>
-          <p:cNvSpPr/>
-          <p:nvPr/>
-        </p:nvSpPr>
-        <p:spPr>
-          <a:xfrm>
-            <a:off x="8466604" y="4195450"/>
-            <a:ext cx="193565" cy="369332"/>
-          </a:xfrm>
-          <a:prstGeom prst="rect">
-            <a:avLst/>
-          </a:prstGeom>
-          <a:solidFill>
-            <a:schemeClr val="bg1"/>
-          </a:solidFill>
-        </p:spPr>
-        <p:txBody>
-          <a:bodyPr wrap="square" lIns="91440" tIns="45720" rIns="91440" bIns="45720">
-            <a:spAutoFit/>
-          </a:bodyPr>
-          <a:lstStyle/>
-          <a:p>
-            <a:pPr algn="ctr"/>
-            <a:r>
-              <a:rPr lang="en-US" altLang="zh-CN" dirty="0">
-                <a:ln w="0"/>
-                <a:effectLst>
-                  <a:outerShdw blurRad="38100" dist="19050" dir="2700000" algn="tl" rotWithShape="0">
-                    <a:schemeClr val="dk1">
-                      <a:alpha val="40000"/>
-                    </a:schemeClr>
-                  </a:outerShdw>
-                </a:effectLst>
-              </a:rPr>
-              <a:t>4</a:t>
-            </a:r>
-            <a:endParaRPr lang="zh-CN" altLang="en-US" b="0" cap="none" spc="0" dirty="0">
-              <a:ln w="0"/>
-              <a:solidFill>
-                <a:schemeClr val="tx1"/>
-              </a:solidFill>
-              <a:effectLst>
-                <a:outerShdw blurRad="38100" dist="19050" dir="2700000" algn="tl" rotWithShape="0">
-                  <a:schemeClr val="dk1">
-                    <a:alpha val="40000"/>
-                  </a:schemeClr>
-                </a:outerShdw>
-              </a:effectLst>
-            </a:endParaRPr>
-          </a:p>
-        </p:txBody>
-      </p:sp>
-      <p:sp>
-        <p:nvSpPr>
-          <p:cNvPr id="42" name="矩形 41">
-            <a:extLst>
-              <a:ext uri="{FF2B5EF4-FFF2-40B4-BE49-F238E27FC236}">
-                <a16:creationId xmlns:a16="http://schemas.microsoft.com/office/drawing/2014/main" id="{199177F7-DCBC-40F0-B711-3271935F208C}"/>
-              </a:ext>
-            </a:extLst>
-          </p:cNvPr>
-          <p:cNvSpPr/>
-          <p:nvPr/>
-        </p:nvSpPr>
-        <p:spPr>
-          <a:xfrm>
-            <a:off x="3116437" y="4133516"/>
-            <a:ext cx="193565" cy="369332"/>
-          </a:xfrm>
-          <a:prstGeom prst="rect">
-            <a:avLst/>
-          </a:prstGeom>
-          <a:solidFill>
-            <a:schemeClr val="bg1"/>
-          </a:solidFill>
-        </p:spPr>
-        <p:txBody>
-          <a:bodyPr wrap="square" lIns="91440" tIns="45720" rIns="91440" bIns="45720">
-            <a:spAutoFit/>
-          </a:bodyPr>
-          <a:lstStyle/>
-          <a:p>
-            <a:pPr algn="ctr"/>
-            <a:r>
-              <a:rPr lang="en-US" altLang="zh-CN" dirty="0">
-                <a:ln w="0"/>
-                <a:effectLst>
-                  <a:outerShdw blurRad="38100" dist="19050" dir="2700000" algn="tl" rotWithShape="0">
-                    <a:schemeClr val="dk1">
-                      <a:alpha val="40000"/>
-                    </a:schemeClr>
-                  </a:outerShdw>
-                </a:effectLst>
-              </a:rPr>
-              <a:t>3</a:t>
-            </a:r>
-            <a:endParaRPr lang="zh-CN" altLang="en-US" b="0" cap="none" spc="0" dirty="0">
-              <a:ln w="0"/>
-              <a:solidFill>
-                <a:schemeClr val="tx1"/>
-              </a:solidFill>
-              <a:effectLst>
-                <a:outerShdw blurRad="38100" dist="19050" dir="2700000" algn="tl" rotWithShape="0">
-                  <a:schemeClr val="dk1">
-                    <a:alpha val="40000"/>
-                  </a:schemeClr>
-                </a:outerShdw>
-              </a:effectLst>
-            </a:endParaRPr>
-          </a:p>
-        </p:txBody>
-      </p:sp>
-      <p:sp>
-        <p:nvSpPr>
-          <p:cNvPr id="43" name="矩形 42">
-            <a:extLst>
-              <a:ext uri="{FF2B5EF4-FFF2-40B4-BE49-F238E27FC236}">
-                <a16:creationId xmlns:a16="http://schemas.microsoft.com/office/drawing/2014/main" id="{E96162E9-4D02-4175-AA41-B294F0B0CC03}"/>
-              </a:ext>
-            </a:extLst>
-          </p:cNvPr>
-          <p:cNvSpPr/>
-          <p:nvPr/>
-        </p:nvSpPr>
-        <p:spPr>
-          <a:xfrm>
-            <a:off x="9242962" y="4133516"/>
-            <a:ext cx="193565" cy="369332"/>
-          </a:xfrm>
-          <a:prstGeom prst="rect">
-            <a:avLst/>
-          </a:prstGeom>
-          <a:solidFill>
-            <a:schemeClr val="bg1"/>
-          </a:solidFill>
-        </p:spPr>
-        <p:txBody>
-          <a:bodyPr wrap="square" lIns="91440" tIns="45720" rIns="91440" bIns="45720">
-            <a:spAutoFit/>
-          </a:bodyPr>
-          <a:lstStyle/>
-          <a:p>
-            <a:pPr algn="ctr"/>
-            <a:r>
-              <a:rPr lang="en-US" altLang="zh-CN" b="0" cap="none" spc="0" dirty="0">
-                <a:ln w="0"/>
-                <a:solidFill>
-                  <a:schemeClr val="tx1"/>
-                </a:solidFill>
-                <a:effectLst>
-                  <a:outerShdw blurRad="38100" dist="19050" dir="2700000" algn="tl" rotWithShape="0">
-                    <a:schemeClr val="dk1">
-                      <a:alpha val="40000"/>
-                    </a:schemeClr>
-                  </a:outerShdw>
-                </a:effectLst>
-              </a:rPr>
-              <a:t>1</a:t>
-            </a:r>
-            <a:endParaRPr lang="zh-CN" altLang="en-US" b="0" cap="none" spc="0" dirty="0">
-              <a:ln w="0"/>
-              <a:solidFill>
-                <a:schemeClr val="tx1"/>
-              </a:solidFill>
-              <a:effectLst>
-                <a:outerShdw blurRad="38100" dist="19050" dir="2700000" algn="tl" rotWithShape="0">
-                  <a:schemeClr val="dk1">
-                    <a:alpha val="40000"/>
-                  </a:schemeClr>
-                </a:outerShdw>
-              </a:effectLst>
-            </a:endParaRPr>
-          </a:p>
-        </p:txBody>
-      </p:sp>
-      <p:sp>
-        <p:nvSpPr>
-          <p:cNvPr id="44" name="矩形 43">
-            <a:extLst>
-              <a:ext uri="{FF2B5EF4-FFF2-40B4-BE49-F238E27FC236}">
-                <a16:creationId xmlns:a16="http://schemas.microsoft.com/office/drawing/2014/main" id="{035CA8EC-7BDD-4A0C-A39E-1B84B259DE28}"/>
-              </a:ext>
-            </a:extLst>
-          </p:cNvPr>
-          <p:cNvSpPr/>
-          <p:nvPr/>
-        </p:nvSpPr>
-        <p:spPr>
-          <a:xfrm>
-            <a:off x="4427657" y="4010784"/>
-            <a:ext cx="193565" cy="369332"/>
-          </a:xfrm>
-          <a:prstGeom prst="rect">
-            <a:avLst/>
-          </a:prstGeom>
-          <a:solidFill>
-            <a:schemeClr val="bg1"/>
-          </a:solidFill>
-        </p:spPr>
-        <p:txBody>
-          <a:bodyPr wrap="square" lIns="91440" tIns="45720" rIns="91440" bIns="45720">
-            <a:spAutoFit/>
-          </a:bodyPr>
-          <a:lstStyle/>
-          <a:p>
-            <a:pPr algn="ctr"/>
-            <a:r>
-              <a:rPr lang="en-US" altLang="zh-CN" b="0" cap="none" spc="0" dirty="0">
-                <a:ln w="0"/>
-                <a:solidFill>
-                  <a:schemeClr val="tx1"/>
-                </a:solidFill>
-                <a:effectLst>
-                  <a:outerShdw blurRad="38100" dist="19050" dir="2700000" algn="tl" rotWithShape="0">
-                    <a:schemeClr val="dk1">
-                      <a:alpha val="40000"/>
-                    </a:schemeClr>
-                  </a:outerShdw>
-                </a:effectLst>
-              </a:rPr>
-              <a:t>1</a:t>
-            </a:r>
-            <a:endParaRPr lang="zh-CN" altLang="en-US" b="0" cap="none" spc="0" dirty="0">
-              <a:ln w="0"/>
-              <a:solidFill>
-                <a:schemeClr val="tx1"/>
-              </a:solidFill>
-              <a:effectLst>
-                <a:outerShdw blurRad="38100" dist="19050" dir="2700000" algn="tl" rotWithShape="0">
-                  <a:schemeClr val="dk1">
-                    <a:alpha val="40000"/>
-                  </a:schemeClr>
-                </a:outerShdw>
-              </a:effectLst>
-            </a:endParaRPr>
-          </a:p>
-        </p:txBody>
-      </p:sp>
-      <p:sp>
-        <p:nvSpPr>
-          <p:cNvPr id="45" name="矩形 44">
-            <a:extLst>
-              <a:ext uri="{FF2B5EF4-FFF2-40B4-BE49-F238E27FC236}">
-                <a16:creationId xmlns:a16="http://schemas.microsoft.com/office/drawing/2014/main" id="{83626EC0-FEFD-4453-AD19-5F9F315F8E30}"/>
-              </a:ext>
-            </a:extLst>
-          </p:cNvPr>
-          <p:cNvSpPr/>
-          <p:nvPr/>
-        </p:nvSpPr>
-        <p:spPr>
-          <a:xfrm>
-            <a:off x="2576219" y="4084575"/>
-            <a:ext cx="193565" cy="369332"/>
-          </a:xfrm>
-          <a:prstGeom prst="rect">
-            <a:avLst/>
-          </a:prstGeom>
-          <a:solidFill>
-            <a:schemeClr val="bg1"/>
-          </a:solidFill>
-        </p:spPr>
-        <p:txBody>
-          <a:bodyPr wrap="square" lIns="91440" tIns="45720" rIns="91440" bIns="45720">
-            <a:spAutoFit/>
-          </a:bodyPr>
-          <a:lstStyle/>
-          <a:p>
-            <a:pPr algn="ctr"/>
-            <a:r>
-              <a:rPr lang="en-US" altLang="zh-CN" dirty="0">
-                <a:ln w="0"/>
-                <a:effectLst>
-                  <a:outerShdw blurRad="38100" dist="19050" dir="2700000" algn="tl" rotWithShape="0">
-                    <a:schemeClr val="dk1">
-                      <a:alpha val="40000"/>
-                    </a:schemeClr>
-                  </a:outerShdw>
-                </a:effectLst>
-              </a:rPr>
-              <a:t>4</a:t>
-            </a:r>
-            <a:endParaRPr lang="zh-CN" altLang="en-US" b="0" cap="none" spc="0" dirty="0">
-              <a:ln w="0"/>
-              <a:solidFill>
-                <a:schemeClr val="tx1"/>
-              </a:solidFill>
-              <a:effectLst>
-                <a:outerShdw blurRad="38100" dist="19050" dir="2700000" algn="tl" rotWithShape="0">
-                  <a:schemeClr val="dk1">
-                    <a:alpha val="40000"/>
-                  </a:schemeClr>
-                </a:outerShdw>
-              </a:effectLst>
-            </a:endParaRPr>
-          </a:p>
-        </p:txBody>
-      </p:sp>
-      <p:sp>
-        <p:nvSpPr>
-          <p:cNvPr id="46" name="矩形 45">
-            <a:extLst>
-              <a:ext uri="{FF2B5EF4-FFF2-40B4-BE49-F238E27FC236}">
-                <a16:creationId xmlns:a16="http://schemas.microsoft.com/office/drawing/2014/main" id="{ACEAC5EC-7876-459B-A2E4-ADB70F8B73BE}"/>
-              </a:ext>
-            </a:extLst>
-          </p:cNvPr>
-          <p:cNvSpPr/>
-          <p:nvPr/>
-        </p:nvSpPr>
-        <p:spPr>
-          <a:xfrm>
-            <a:off x="7041337" y="4133516"/>
-            <a:ext cx="193565" cy="369332"/>
-          </a:xfrm>
-          <a:prstGeom prst="rect">
-            <a:avLst/>
-          </a:prstGeom>
-          <a:solidFill>
-            <a:schemeClr val="bg1"/>
-          </a:solidFill>
-        </p:spPr>
-        <p:txBody>
-          <a:bodyPr wrap="square" lIns="91440" tIns="45720" rIns="91440" bIns="45720">
-            <a:spAutoFit/>
-          </a:bodyPr>
-          <a:lstStyle/>
-          <a:p>
-            <a:pPr algn="ctr"/>
-            <a:r>
-              <a:rPr lang="en-US" altLang="zh-CN" dirty="0">
-                <a:ln w="0"/>
-                <a:effectLst>
-                  <a:outerShdw blurRad="38100" dist="19050" dir="2700000" algn="tl" rotWithShape="0">
-                    <a:schemeClr val="dk1">
-                      <a:alpha val="40000"/>
-                    </a:schemeClr>
-                  </a:outerShdw>
-                </a:effectLst>
-              </a:rPr>
-              <a:t>2</a:t>
-            </a:r>
-            <a:endParaRPr lang="zh-CN" altLang="en-US" b="0" cap="none" spc="0" dirty="0">
-              <a:ln w="0"/>
-              <a:solidFill>
-                <a:schemeClr val="tx1"/>
-              </a:solidFill>
-              <a:effectLst>
-                <a:outerShdw blurRad="38100" dist="19050" dir="2700000" algn="tl" rotWithShape="0">
-                  <a:schemeClr val="dk1">
-                    <a:alpha val="40000"/>
-                  </a:schemeClr>
-                </a:outerShdw>
-              </a:effectLst>
-            </a:endParaRPr>
-          </a:p>
-        </p:txBody>
-      </p:sp>
-      <p:cxnSp>
-        <p:nvCxnSpPr>
-          <p:cNvPr id="48" name="直接连接符 47">
-            <a:extLst>
-              <a:ext uri="{FF2B5EF4-FFF2-40B4-BE49-F238E27FC236}">
-                <a16:creationId xmlns:a16="http://schemas.microsoft.com/office/drawing/2014/main" id="{9D87FD8F-7B5E-4129-9CF2-6FD38AF16C8A}"/>
-              </a:ext>
-            </a:extLst>
-          </p:cNvPr>
-          <p:cNvCxnSpPr>
-            <a:stCxn id="7" idx="4"/>
-            <a:endCxn id="11" idx="0"/>
-          </p:cNvCxnSpPr>
-          <p:nvPr/>
-        </p:nvCxnSpPr>
-        <p:spPr>
-          <a:xfrm>
-            <a:off x="9881261" y="2256311"/>
-            <a:ext cx="0" cy="2574966"/>
-          </a:xfrm>
-          <a:prstGeom prst="line">
-            <a:avLst/>
-          </a:prstGeom>
-        </p:spPr>
-        <p:style>
-          <a:lnRef idx="1">
-            <a:schemeClr val="accent1"/>
-          </a:lnRef>
-          <a:fillRef idx="0">
-            <a:schemeClr val="accent1"/>
-          </a:fillRef>
-          <a:effectRef idx="0">
-            <a:schemeClr val="accent1"/>
-          </a:effectRef>
-          <a:fontRef idx="minor">
-            <a:schemeClr val="tx1"/>
-          </a:fontRef>
-        </p:style>
-      </p:cxnSp>
       <p:sp>
         <p:nvSpPr>
           <p:cNvPr id="49" name="矩形 48">
@@ -7285,6 +7286,152 @@
     <p:extLst>
       <p:ext uri="{BB962C8B-B14F-4D97-AF65-F5344CB8AC3E}">
         <p14:creationId xmlns:p14="http://schemas.microsoft.com/office/powerpoint/2010/main" val="3856277298"/>
+      </p:ext>
+    </p:extLst>
+  </p:cSld>
+  <p:clrMapOvr>
+    <a:masterClrMapping/>
+  </p:clrMapOvr>
+</p:sld>
+</file>
+
+<file path=ppt/slides/slide3.xml><?xml version="1.0" encoding="utf-8"?>
+<p:sld xmlns:a="http://schemas.openxmlformats.org/drawingml/2006/main" xmlns:r="http://schemas.openxmlformats.org/officeDocument/2006/relationships" xmlns:p="http://schemas.openxmlformats.org/presentationml/2006/main">
+  <p:cSld>
+    <p:spTree>
+      <p:nvGrpSpPr>
+        <p:cNvPr id="1" name=""/>
+        <p:cNvGrpSpPr/>
+        <p:nvPr/>
+      </p:nvGrpSpPr>
+      <p:grpSpPr>
+        <a:xfrm>
+          <a:off x="0" y="0"/>
+          <a:ext cx="0" cy="0"/>
+          <a:chOff x="0" y="0"/>
+          <a:chExt cx="0" cy="0"/>
+        </a:xfrm>
+      </p:grpSpPr>
+      <p:pic>
+        <p:nvPicPr>
+          <p:cNvPr id="5" name="图片 4">
+            <a:extLst>
+              <a:ext uri="{FF2B5EF4-FFF2-40B4-BE49-F238E27FC236}">
+                <a16:creationId xmlns:a16="http://schemas.microsoft.com/office/drawing/2014/main" id="{7E23117D-72F0-420D-ACCE-CF7EC1F2F9B4}"/>
+              </a:ext>
+            </a:extLst>
+          </p:cNvPr>
+          <p:cNvPicPr>
+            <a:picLocks noChangeAspect="1"/>
+          </p:cNvPicPr>
+          <p:nvPr/>
+        </p:nvPicPr>
+        <p:blipFill>
+          <a:blip r:embed="rId2">
+            <a:extLst>
+              <a:ext uri="{28A0092B-C50C-407E-A947-70E740481C1C}">
+                <a14:useLocalDpi xmlns:a14="http://schemas.microsoft.com/office/drawing/2010/main" val="0"/>
+              </a:ext>
+            </a:extLst>
+          </a:blip>
+          <a:stretch>
+            <a:fillRect/>
+          </a:stretch>
+        </p:blipFill>
+        <p:spPr>
+          <a:xfrm>
+            <a:off x="0" y="1636295"/>
+            <a:ext cx="5375927" cy="3062037"/>
+          </a:xfrm>
+          <a:prstGeom prst="rect">
+            <a:avLst/>
+          </a:prstGeom>
+        </p:spPr>
+      </p:pic>
+      <p:sp>
+        <p:nvSpPr>
+          <p:cNvPr id="6" name="箭头: 右 5">
+            <a:extLst>
+              <a:ext uri="{FF2B5EF4-FFF2-40B4-BE49-F238E27FC236}">
+                <a16:creationId xmlns:a16="http://schemas.microsoft.com/office/drawing/2014/main" id="{73B4E73C-8A49-4915-9DA6-05DD7D5CE738}"/>
+              </a:ext>
+            </a:extLst>
+          </p:cNvPr>
+          <p:cNvSpPr/>
+          <p:nvPr/>
+        </p:nvSpPr>
+        <p:spPr>
+          <a:xfrm>
+            <a:off x="5281864" y="3013911"/>
+            <a:ext cx="1022684" cy="415089"/>
+          </a:xfrm>
+          <a:prstGeom prst="rightArrow">
+            <a:avLst/>
+          </a:prstGeom>
+        </p:spPr>
+        <p:style>
+          <a:lnRef idx="1">
+            <a:schemeClr val="accent2"/>
+          </a:lnRef>
+          <a:fillRef idx="2">
+            <a:schemeClr val="accent2"/>
+          </a:fillRef>
+          <a:effectRef idx="1">
+            <a:schemeClr val="accent2"/>
+          </a:effectRef>
+          <a:fontRef idx="minor">
+            <a:schemeClr val="dk1"/>
+          </a:fontRef>
+        </p:style>
+        <p:txBody>
+          <a:bodyPr rtlCol="0" anchor="ctr"/>
+          <a:lstStyle/>
+          <a:p>
+            <a:pPr algn="ctr"/>
+            <a:endParaRPr lang="zh-CN" altLang="en-US"/>
+          </a:p>
+        </p:txBody>
+      </p:sp>
+      <p:pic>
+        <p:nvPicPr>
+          <p:cNvPr id="8" name="图片 7">
+            <a:extLst>
+              <a:ext uri="{FF2B5EF4-FFF2-40B4-BE49-F238E27FC236}">
+                <a16:creationId xmlns:a16="http://schemas.microsoft.com/office/drawing/2014/main" id="{E980917B-511B-4FB4-A272-C8013D03ABB5}"/>
+              </a:ext>
+            </a:extLst>
+          </p:cNvPr>
+          <p:cNvPicPr>
+            <a:picLocks noChangeAspect="1"/>
+          </p:cNvPicPr>
+          <p:nvPr/>
+        </p:nvPicPr>
+        <p:blipFill>
+          <a:blip r:embed="rId3">
+            <a:extLst>
+              <a:ext uri="{28A0092B-C50C-407E-A947-70E740481C1C}">
+                <a14:useLocalDpi xmlns:a14="http://schemas.microsoft.com/office/drawing/2010/main" val="0"/>
+              </a:ext>
+            </a:extLst>
+          </a:blip>
+          <a:stretch>
+            <a:fillRect/>
+          </a:stretch>
+        </p:blipFill>
+        <p:spPr>
+          <a:xfrm>
+            <a:off x="6304548" y="1684421"/>
+            <a:ext cx="5094364" cy="3013911"/>
+          </a:xfrm>
+          <a:prstGeom prst="rect">
+            <a:avLst/>
+          </a:prstGeom>
+        </p:spPr>
+      </p:pic>
+    </p:spTree>
+    <p:extLst>
+      <p:ext uri="{BB962C8B-B14F-4D97-AF65-F5344CB8AC3E}">
+        <p14:creationId xmlns:p14="http://schemas.microsoft.com/office/powerpoint/2010/main" val="740562233"/>
       </p:ext>
     </p:extLst>
   </p:cSld>

--- a/Inv_Summary/Graph.pptx
+++ b/Inv_Summary/Graph.pptx
@@ -5,12 +5,13 @@
     <p:sldMasterId id="2147483648" r:id="rId1"/>
   </p:sldMasterIdLst>
   <p:notesMasterIdLst>
-    <p:notesMasterId r:id="rId5"/>
+    <p:notesMasterId r:id="rId6"/>
   </p:notesMasterIdLst>
   <p:sldIdLst>
     <p:sldId id="256" r:id="rId2"/>
     <p:sldId id="257" r:id="rId3"/>
     <p:sldId id="258" r:id="rId4"/>
+    <p:sldId id="259" r:id="rId5"/>
   </p:sldIdLst>
   <p:sldSz cx="12192000" cy="6858000"/>
   <p:notesSz cx="6858000" cy="9144000"/>
@@ -199,7 +200,7 @@
           <a:p>
             <a:fld id="{DFA01F4A-61CA-4282-B66A-1965352A61A0}" type="datetimeFigureOut">
               <a:rPr lang="zh-CN" altLang="en-US" smtClean="0"/>
-              <a:t>2020/1/10</a:t>
+              <a:t>2020/1/13</a:t>
             </a:fld>
             <a:endParaRPr lang="zh-CN" altLang="en-US"/>
           </a:p>
@@ -800,7 +801,7 @@
           <a:p>
             <a:fld id="{1E7EB274-E40B-40C7-AD26-AB312C8C00A1}" type="datetimeFigureOut">
               <a:rPr lang="zh-CN" altLang="en-US" smtClean="0"/>
-              <a:t>2020/1/10</a:t>
+              <a:t>2020/1/13</a:t>
             </a:fld>
             <a:endParaRPr lang="zh-CN" altLang="en-US"/>
           </a:p>
@@ -998,7 +999,7 @@
           <a:p>
             <a:fld id="{1E7EB274-E40B-40C7-AD26-AB312C8C00A1}" type="datetimeFigureOut">
               <a:rPr lang="zh-CN" altLang="en-US" smtClean="0"/>
-              <a:t>2020/1/10</a:t>
+              <a:t>2020/1/13</a:t>
             </a:fld>
             <a:endParaRPr lang="zh-CN" altLang="en-US"/>
           </a:p>
@@ -1206,7 +1207,7 @@
           <a:p>
             <a:fld id="{1E7EB274-E40B-40C7-AD26-AB312C8C00A1}" type="datetimeFigureOut">
               <a:rPr lang="zh-CN" altLang="en-US" smtClean="0"/>
-              <a:t>2020/1/10</a:t>
+              <a:t>2020/1/13</a:t>
             </a:fld>
             <a:endParaRPr lang="zh-CN" altLang="en-US"/>
           </a:p>
@@ -1404,7 +1405,7 @@
           <a:p>
             <a:fld id="{1E7EB274-E40B-40C7-AD26-AB312C8C00A1}" type="datetimeFigureOut">
               <a:rPr lang="zh-CN" altLang="en-US" smtClean="0"/>
-              <a:t>2020/1/10</a:t>
+              <a:t>2020/1/13</a:t>
             </a:fld>
             <a:endParaRPr lang="zh-CN" altLang="en-US"/>
           </a:p>
@@ -1679,7 +1680,7 @@
           <a:p>
             <a:fld id="{1E7EB274-E40B-40C7-AD26-AB312C8C00A1}" type="datetimeFigureOut">
               <a:rPr lang="zh-CN" altLang="en-US" smtClean="0"/>
-              <a:t>2020/1/10</a:t>
+              <a:t>2020/1/13</a:t>
             </a:fld>
             <a:endParaRPr lang="zh-CN" altLang="en-US"/>
           </a:p>
@@ -1944,7 +1945,7 @@
           <a:p>
             <a:fld id="{1E7EB274-E40B-40C7-AD26-AB312C8C00A1}" type="datetimeFigureOut">
               <a:rPr lang="zh-CN" altLang="en-US" smtClean="0"/>
-              <a:t>2020/1/10</a:t>
+              <a:t>2020/1/13</a:t>
             </a:fld>
             <a:endParaRPr lang="zh-CN" altLang="en-US"/>
           </a:p>
@@ -2356,7 +2357,7 @@
           <a:p>
             <a:fld id="{1E7EB274-E40B-40C7-AD26-AB312C8C00A1}" type="datetimeFigureOut">
               <a:rPr lang="zh-CN" altLang="en-US" smtClean="0"/>
-              <a:t>2020/1/10</a:t>
+              <a:t>2020/1/13</a:t>
             </a:fld>
             <a:endParaRPr lang="zh-CN" altLang="en-US"/>
           </a:p>
@@ -2497,7 +2498,7 @@
           <a:p>
             <a:fld id="{1E7EB274-E40B-40C7-AD26-AB312C8C00A1}" type="datetimeFigureOut">
               <a:rPr lang="zh-CN" altLang="en-US" smtClean="0"/>
-              <a:t>2020/1/10</a:t>
+              <a:t>2020/1/13</a:t>
             </a:fld>
             <a:endParaRPr lang="zh-CN" altLang="en-US"/>
           </a:p>
@@ -2610,7 +2611,7 @@
           <a:p>
             <a:fld id="{1E7EB274-E40B-40C7-AD26-AB312C8C00A1}" type="datetimeFigureOut">
               <a:rPr lang="zh-CN" altLang="en-US" smtClean="0"/>
-              <a:t>2020/1/10</a:t>
+              <a:t>2020/1/13</a:t>
             </a:fld>
             <a:endParaRPr lang="zh-CN" altLang="en-US"/>
           </a:p>
@@ -2921,7 +2922,7 @@
           <a:p>
             <a:fld id="{1E7EB274-E40B-40C7-AD26-AB312C8C00A1}" type="datetimeFigureOut">
               <a:rPr lang="zh-CN" altLang="en-US" smtClean="0"/>
-              <a:t>2020/1/10</a:t>
+              <a:t>2020/1/13</a:t>
             </a:fld>
             <a:endParaRPr lang="zh-CN" altLang="en-US"/>
           </a:p>
@@ -3209,7 +3210,7 @@
           <a:p>
             <a:fld id="{1E7EB274-E40B-40C7-AD26-AB312C8C00A1}" type="datetimeFigureOut">
               <a:rPr lang="zh-CN" altLang="en-US" smtClean="0"/>
-              <a:t>2020/1/10</a:t>
+              <a:t>2020/1/13</a:t>
             </a:fld>
             <a:endParaRPr lang="zh-CN" altLang="en-US"/>
           </a:p>
@@ -3450,7 +3451,7 @@
           <a:p>
             <a:fld id="{1E7EB274-E40B-40C7-AD26-AB312C8C00A1}" type="datetimeFigureOut">
               <a:rPr lang="zh-CN" altLang="en-US" smtClean="0"/>
-              <a:t>2020/1/10</a:t>
+              <a:t>2020/1/13</a:t>
             </a:fld>
             <a:endParaRPr lang="zh-CN" altLang="en-US"/>
           </a:p>
@@ -3881,8 +3882,8 @@
         </p:nvSpPr>
         <p:spPr>
           <a:xfrm>
-            <a:off x="1555668" y="1045029"/>
-            <a:ext cx="1276597" cy="1211283"/>
+            <a:off x="1674251" y="1289715"/>
+            <a:ext cx="1020551" cy="981692"/>
           </a:xfrm>
           <a:prstGeom prst="ellipse">
             <a:avLst/>
@@ -3931,8 +3932,8 @@
         </p:nvSpPr>
         <p:spPr>
           <a:xfrm>
-            <a:off x="3899067" y="1045028"/>
-            <a:ext cx="1276597" cy="1211283"/>
+            <a:off x="4007344" y="1260949"/>
+            <a:ext cx="1020551" cy="981736"/>
           </a:xfrm>
           <a:prstGeom prst="ellipse">
             <a:avLst/>
@@ -3981,8 +3982,8 @@
         </p:nvSpPr>
         <p:spPr>
           <a:xfrm>
-            <a:off x="6486895" y="1045028"/>
-            <a:ext cx="1276597" cy="1211283"/>
+            <a:off x="6559258" y="1260949"/>
+            <a:ext cx="1020551" cy="952970"/>
           </a:xfrm>
           <a:prstGeom prst="ellipse">
             <a:avLst/>
@@ -4031,8 +4032,8 @@
         </p:nvSpPr>
         <p:spPr>
           <a:xfrm>
-            <a:off x="9242962" y="1045028"/>
-            <a:ext cx="1276597" cy="1211283"/>
+            <a:off x="9281345" y="1260949"/>
+            <a:ext cx="1020551" cy="924226"/>
           </a:xfrm>
           <a:prstGeom prst="ellipse">
             <a:avLst/>
@@ -4081,8 +4082,8 @@
         </p:nvSpPr>
         <p:spPr>
           <a:xfrm>
-            <a:off x="1555668" y="4831279"/>
-            <a:ext cx="1276597" cy="1211283"/>
+            <a:off x="1683691" y="4831280"/>
+            <a:ext cx="1020552" cy="1039041"/>
           </a:xfrm>
           <a:prstGeom prst="ellipse">
             <a:avLst/>
@@ -4110,9 +4111,10 @@
           <a:p>
             <a:pPr algn="ctr"/>
             <a:r>
-              <a:rPr lang="zh-CN" altLang="en-US" dirty="0"/>
-              <a:t>①</a:t>
-            </a:r>
+              <a:rPr lang="en-US" altLang="zh-CN" dirty="0"/>
+              <a:t>a</a:t>
+            </a:r>
+            <a:endParaRPr lang="zh-CN" altLang="en-US" dirty="0"/>
           </a:p>
         </p:txBody>
       </p:sp>
@@ -4130,8 +4132,8 @@
         </p:nvSpPr>
         <p:spPr>
           <a:xfrm>
-            <a:off x="3899066" y="4831278"/>
-            <a:ext cx="1276597" cy="1211283"/>
+            <a:off x="4005349" y="4831278"/>
+            <a:ext cx="1020552" cy="1039041"/>
           </a:xfrm>
           <a:prstGeom prst="ellipse">
             <a:avLst/>
@@ -4159,9 +4161,10 @@
           <a:p>
             <a:pPr algn="ctr"/>
             <a:r>
-              <a:rPr lang="zh-CN" altLang="en-US" dirty="0"/>
-              <a:t>②</a:t>
-            </a:r>
+              <a:rPr lang="en-US" altLang="zh-CN" dirty="0"/>
+              <a:t>b</a:t>
+            </a:r>
+            <a:endParaRPr lang="zh-CN" altLang="en-US" dirty="0"/>
           </a:p>
         </p:txBody>
       </p:sp>
@@ -4179,8 +4182,8 @@
         </p:nvSpPr>
         <p:spPr>
           <a:xfrm>
-            <a:off x="6486894" y="4831278"/>
-            <a:ext cx="1276597" cy="1211283"/>
+            <a:off x="6559258" y="4860000"/>
+            <a:ext cx="1062747" cy="1010319"/>
           </a:xfrm>
           <a:prstGeom prst="ellipse">
             <a:avLst/>
@@ -4208,9 +4211,10 @@
           <a:p>
             <a:pPr algn="ctr"/>
             <a:r>
-              <a:rPr lang="zh-CN" altLang="en-US" dirty="0"/>
-              <a:t>③</a:t>
-            </a:r>
+              <a:rPr lang="en-US" altLang="zh-CN" dirty="0"/>
+              <a:t>c</a:t>
+            </a:r>
+            <a:endParaRPr lang="zh-CN" altLang="en-US" dirty="0"/>
           </a:p>
         </p:txBody>
       </p:sp>
@@ -4228,8 +4232,8 @@
         </p:nvSpPr>
         <p:spPr>
           <a:xfrm>
-            <a:off x="9242962" y="4831277"/>
-            <a:ext cx="1276597" cy="1211283"/>
+            <a:off x="9281346" y="4831278"/>
+            <a:ext cx="1020551" cy="1010319"/>
           </a:xfrm>
           <a:prstGeom prst="ellipse">
             <a:avLst/>
@@ -4257,9 +4261,10 @@
           <a:p>
             <a:pPr algn="ctr"/>
             <a:r>
-              <a:rPr lang="zh-CN" altLang="en-US" dirty="0"/>
-              <a:t>④</a:t>
-            </a:r>
+              <a:rPr lang="en-US" altLang="zh-CN" dirty="0"/>
+              <a:t>d</a:t>
+            </a:r>
+            <a:endParaRPr lang="zh-CN" altLang="en-US" dirty="0"/>
           </a:p>
         </p:txBody>
       </p:sp>
@@ -4273,6 +4278,7 @@
             </a:extLst>
           </p:cNvPr>
           <p:cNvCxnSpPr>
+            <a:cxnSpLocks/>
             <a:stCxn id="6" idx="4"/>
             <a:endCxn id="8" idx="0"/>
           </p:cNvCxnSpPr>
@@ -4280,13 +4286,13 @@
         </p:nvCxnSpPr>
         <p:spPr>
           <a:xfrm flipH="1">
-            <a:off x="2193967" y="2256311"/>
-            <a:ext cx="4931227" cy="2574968"/>
+            <a:off x="2193967" y="2213919"/>
+            <a:ext cx="4875567" cy="2617361"/>
           </a:xfrm>
           <a:prstGeom prst="straightConnector1">
             <a:avLst/>
           </a:prstGeom>
-          <a:ln>
+          <a:ln w="57150">
             <a:tailEnd type="triangle"/>
           </a:ln>
         </p:spPr>
@@ -4319,7 +4325,7 @@
         </p:nvSpPr>
         <p:spPr>
           <a:xfrm>
-            <a:off x="1994232" y="706474"/>
+            <a:off x="1988216" y="856872"/>
             <a:ext cx="399468" cy="338554"/>
           </a:xfrm>
           <a:prstGeom prst="rect">
@@ -4355,7 +4361,7 @@
         </p:nvSpPr>
         <p:spPr>
           <a:xfrm>
-            <a:off x="4337630" y="706473"/>
+            <a:off x="4331614" y="856871"/>
             <a:ext cx="399468" cy="338554"/>
           </a:xfrm>
           <a:prstGeom prst="rect">
@@ -4391,7 +4397,7 @@
         </p:nvSpPr>
         <p:spPr>
           <a:xfrm>
-            <a:off x="6919860" y="706473"/>
+            <a:off x="6913844" y="856871"/>
             <a:ext cx="399468" cy="338554"/>
           </a:xfrm>
           <a:prstGeom prst="rect">
@@ -4427,7 +4433,7 @@
         </p:nvSpPr>
         <p:spPr>
           <a:xfrm>
-            <a:off x="9681526" y="706473"/>
+            <a:off x="9553505" y="856871"/>
             <a:ext cx="399468" cy="338554"/>
           </a:xfrm>
           <a:prstGeom prst="rect">
@@ -4459,6 +4465,7 @@
             </a:extLst>
           </p:cNvPr>
           <p:cNvCxnSpPr>
+            <a:cxnSpLocks/>
             <a:stCxn id="6" idx="4"/>
             <a:endCxn id="11" idx="0"/>
           </p:cNvCxnSpPr>
@@ -4466,13 +4473,13 @@
         </p:nvCxnSpPr>
         <p:spPr>
           <a:xfrm>
-            <a:off x="7125194" y="2256311"/>
-            <a:ext cx="2756067" cy="2574966"/>
+            <a:off x="7069534" y="2213919"/>
+            <a:ext cx="2722088" cy="2617359"/>
           </a:xfrm>
           <a:prstGeom prst="straightConnector1">
             <a:avLst/>
           </a:prstGeom>
-          <a:ln>
+          <a:ln w="57150">
             <a:tailEnd type="triangle"/>
           </a:ln>
         </p:spPr>
@@ -4501,6 +4508,7 @@
             </a:extLst>
           </p:cNvPr>
           <p:cNvCxnSpPr>
+            <a:cxnSpLocks/>
             <a:stCxn id="5" idx="4"/>
             <a:endCxn id="8" idx="0"/>
           </p:cNvCxnSpPr>
@@ -4508,8 +4516,8 @@
         </p:nvCxnSpPr>
         <p:spPr>
           <a:xfrm flipH="1">
-            <a:off x="2193967" y="2256311"/>
-            <a:ext cx="2343399" cy="2574968"/>
+            <a:off x="2193967" y="2242685"/>
+            <a:ext cx="2323653" cy="2588595"/>
           </a:xfrm>
           <a:prstGeom prst="line">
             <a:avLst/>
@@ -4540,6 +4548,7 @@
             </a:extLst>
           </p:cNvPr>
           <p:cNvCxnSpPr>
+            <a:cxnSpLocks/>
             <a:stCxn id="4" idx="4"/>
             <a:endCxn id="8" idx="0"/>
           </p:cNvCxnSpPr>
@@ -4547,8 +4556,8 @@
         </p:nvCxnSpPr>
         <p:spPr>
           <a:xfrm>
-            <a:off x="2193967" y="2256312"/>
-            <a:ext cx="0" cy="2574967"/>
+            <a:off x="2184527" y="2271407"/>
+            <a:ext cx="9440" cy="2559873"/>
           </a:xfrm>
           <a:prstGeom prst="line">
             <a:avLst/>
@@ -4579,6 +4588,7 @@
             </a:extLst>
           </p:cNvPr>
           <p:cNvCxnSpPr>
+            <a:cxnSpLocks/>
             <a:stCxn id="4" idx="4"/>
             <a:endCxn id="9" idx="0"/>
           </p:cNvCxnSpPr>
@@ -4586,8 +4596,8 @@
         </p:nvCxnSpPr>
         <p:spPr>
           <a:xfrm>
-            <a:off x="2193967" y="2256312"/>
-            <a:ext cx="2343398" cy="2574966"/>
+            <a:off x="2184527" y="2271407"/>
+            <a:ext cx="2331098" cy="2559871"/>
           </a:xfrm>
           <a:prstGeom prst="line">
             <a:avLst/>
@@ -4618,6 +4628,7 @@
             </a:extLst>
           </p:cNvPr>
           <p:cNvCxnSpPr>
+            <a:cxnSpLocks/>
             <a:stCxn id="4" idx="4"/>
             <a:endCxn id="11" idx="0"/>
           </p:cNvCxnSpPr>
@@ -4625,8 +4636,8 @@
         </p:nvCxnSpPr>
         <p:spPr>
           <a:xfrm>
-            <a:off x="2193967" y="2256312"/>
-            <a:ext cx="7687294" cy="2574965"/>
+            <a:off x="2184527" y="2271407"/>
+            <a:ext cx="7607095" cy="2559871"/>
           </a:xfrm>
           <a:prstGeom prst="line">
             <a:avLst/>
@@ -4661,8 +4672,8 @@
         </p:nvSpPr>
         <p:spPr>
           <a:xfrm>
-            <a:off x="2097183" y="4084575"/>
-            <a:ext cx="193565" cy="369332"/>
+            <a:off x="2061843" y="4084575"/>
+            <a:ext cx="264248" cy="369332"/>
           </a:xfrm>
           <a:prstGeom prst="rect">
             <a:avLst/>
@@ -4847,9 +4858,7 @@
           <a:prstGeom prst="rect">
             <a:avLst/>
           </a:prstGeom>
-          <a:solidFill>
-            <a:schemeClr val="bg1"/>
-          </a:solidFill>
+          <a:noFill/>
         </p:spPr>
         <p:txBody>
           <a:bodyPr wrap="square" lIns="91440" tIns="45720" rIns="91440" bIns="45720">
@@ -4901,15 +4910,13 @@
         </p:nvSpPr>
         <p:spPr>
           <a:xfrm>
-            <a:off x="9242962" y="4133516"/>
+            <a:off x="9230930" y="4151564"/>
             <a:ext cx="193565" cy="369332"/>
           </a:xfrm>
           <a:prstGeom prst="rect">
             <a:avLst/>
           </a:prstGeom>
-          <a:solidFill>
-            <a:schemeClr val="bg1"/>
-          </a:solidFill>
+          <a:noFill/>
         </p:spPr>
         <p:txBody>
           <a:bodyPr wrap="square" lIns="91440" tIns="45720" rIns="91440" bIns="45720">
@@ -5020,6 +5027,7 @@
             </a:extLst>
           </p:cNvPr>
           <p:cNvCxnSpPr>
+            <a:cxnSpLocks/>
             <a:stCxn id="7" idx="4"/>
             <a:endCxn id="11" idx="0"/>
           </p:cNvCxnSpPr>
@@ -5027,8 +5035,8 @@
         </p:nvCxnSpPr>
         <p:spPr>
           <a:xfrm>
-            <a:off x="9881261" y="2256311"/>
-            <a:ext cx="0" cy="2574966"/>
+            <a:off x="9791621" y="2185175"/>
+            <a:ext cx="1" cy="2646103"/>
           </a:xfrm>
           <a:prstGeom prst="line">
             <a:avLst/>
@@ -5119,20 +5127,21 @@
             </a:extLst>
           </p:cNvPr>
           <p:cNvCxnSpPr>
+            <a:cxnSpLocks/>
             <a:stCxn id="6" idx="4"/>
             <a:endCxn id="10" idx="0"/>
           </p:cNvCxnSpPr>
           <p:nvPr/>
         </p:nvCxnSpPr>
         <p:spPr>
-          <a:xfrm flipH="1">
-            <a:off x="7125193" y="2256311"/>
-            <a:ext cx="1" cy="2574967"/>
+          <a:xfrm>
+            <a:off x="7069534" y="2213919"/>
+            <a:ext cx="21098" cy="2646081"/>
           </a:xfrm>
           <a:prstGeom prst="straightConnector1">
             <a:avLst/>
           </a:prstGeom>
-          <a:ln>
+          <a:ln w="57150">
             <a:tailEnd type="triangle"/>
           </a:ln>
         </p:spPr>
@@ -5165,15 +5174,13 @@
         </p:nvSpPr>
         <p:spPr>
           <a:xfrm>
-            <a:off x="7022841" y="4133516"/>
+            <a:off x="6998777" y="4133516"/>
             <a:ext cx="193565" cy="369332"/>
           </a:xfrm>
           <a:prstGeom prst="rect">
             <a:avLst/>
           </a:prstGeom>
-          <a:solidFill>
-            <a:schemeClr val="bg1"/>
-          </a:solidFill>
+          <a:noFill/>
         </p:spPr>
         <p:txBody>
           <a:bodyPr wrap="square" lIns="91440" tIns="45720" rIns="91440" bIns="45720">
@@ -5229,8 +5236,8 @@
         </p:nvCxnSpPr>
         <p:spPr>
           <a:xfrm flipH="1">
-            <a:off x="7125193" y="2256311"/>
-            <a:ext cx="2756068" cy="2574967"/>
+            <a:off x="7090632" y="2185175"/>
+            <a:ext cx="2700989" cy="2674825"/>
           </a:xfrm>
           <a:prstGeom prst="line">
             <a:avLst/>
@@ -5321,6 +5328,7 @@
             </a:extLst>
           </p:cNvPr>
           <p:cNvCxnSpPr>
+            <a:cxnSpLocks/>
             <a:stCxn id="7" idx="4"/>
             <a:endCxn id="9" idx="0"/>
           </p:cNvCxnSpPr>
@@ -5328,8 +5336,8 @@
         </p:nvCxnSpPr>
         <p:spPr>
           <a:xfrm flipH="1">
-            <a:off x="4537365" y="2256311"/>
-            <a:ext cx="5343896" cy="2574967"/>
+            <a:off x="4515625" y="2185175"/>
+            <a:ext cx="5275996" cy="2646103"/>
           </a:xfrm>
           <a:prstGeom prst="line">
             <a:avLst/>
@@ -5420,6 +5428,7 @@
             </a:extLst>
           </p:cNvPr>
           <p:cNvCxnSpPr>
+            <a:cxnSpLocks/>
             <a:stCxn id="5" idx="4"/>
             <a:endCxn id="9" idx="0"/>
           </p:cNvCxnSpPr>
@@ -5427,13 +5436,13 @@
         </p:nvCxnSpPr>
         <p:spPr>
           <a:xfrm flipH="1">
-            <a:off x="4537365" y="2256311"/>
-            <a:ext cx="1" cy="2574967"/>
+            <a:off x="4515625" y="2242685"/>
+            <a:ext cx="1995" cy="2588593"/>
           </a:xfrm>
           <a:prstGeom prst="straightConnector1">
             <a:avLst/>
           </a:prstGeom>
-          <a:ln>
+          <a:ln w="57150">
             <a:tailEnd type="triangle"/>
           </a:ln>
         </p:spPr>
@@ -5466,7 +5475,7 @@
         </p:nvSpPr>
         <p:spPr>
           <a:xfrm>
-            <a:off x="4455600" y="4088621"/>
+            <a:off x="4443568" y="4094637"/>
             <a:ext cx="193565" cy="369332"/>
           </a:xfrm>
           <a:prstGeom prst="rect">
@@ -5545,402 +5554,6 @@
           <a:chExt cx="0" cy="0"/>
         </a:xfrm>
       </p:grpSpPr>
-      <p:sp>
-        <p:nvSpPr>
-          <p:cNvPr id="4" name="椭圆 3">
-            <a:extLst>
-              <a:ext uri="{FF2B5EF4-FFF2-40B4-BE49-F238E27FC236}">
-                <a16:creationId xmlns:a16="http://schemas.microsoft.com/office/drawing/2014/main" id="{020B314B-C0B3-4ADD-B79C-79F2243392E7}"/>
-              </a:ext>
-            </a:extLst>
-          </p:cNvPr>
-          <p:cNvSpPr/>
-          <p:nvPr/>
-        </p:nvSpPr>
-        <p:spPr>
-          <a:xfrm>
-            <a:off x="1555668" y="1045029"/>
-            <a:ext cx="1276597" cy="1211283"/>
-          </a:xfrm>
-          <a:prstGeom prst="ellipse">
-            <a:avLst/>
-          </a:prstGeom>
-        </p:spPr>
-        <p:style>
-          <a:lnRef idx="2">
-            <a:schemeClr val="accent1">
-              <a:shade val="50000"/>
-            </a:schemeClr>
-          </a:lnRef>
-          <a:fillRef idx="1">
-            <a:schemeClr val="accent1"/>
-          </a:fillRef>
-          <a:effectRef idx="0">
-            <a:schemeClr val="accent1"/>
-          </a:effectRef>
-          <a:fontRef idx="minor">
-            <a:schemeClr val="lt1"/>
-          </a:fontRef>
-        </p:style>
-        <p:txBody>
-          <a:bodyPr rtlCol="0" anchor="ctr"/>
-          <a:lstStyle/>
-          <a:p>
-            <a:pPr algn="ctr"/>
-            <a:r>
-              <a:rPr lang="en-US" altLang="zh-CN" dirty="0"/>
-              <a:t>Ⅰ</a:t>
-            </a:r>
-            <a:endParaRPr lang="zh-CN" altLang="en-US" dirty="0"/>
-          </a:p>
-        </p:txBody>
-      </p:sp>
-      <p:sp>
-        <p:nvSpPr>
-          <p:cNvPr id="5" name="椭圆 4">
-            <a:extLst>
-              <a:ext uri="{FF2B5EF4-FFF2-40B4-BE49-F238E27FC236}">
-                <a16:creationId xmlns:a16="http://schemas.microsoft.com/office/drawing/2014/main" id="{70B94A73-6A6B-4E41-A97C-640EC7653547}"/>
-              </a:ext>
-            </a:extLst>
-          </p:cNvPr>
-          <p:cNvSpPr/>
-          <p:nvPr/>
-        </p:nvSpPr>
-        <p:spPr>
-          <a:xfrm>
-            <a:off x="3899067" y="1045028"/>
-            <a:ext cx="1276597" cy="1211283"/>
-          </a:xfrm>
-          <a:prstGeom prst="ellipse">
-            <a:avLst/>
-          </a:prstGeom>
-        </p:spPr>
-        <p:style>
-          <a:lnRef idx="2">
-            <a:schemeClr val="accent1">
-              <a:shade val="50000"/>
-            </a:schemeClr>
-          </a:lnRef>
-          <a:fillRef idx="1">
-            <a:schemeClr val="accent1"/>
-          </a:fillRef>
-          <a:effectRef idx="0">
-            <a:schemeClr val="accent1"/>
-          </a:effectRef>
-          <a:fontRef idx="minor">
-            <a:schemeClr val="lt1"/>
-          </a:fontRef>
-        </p:style>
-        <p:txBody>
-          <a:bodyPr rtlCol="0" anchor="ctr"/>
-          <a:lstStyle/>
-          <a:p>
-            <a:pPr algn="ctr"/>
-            <a:r>
-              <a:rPr lang="en-US" altLang="zh-CN" dirty="0"/>
-              <a:t>Ⅱ</a:t>
-            </a:r>
-            <a:endParaRPr lang="zh-CN" altLang="en-US" dirty="0"/>
-          </a:p>
-        </p:txBody>
-      </p:sp>
-      <p:sp>
-        <p:nvSpPr>
-          <p:cNvPr id="6" name="椭圆 5">
-            <a:extLst>
-              <a:ext uri="{FF2B5EF4-FFF2-40B4-BE49-F238E27FC236}">
-                <a16:creationId xmlns:a16="http://schemas.microsoft.com/office/drawing/2014/main" id="{7D46DBDC-33F0-4100-9BC1-9A26ECCC2D90}"/>
-              </a:ext>
-            </a:extLst>
-          </p:cNvPr>
-          <p:cNvSpPr/>
-          <p:nvPr/>
-        </p:nvSpPr>
-        <p:spPr>
-          <a:xfrm>
-            <a:off x="6486895" y="1045028"/>
-            <a:ext cx="1276597" cy="1211283"/>
-          </a:xfrm>
-          <a:prstGeom prst="ellipse">
-            <a:avLst/>
-          </a:prstGeom>
-        </p:spPr>
-        <p:style>
-          <a:lnRef idx="2">
-            <a:schemeClr val="accent1">
-              <a:shade val="50000"/>
-            </a:schemeClr>
-          </a:lnRef>
-          <a:fillRef idx="1">
-            <a:schemeClr val="accent1"/>
-          </a:fillRef>
-          <a:effectRef idx="0">
-            <a:schemeClr val="accent1"/>
-          </a:effectRef>
-          <a:fontRef idx="minor">
-            <a:schemeClr val="lt1"/>
-          </a:fontRef>
-        </p:style>
-        <p:txBody>
-          <a:bodyPr rtlCol="0" anchor="ctr"/>
-          <a:lstStyle/>
-          <a:p>
-            <a:pPr algn="ctr"/>
-            <a:r>
-              <a:rPr lang="en-US" altLang="zh-CN" dirty="0"/>
-              <a:t>Ⅲ</a:t>
-            </a:r>
-            <a:endParaRPr lang="zh-CN" altLang="en-US" dirty="0"/>
-          </a:p>
-        </p:txBody>
-      </p:sp>
-      <p:sp>
-        <p:nvSpPr>
-          <p:cNvPr id="7" name="椭圆 6">
-            <a:extLst>
-              <a:ext uri="{FF2B5EF4-FFF2-40B4-BE49-F238E27FC236}">
-                <a16:creationId xmlns:a16="http://schemas.microsoft.com/office/drawing/2014/main" id="{8CD83784-F3A9-4464-8012-CF78FDFA08E0}"/>
-              </a:ext>
-            </a:extLst>
-          </p:cNvPr>
-          <p:cNvSpPr/>
-          <p:nvPr/>
-        </p:nvSpPr>
-        <p:spPr>
-          <a:xfrm>
-            <a:off x="9242962" y="1045028"/>
-            <a:ext cx="1276597" cy="1211283"/>
-          </a:xfrm>
-          <a:prstGeom prst="ellipse">
-            <a:avLst/>
-          </a:prstGeom>
-        </p:spPr>
-        <p:style>
-          <a:lnRef idx="2">
-            <a:schemeClr val="accent1">
-              <a:shade val="50000"/>
-            </a:schemeClr>
-          </a:lnRef>
-          <a:fillRef idx="1">
-            <a:schemeClr val="accent1"/>
-          </a:fillRef>
-          <a:effectRef idx="0">
-            <a:schemeClr val="accent1"/>
-          </a:effectRef>
-          <a:fontRef idx="minor">
-            <a:schemeClr val="lt1"/>
-          </a:fontRef>
-        </p:style>
-        <p:txBody>
-          <a:bodyPr rtlCol="0" anchor="ctr"/>
-          <a:lstStyle/>
-          <a:p>
-            <a:pPr algn="ctr"/>
-            <a:r>
-              <a:rPr lang="en-US" altLang="zh-CN" dirty="0"/>
-              <a:t>Ⅳ</a:t>
-            </a:r>
-            <a:endParaRPr lang="zh-CN" altLang="en-US" dirty="0"/>
-          </a:p>
-        </p:txBody>
-      </p:sp>
-      <p:sp>
-        <p:nvSpPr>
-          <p:cNvPr id="8" name="椭圆 7">
-            <a:extLst>
-              <a:ext uri="{FF2B5EF4-FFF2-40B4-BE49-F238E27FC236}">
-                <a16:creationId xmlns:a16="http://schemas.microsoft.com/office/drawing/2014/main" id="{9D4C6BF1-8A28-423E-9DF1-726CEC917A19}"/>
-              </a:ext>
-            </a:extLst>
-          </p:cNvPr>
-          <p:cNvSpPr/>
-          <p:nvPr/>
-        </p:nvSpPr>
-        <p:spPr>
-          <a:xfrm>
-            <a:off x="1555668" y="4831279"/>
-            <a:ext cx="1276597" cy="1211283"/>
-          </a:xfrm>
-          <a:prstGeom prst="ellipse">
-            <a:avLst/>
-          </a:prstGeom>
-        </p:spPr>
-        <p:style>
-          <a:lnRef idx="2">
-            <a:schemeClr val="accent1">
-              <a:shade val="50000"/>
-            </a:schemeClr>
-          </a:lnRef>
-          <a:fillRef idx="1">
-            <a:schemeClr val="accent1"/>
-          </a:fillRef>
-          <a:effectRef idx="0">
-            <a:schemeClr val="accent1"/>
-          </a:effectRef>
-          <a:fontRef idx="minor">
-            <a:schemeClr val="lt1"/>
-          </a:fontRef>
-        </p:style>
-        <p:txBody>
-          <a:bodyPr rtlCol="0" anchor="ctr"/>
-          <a:lstStyle/>
-          <a:p>
-            <a:pPr algn="ctr"/>
-            <a:r>
-              <a:rPr lang="zh-CN" altLang="en-US" dirty="0"/>
-              <a:t>①</a:t>
-            </a:r>
-          </a:p>
-        </p:txBody>
-      </p:sp>
-      <p:sp>
-        <p:nvSpPr>
-          <p:cNvPr id="9" name="椭圆 8">
-            <a:extLst>
-              <a:ext uri="{FF2B5EF4-FFF2-40B4-BE49-F238E27FC236}">
-                <a16:creationId xmlns:a16="http://schemas.microsoft.com/office/drawing/2014/main" id="{1684DC7B-7F6D-4721-8E06-4AA38E307B0B}"/>
-              </a:ext>
-            </a:extLst>
-          </p:cNvPr>
-          <p:cNvSpPr/>
-          <p:nvPr/>
-        </p:nvSpPr>
-        <p:spPr>
-          <a:xfrm>
-            <a:off x="3899066" y="4831278"/>
-            <a:ext cx="1276597" cy="1211283"/>
-          </a:xfrm>
-          <a:prstGeom prst="ellipse">
-            <a:avLst/>
-          </a:prstGeom>
-        </p:spPr>
-        <p:style>
-          <a:lnRef idx="2">
-            <a:schemeClr val="accent1">
-              <a:shade val="50000"/>
-            </a:schemeClr>
-          </a:lnRef>
-          <a:fillRef idx="1">
-            <a:schemeClr val="accent1"/>
-          </a:fillRef>
-          <a:effectRef idx="0">
-            <a:schemeClr val="accent1"/>
-          </a:effectRef>
-          <a:fontRef idx="minor">
-            <a:schemeClr val="lt1"/>
-          </a:fontRef>
-        </p:style>
-        <p:txBody>
-          <a:bodyPr rtlCol="0" anchor="ctr"/>
-          <a:lstStyle/>
-          <a:p>
-            <a:pPr algn="ctr"/>
-            <a:r>
-              <a:rPr lang="zh-CN" altLang="en-US" dirty="0"/>
-              <a:t>②</a:t>
-            </a:r>
-          </a:p>
-        </p:txBody>
-      </p:sp>
-      <p:sp>
-        <p:nvSpPr>
-          <p:cNvPr id="10" name="椭圆 9">
-            <a:extLst>
-              <a:ext uri="{FF2B5EF4-FFF2-40B4-BE49-F238E27FC236}">
-                <a16:creationId xmlns:a16="http://schemas.microsoft.com/office/drawing/2014/main" id="{DD1CBC7C-3C10-404F-9043-14D38B511BB5}"/>
-              </a:ext>
-            </a:extLst>
-          </p:cNvPr>
-          <p:cNvSpPr/>
-          <p:nvPr/>
-        </p:nvSpPr>
-        <p:spPr>
-          <a:xfrm>
-            <a:off x="6486894" y="4831278"/>
-            <a:ext cx="1276597" cy="1211283"/>
-          </a:xfrm>
-          <a:prstGeom prst="ellipse">
-            <a:avLst/>
-          </a:prstGeom>
-        </p:spPr>
-        <p:style>
-          <a:lnRef idx="2">
-            <a:schemeClr val="accent1">
-              <a:shade val="50000"/>
-            </a:schemeClr>
-          </a:lnRef>
-          <a:fillRef idx="1">
-            <a:schemeClr val="accent1"/>
-          </a:fillRef>
-          <a:effectRef idx="0">
-            <a:schemeClr val="accent1"/>
-          </a:effectRef>
-          <a:fontRef idx="minor">
-            <a:schemeClr val="lt1"/>
-          </a:fontRef>
-        </p:style>
-        <p:txBody>
-          <a:bodyPr rtlCol="0" anchor="ctr"/>
-          <a:lstStyle/>
-          <a:p>
-            <a:pPr algn="ctr"/>
-            <a:r>
-              <a:rPr lang="zh-CN" altLang="en-US" dirty="0"/>
-              <a:t>③</a:t>
-            </a:r>
-          </a:p>
-        </p:txBody>
-      </p:sp>
-      <p:sp>
-        <p:nvSpPr>
-          <p:cNvPr id="11" name="椭圆 10">
-            <a:extLst>
-              <a:ext uri="{FF2B5EF4-FFF2-40B4-BE49-F238E27FC236}">
-                <a16:creationId xmlns:a16="http://schemas.microsoft.com/office/drawing/2014/main" id="{24B1CFF9-3E36-43AC-B19D-4E2A735D382F}"/>
-              </a:ext>
-            </a:extLst>
-          </p:cNvPr>
-          <p:cNvSpPr/>
-          <p:nvPr/>
-        </p:nvSpPr>
-        <p:spPr>
-          <a:xfrm>
-            <a:off x="9242962" y="4831277"/>
-            <a:ext cx="1276597" cy="1211283"/>
-          </a:xfrm>
-          <a:prstGeom prst="ellipse">
-            <a:avLst/>
-          </a:prstGeom>
-        </p:spPr>
-        <p:style>
-          <a:lnRef idx="2">
-            <a:schemeClr val="accent1">
-              <a:shade val="50000"/>
-            </a:schemeClr>
-          </a:lnRef>
-          <a:fillRef idx="1">
-            <a:schemeClr val="accent1"/>
-          </a:fillRef>
-          <a:effectRef idx="0">
-            <a:schemeClr val="accent1"/>
-          </a:effectRef>
-          <a:fontRef idx="minor">
-            <a:schemeClr val="lt1"/>
-          </a:fontRef>
-        </p:style>
-        <p:txBody>
-          <a:bodyPr rtlCol="0" anchor="ctr"/>
-          <a:lstStyle/>
-          <a:p>
-            <a:pPr algn="ctr"/>
-            <a:r>
-              <a:rPr lang="zh-CN" altLang="en-US" dirty="0"/>
-              <a:t>④</a:t>
-            </a:r>
-          </a:p>
-        </p:txBody>
-      </p:sp>
       <p:cxnSp>
         <p:nvCxnSpPr>
           <p:cNvPr id="13" name="直接箭头连接符 12">
@@ -5951,8 +5564,7 @@
             </a:extLst>
           </p:cNvPr>
           <p:cNvCxnSpPr>
-            <a:stCxn id="6" idx="4"/>
-            <a:endCxn id="8" idx="0"/>
+            <a:cxnSpLocks/>
           </p:cNvCxnSpPr>
           <p:nvPr/>
         </p:nvCxnSpPr>
@@ -5964,7 +5576,7 @@
           <a:prstGeom prst="straightConnector1">
             <a:avLst/>
           </a:prstGeom>
-          <a:ln>
+          <a:ln w="57150">
             <a:tailEnd type="triangle"/>
           </a:ln>
         </p:spPr>
@@ -5997,7 +5609,7 @@
         </p:nvSpPr>
         <p:spPr>
           <a:xfrm>
-            <a:off x="1994232" y="706474"/>
+            <a:off x="1994233" y="868902"/>
             <a:ext cx="399468" cy="338554"/>
           </a:xfrm>
           <a:prstGeom prst="rect">
@@ -6033,7 +5645,7 @@
         </p:nvSpPr>
         <p:spPr>
           <a:xfrm>
-            <a:off x="4337630" y="706473"/>
+            <a:off x="4337630" y="868902"/>
             <a:ext cx="399468" cy="338554"/>
           </a:xfrm>
           <a:prstGeom prst="rect">
@@ -6069,7 +5681,7 @@
         </p:nvSpPr>
         <p:spPr>
           <a:xfrm>
-            <a:off x="6919860" y="706473"/>
+            <a:off x="6919860" y="868902"/>
             <a:ext cx="399468" cy="338554"/>
           </a:xfrm>
           <a:prstGeom prst="rect">
@@ -6105,7 +5717,7 @@
         </p:nvSpPr>
         <p:spPr>
           <a:xfrm>
-            <a:off x="9681526" y="706473"/>
+            <a:off x="9681526" y="868902"/>
             <a:ext cx="399468" cy="338554"/>
           </a:xfrm>
           <a:prstGeom prst="rect">
@@ -6137,8 +5749,7 @@
             </a:extLst>
           </p:cNvPr>
           <p:cNvCxnSpPr>
-            <a:stCxn id="6" idx="4"/>
-            <a:endCxn id="11" idx="0"/>
+            <a:cxnSpLocks/>
           </p:cNvCxnSpPr>
           <p:nvPr/>
         </p:nvCxnSpPr>
@@ -6150,7 +5761,7 @@
           <a:prstGeom prst="straightConnector1">
             <a:avLst/>
           </a:prstGeom>
-          <a:ln>
+          <a:ln w="57150">
             <a:tailEnd type="triangle"/>
           </a:ln>
         </p:spPr>
@@ -6179,8 +5790,7 @@
             </a:extLst>
           </p:cNvPr>
           <p:cNvCxnSpPr>
-            <a:stCxn id="7" idx="4"/>
-            <a:endCxn id="9" idx="0"/>
+            <a:cxnSpLocks/>
           </p:cNvCxnSpPr>
           <p:nvPr/>
         </p:nvCxnSpPr>
@@ -6192,7 +5802,7 @@
           <a:prstGeom prst="straightConnector1">
             <a:avLst/>
           </a:prstGeom>
-          <a:ln>
+          <a:ln w="57150">
             <a:tailEnd type="triangle"/>
           </a:ln>
         </p:spPr>
@@ -6221,8 +5831,7 @@
             </a:extLst>
           </p:cNvPr>
           <p:cNvCxnSpPr>
-            <a:stCxn id="7" idx="4"/>
-            <a:endCxn id="10" idx="0"/>
+            <a:cxnSpLocks/>
           </p:cNvCxnSpPr>
           <p:nvPr/>
         </p:nvCxnSpPr>
@@ -6234,7 +5843,7 @@
           <a:prstGeom prst="straightConnector1">
             <a:avLst/>
           </a:prstGeom>
-          <a:ln>
+          <a:ln w="57150">
             <a:tailEnd type="triangle"/>
           </a:ln>
         </p:spPr>
@@ -6263,8 +5872,7 @@
             </a:extLst>
           </p:cNvPr>
           <p:cNvCxnSpPr>
-            <a:stCxn id="6" idx="4"/>
-            <a:endCxn id="10" idx="0"/>
+            <a:cxnSpLocks/>
           </p:cNvCxnSpPr>
           <p:nvPr/>
         </p:nvCxnSpPr>
@@ -6302,8 +5910,7 @@
             </a:extLst>
           </p:cNvPr>
           <p:cNvCxnSpPr>
-            <a:stCxn id="5" idx="4"/>
-            <a:endCxn id="9" idx="0"/>
+            <a:cxnSpLocks/>
           </p:cNvCxnSpPr>
           <p:nvPr/>
         </p:nvCxnSpPr>
@@ -6341,8 +5948,7 @@
             </a:extLst>
           </p:cNvPr>
           <p:cNvCxnSpPr>
-            <a:stCxn id="5" idx="4"/>
-            <a:endCxn id="8" idx="0"/>
+            <a:cxnSpLocks/>
           </p:cNvCxnSpPr>
           <p:nvPr/>
         </p:nvCxnSpPr>
@@ -6380,8 +5986,7 @@
             </a:extLst>
           </p:cNvPr>
           <p:cNvCxnSpPr>
-            <a:stCxn id="4" idx="4"/>
-            <a:endCxn id="8" idx="0"/>
+            <a:cxnSpLocks/>
           </p:cNvCxnSpPr>
           <p:nvPr/>
         </p:nvCxnSpPr>
@@ -6419,8 +6024,7 @@
             </a:extLst>
           </p:cNvPr>
           <p:cNvCxnSpPr>
-            <a:stCxn id="4" idx="4"/>
-            <a:endCxn id="9" idx="0"/>
+            <a:cxnSpLocks/>
           </p:cNvCxnSpPr>
           <p:nvPr/>
         </p:nvCxnSpPr>
@@ -6458,8 +6062,7 @@
             </a:extLst>
           </p:cNvPr>
           <p:cNvCxnSpPr>
-            <a:stCxn id="4" idx="4"/>
-            <a:endCxn id="11" idx="0"/>
+            <a:cxnSpLocks/>
           </p:cNvCxnSpPr>
           <p:nvPr/>
         </p:nvCxnSpPr>
@@ -6507,9 +6110,7 @@
           <a:prstGeom prst="rect">
             <a:avLst/>
           </a:prstGeom>
-          <a:solidFill>
-            <a:schemeClr val="bg1"/>
-          </a:solidFill>
+          <a:noFill/>
         </p:spPr>
         <p:txBody>
           <a:bodyPr wrap="square" lIns="91440" tIns="45720" rIns="91440" bIns="45720">
@@ -6567,9 +6168,7 @@
           <a:prstGeom prst="rect">
             <a:avLst/>
           </a:prstGeom>
-          <a:solidFill>
-            <a:schemeClr val="bg1"/>
-          </a:solidFill>
+          <a:noFill/>
         </p:spPr>
         <p:txBody>
           <a:bodyPr wrap="square" lIns="91440" tIns="45720" rIns="91440" bIns="45720">
@@ -6807,9 +6406,7 @@
           <a:prstGeom prst="rect">
             <a:avLst/>
           </a:prstGeom>
-          <a:solidFill>
-            <a:schemeClr val="bg1"/>
-          </a:solidFill>
+          <a:noFill/>
         </p:spPr>
         <p:txBody>
           <a:bodyPr wrap="square" lIns="91440" tIns="45720" rIns="91440" bIns="45720">
@@ -6867,9 +6464,7 @@
           <a:prstGeom prst="rect">
             <a:avLst/>
           </a:prstGeom>
-          <a:solidFill>
-            <a:schemeClr val="bg1"/>
-          </a:solidFill>
+          <a:noFill/>
         </p:spPr>
         <p:txBody>
           <a:bodyPr wrap="square" lIns="91440" tIns="45720" rIns="91440" bIns="45720">
@@ -7103,8 +6698,7 @@
             </a:extLst>
           </p:cNvPr>
           <p:cNvCxnSpPr>
-            <a:stCxn id="7" idx="4"/>
-            <a:endCxn id="11" idx="0"/>
+            <a:cxnSpLocks/>
           </p:cNvCxnSpPr>
           <p:nvPr/>
         </p:nvCxnSpPr>
@@ -7279,6 +6873,406 @@
           <a:p>
             <a:pPr algn="ctr"/>
             <a:endParaRPr lang="zh-CN" altLang="en-US"/>
+          </a:p>
+        </p:txBody>
+      </p:sp>
+      <p:sp>
+        <p:nvSpPr>
+          <p:cNvPr id="50" name="椭圆 49">
+            <a:extLst>
+              <a:ext uri="{FF2B5EF4-FFF2-40B4-BE49-F238E27FC236}">
+                <a16:creationId xmlns:a16="http://schemas.microsoft.com/office/drawing/2014/main" id="{F275C426-EF1C-47F1-AE77-5B643FCD1C7A}"/>
+              </a:ext>
+            </a:extLst>
+          </p:cNvPr>
+          <p:cNvSpPr/>
+          <p:nvPr/>
+        </p:nvSpPr>
+        <p:spPr>
+          <a:xfrm>
+            <a:off x="1705432" y="1273921"/>
+            <a:ext cx="998810" cy="982389"/>
+          </a:xfrm>
+          <a:prstGeom prst="ellipse">
+            <a:avLst/>
+          </a:prstGeom>
+        </p:spPr>
+        <p:style>
+          <a:lnRef idx="2">
+            <a:schemeClr val="accent1">
+              <a:shade val="50000"/>
+            </a:schemeClr>
+          </a:lnRef>
+          <a:fillRef idx="1">
+            <a:schemeClr val="accent1"/>
+          </a:fillRef>
+          <a:effectRef idx="0">
+            <a:schemeClr val="accent1"/>
+          </a:effectRef>
+          <a:fontRef idx="minor">
+            <a:schemeClr val="lt1"/>
+          </a:fontRef>
+        </p:style>
+        <p:txBody>
+          <a:bodyPr rtlCol="0" anchor="ctr"/>
+          <a:lstStyle/>
+          <a:p>
+            <a:pPr algn="ctr"/>
+            <a:r>
+              <a:rPr lang="en-US" altLang="zh-CN" dirty="0"/>
+              <a:t>Ⅰ</a:t>
+            </a:r>
+            <a:endParaRPr lang="zh-CN" altLang="en-US" dirty="0"/>
+          </a:p>
+        </p:txBody>
+      </p:sp>
+      <p:sp>
+        <p:nvSpPr>
+          <p:cNvPr id="52" name="椭圆 51">
+            <a:extLst>
+              <a:ext uri="{FF2B5EF4-FFF2-40B4-BE49-F238E27FC236}">
+                <a16:creationId xmlns:a16="http://schemas.microsoft.com/office/drawing/2014/main" id="{07277C8C-C8AD-40D2-9ADF-9B51109C5192}"/>
+              </a:ext>
+            </a:extLst>
+          </p:cNvPr>
+          <p:cNvSpPr/>
+          <p:nvPr/>
+        </p:nvSpPr>
+        <p:spPr>
+          <a:xfrm>
+            <a:off x="4005351" y="1273966"/>
+            <a:ext cx="1020550" cy="981692"/>
+          </a:xfrm>
+          <a:prstGeom prst="ellipse">
+            <a:avLst/>
+          </a:prstGeom>
+        </p:spPr>
+        <p:style>
+          <a:lnRef idx="2">
+            <a:schemeClr val="accent1">
+              <a:shade val="50000"/>
+            </a:schemeClr>
+          </a:lnRef>
+          <a:fillRef idx="1">
+            <a:schemeClr val="accent1"/>
+          </a:fillRef>
+          <a:effectRef idx="0">
+            <a:schemeClr val="accent1"/>
+          </a:effectRef>
+          <a:fontRef idx="minor">
+            <a:schemeClr val="lt1"/>
+          </a:fontRef>
+        </p:style>
+        <p:txBody>
+          <a:bodyPr rtlCol="0" anchor="ctr"/>
+          <a:lstStyle/>
+          <a:p>
+            <a:pPr algn="ctr"/>
+            <a:r>
+              <a:rPr lang="en-US" altLang="zh-CN" dirty="0"/>
+              <a:t>Ⅱ</a:t>
+            </a:r>
+            <a:endParaRPr lang="zh-CN" altLang="en-US" dirty="0"/>
+          </a:p>
+        </p:txBody>
+      </p:sp>
+      <p:sp>
+        <p:nvSpPr>
+          <p:cNvPr id="53" name="椭圆 52">
+            <a:extLst>
+              <a:ext uri="{FF2B5EF4-FFF2-40B4-BE49-F238E27FC236}">
+                <a16:creationId xmlns:a16="http://schemas.microsoft.com/office/drawing/2014/main" id="{4765CFB3-AD04-4D29-B660-EE9590C4C6B3}"/>
+              </a:ext>
+            </a:extLst>
+          </p:cNvPr>
+          <p:cNvSpPr/>
+          <p:nvPr/>
+        </p:nvSpPr>
+        <p:spPr>
+          <a:xfrm>
+            <a:off x="6609894" y="1273966"/>
+            <a:ext cx="1031429" cy="981692"/>
+          </a:xfrm>
+          <a:prstGeom prst="ellipse">
+            <a:avLst/>
+          </a:prstGeom>
+        </p:spPr>
+        <p:style>
+          <a:lnRef idx="2">
+            <a:schemeClr val="accent1">
+              <a:shade val="50000"/>
+            </a:schemeClr>
+          </a:lnRef>
+          <a:fillRef idx="1">
+            <a:schemeClr val="accent1"/>
+          </a:fillRef>
+          <a:effectRef idx="0">
+            <a:schemeClr val="accent1"/>
+          </a:effectRef>
+          <a:fontRef idx="minor">
+            <a:schemeClr val="lt1"/>
+          </a:fontRef>
+        </p:style>
+        <p:txBody>
+          <a:bodyPr rtlCol="0" anchor="ctr"/>
+          <a:lstStyle/>
+          <a:p>
+            <a:pPr algn="ctr"/>
+            <a:r>
+              <a:rPr lang="en-US" altLang="zh-CN" dirty="0"/>
+              <a:t>Ⅲ</a:t>
+            </a:r>
+            <a:endParaRPr lang="zh-CN" altLang="en-US" dirty="0"/>
+          </a:p>
+        </p:txBody>
+      </p:sp>
+      <p:sp>
+        <p:nvSpPr>
+          <p:cNvPr id="54" name="椭圆 53">
+            <a:extLst>
+              <a:ext uri="{FF2B5EF4-FFF2-40B4-BE49-F238E27FC236}">
+                <a16:creationId xmlns:a16="http://schemas.microsoft.com/office/drawing/2014/main" id="{DA9D1C71-5E0B-496C-BBF3-2A688028DAC6}"/>
+              </a:ext>
+            </a:extLst>
+          </p:cNvPr>
+          <p:cNvSpPr/>
+          <p:nvPr/>
+        </p:nvSpPr>
+        <p:spPr>
+          <a:xfrm>
+            <a:off x="9323886" y="1273921"/>
+            <a:ext cx="1031427" cy="982389"/>
+          </a:xfrm>
+          <a:prstGeom prst="ellipse">
+            <a:avLst/>
+          </a:prstGeom>
+        </p:spPr>
+        <p:style>
+          <a:lnRef idx="2">
+            <a:schemeClr val="accent1">
+              <a:shade val="50000"/>
+            </a:schemeClr>
+          </a:lnRef>
+          <a:fillRef idx="1">
+            <a:schemeClr val="accent1"/>
+          </a:fillRef>
+          <a:effectRef idx="0">
+            <a:schemeClr val="accent1"/>
+          </a:effectRef>
+          <a:fontRef idx="minor">
+            <a:schemeClr val="lt1"/>
+          </a:fontRef>
+        </p:style>
+        <p:txBody>
+          <a:bodyPr rtlCol="0" anchor="ctr"/>
+          <a:lstStyle/>
+          <a:p>
+            <a:pPr algn="ctr"/>
+            <a:r>
+              <a:rPr lang="en-US" altLang="zh-CN" dirty="0"/>
+              <a:t>Ⅳ</a:t>
+            </a:r>
+            <a:endParaRPr lang="zh-CN" altLang="en-US" dirty="0"/>
+          </a:p>
+        </p:txBody>
+      </p:sp>
+      <p:sp>
+        <p:nvSpPr>
+          <p:cNvPr id="55" name="椭圆 54">
+            <a:extLst>
+              <a:ext uri="{FF2B5EF4-FFF2-40B4-BE49-F238E27FC236}">
+                <a16:creationId xmlns:a16="http://schemas.microsoft.com/office/drawing/2014/main" id="{911DD7BD-C77B-4A32-937A-2F727B46CE57}"/>
+              </a:ext>
+            </a:extLst>
+          </p:cNvPr>
+          <p:cNvSpPr/>
+          <p:nvPr/>
+        </p:nvSpPr>
+        <p:spPr>
+          <a:xfrm>
+            <a:off x="1683691" y="4831280"/>
+            <a:ext cx="1020552" cy="1039041"/>
+          </a:xfrm>
+          <a:prstGeom prst="ellipse">
+            <a:avLst/>
+          </a:prstGeom>
+        </p:spPr>
+        <p:style>
+          <a:lnRef idx="2">
+            <a:schemeClr val="accent1">
+              <a:shade val="50000"/>
+            </a:schemeClr>
+          </a:lnRef>
+          <a:fillRef idx="1">
+            <a:schemeClr val="accent1"/>
+          </a:fillRef>
+          <a:effectRef idx="0">
+            <a:schemeClr val="accent1"/>
+          </a:effectRef>
+          <a:fontRef idx="minor">
+            <a:schemeClr val="lt1"/>
+          </a:fontRef>
+        </p:style>
+        <p:txBody>
+          <a:bodyPr rtlCol="0" anchor="ctr"/>
+          <a:lstStyle/>
+          <a:p>
+            <a:pPr algn="ctr"/>
+            <a:r>
+              <a:rPr lang="en-US" altLang="zh-CN" dirty="0"/>
+              <a:t>a</a:t>
+            </a:r>
+            <a:endParaRPr lang="zh-CN" altLang="en-US" dirty="0"/>
+          </a:p>
+        </p:txBody>
+      </p:sp>
+      <p:sp>
+        <p:nvSpPr>
+          <p:cNvPr id="56" name="椭圆 55">
+            <a:extLst>
+              <a:ext uri="{FF2B5EF4-FFF2-40B4-BE49-F238E27FC236}">
+                <a16:creationId xmlns:a16="http://schemas.microsoft.com/office/drawing/2014/main" id="{C0A265B4-ACFC-4E28-990A-0A1029FBE709}"/>
+              </a:ext>
+            </a:extLst>
+          </p:cNvPr>
+          <p:cNvSpPr/>
+          <p:nvPr/>
+        </p:nvSpPr>
+        <p:spPr>
+          <a:xfrm>
+            <a:off x="4005349" y="4831278"/>
+            <a:ext cx="1020552" cy="1039041"/>
+          </a:xfrm>
+          <a:prstGeom prst="ellipse">
+            <a:avLst/>
+          </a:prstGeom>
+        </p:spPr>
+        <p:style>
+          <a:lnRef idx="2">
+            <a:schemeClr val="accent1">
+              <a:shade val="50000"/>
+            </a:schemeClr>
+          </a:lnRef>
+          <a:fillRef idx="1">
+            <a:schemeClr val="accent1"/>
+          </a:fillRef>
+          <a:effectRef idx="0">
+            <a:schemeClr val="accent1"/>
+          </a:effectRef>
+          <a:fontRef idx="minor">
+            <a:schemeClr val="lt1"/>
+          </a:fontRef>
+        </p:style>
+        <p:txBody>
+          <a:bodyPr rtlCol="0" anchor="ctr"/>
+          <a:lstStyle/>
+          <a:p>
+            <a:pPr algn="ctr"/>
+            <a:r>
+              <a:rPr lang="en-US" altLang="zh-CN" dirty="0"/>
+              <a:t>b</a:t>
+            </a:r>
+            <a:endParaRPr lang="zh-CN" altLang="en-US" dirty="0"/>
+          </a:p>
+        </p:txBody>
+      </p:sp>
+      <p:sp>
+        <p:nvSpPr>
+          <p:cNvPr id="57" name="椭圆 56">
+            <a:extLst>
+              <a:ext uri="{FF2B5EF4-FFF2-40B4-BE49-F238E27FC236}">
+                <a16:creationId xmlns:a16="http://schemas.microsoft.com/office/drawing/2014/main" id="{5297CBE9-F574-4BFC-8D67-3BA088819296}"/>
+              </a:ext>
+            </a:extLst>
+          </p:cNvPr>
+          <p:cNvSpPr/>
+          <p:nvPr/>
+        </p:nvSpPr>
+        <p:spPr>
+          <a:xfrm>
+            <a:off x="6603879" y="4845639"/>
+            <a:ext cx="1031429" cy="1010319"/>
+          </a:xfrm>
+          <a:prstGeom prst="ellipse">
+            <a:avLst/>
+          </a:prstGeom>
+        </p:spPr>
+        <p:style>
+          <a:lnRef idx="2">
+            <a:schemeClr val="accent1">
+              <a:shade val="50000"/>
+            </a:schemeClr>
+          </a:lnRef>
+          <a:fillRef idx="1">
+            <a:schemeClr val="accent1"/>
+          </a:fillRef>
+          <a:effectRef idx="0">
+            <a:schemeClr val="accent1"/>
+          </a:effectRef>
+          <a:fontRef idx="minor">
+            <a:schemeClr val="lt1"/>
+          </a:fontRef>
+        </p:style>
+        <p:txBody>
+          <a:bodyPr rtlCol="0" anchor="ctr"/>
+          <a:lstStyle/>
+          <a:p>
+            <a:pPr algn="ctr"/>
+            <a:r>
+              <a:rPr lang="en-US" altLang="zh-CN" dirty="0"/>
+              <a:t>c</a:t>
+            </a:r>
+            <a:endParaRPr lang="zh-CN" altLang="en-US" dirty="0"/>
+          </a:p>
+        </p:txBody>
+      </p:sp>
+      <p:sp>
+        <p:nvSpPr>
+          <p:cNvPr id="58" name="椭圆 57">
+            <a:extLst>
+              <a:ext uri="{FF2B5EF4-FFF2-40B4-BE49-F238E27FC236}">
+                <a16:creationId xmlns:a16="http://schemas.microsoft.com/office/drawing/2014/main" id="{6A785959-CD1D-4B0D-ADA3-492599BB5868}"/>
+              </a:ext>
+            </a:extLst>
+          </p:cNvPr>
+          <p:cNvSpPr/>
+          <p:nvPr/>
+        </p:nvSpPr>
+        <p:spPr>
+          <a:xfrm>
+            <a:off x="9339744" y="4831277"/>
+            <a:ext cx="1020551" cy="1010319"/>
+          </a:xfrm>
+          <a:prstGeom prst="ellipse">
+            <a:avLst/>
+          </a:prstGeom>
+        </p:spPr>
+        <p:style>
+          <a:lnRef idx="2">
+            <a:schemeClr val="accent1">
+              <a:shade val="50000"/>
+            </a:schemeClr>
+          </a:lnRef>
+          <a:fillRef idx="1">
+            <a:schemeClr val="accent1"/>
+          </a:fillRef>
+          <a:effectRef idx="0">
+            <a:schemeClr val="accent1"/>
+          </a:effectRef>
+          <a:fontRef idx="minor">
+            <a:schemeClr val="lt1"/>
+          </a:fontRef>
+        </p:style>
+        <p:txBody>
+          <a:bodyPr rtlCol="0" anchor="ctr"/>
+          <a:lstStyle/>
+          <a:p>
+            <a:pPr algn="ctr"/>
+            <a:r>
+              <a:rPr lang="en-US" altLang="zh-CN" dirty="0"/>
+              <a:t>d</a:t>
+            </a:r>
+            <a:endParaRPr lang="zh-CN" altLang="en-US" dirty="0"/>
           </a:p>
         </p:txBody>
       </p:sp>
@@ -7432,6 +7426,152 @@
     <p:extLst>
       <p:ext uri="{BB962C8B-B14F-4D97-AF65-F5344CB8AC3E}">
         <p14:creationId xmlns:p14="http://schemas.microsoft.com/office/powerpoint/2010/main" val="740562233"/>
+      </p:ext>
+    </p:extLst>
+  </p:cSld>
+  <p:clrMapOvr>
+    <a:masterClrMapping/>
+  </p:clrMapOvr>
+</p:sld>
+</file>
+
+<file path=ppt/slides/slide4.xml><?xml version="1.0" encoding="utf-8"?>
+<p:sld xmlns:a="http://schemas.openxmlformats.org/drawingml/2006/main" xmlns:r="http://schemas.openxmlformats.org/officeDocument/2006/relationships" xmlns:p="http://schemas.openxmlformats.org/presentationml/2006/main">
+  <p:cSld>
+    <p:spTree>
+      <p:nvGrpSpPr>
+        <p:cNvPr id="1" name=""/>
+        <p:cNvGrpSpPr/>
+        <p:nvPr/>
+      </p:nvGrpSpPr>
+      <p:grpSpPr>
+        <a:xfrm>
+          <a:off x="0" y="0"/>
+          <a:ext cx="0" cy="0"/>
+          <a:chOff x="0" y="0"/>
+          <a:chExt cx="0" cy="0"/>
+        </a:xfrm>
+      </p:grpSpPr>
+      <p:pic>
+        <p:nvPicPr>
+          <p:cNvPr id="5" name="图片 4">
+            <a:extLst>
+              <a:ext uri="{FF2B5EF4-FFF2-40B4-BE49-F238E27FC236}">
+                <a16:creationId xmlns:a16="http://schemas.microsoft.com/office/drawing/2014/main" id="{8DFC0376-32C1-4200-9399-337A7B13F647}"/>
+              </a:ext>
+            </a:extLst>
+          </p:cNvPr>
+          <p:cNvPicPr>
+            <a:picLocks noChangeAspect="1"/>
+          </p:cNvPicPr>
+          <p:nvPr/>
+        </p:nvPicPr>
+        <p:blipFill>
+          <a:blip r:embed="rId2">
+            <a:extLst>
+              <a:ext uri="{28A0092B-C50C-407E-A947-70E740481C1C}">
+                <a14:useLocalDpi xmlns:a14="http://schemas.microsoft.com/office/drawing/2010/main" val="0"/>
+              </a:ext>
+            </a:extLst>
+          </a:blip>
+          <a:stretch>
+            <a:fillRect/>
+          </a:stretch>
+        </p:blipFill>
+        <p:spPr>
+          <a:xfrm>
+            <a:off x="0" y="1269332"/>
+            <a:ext cx="5598654" cy="3184885"/>
+          </a:xfrm>
+          <a:prstGeom prst="rect">
+            <a:avLst/>
+          </a:prstGeom>
+        </p:spPr>
+      </p:pic>
+      <p:pic>
+        <p:nvPicPr>
+          <p:cNvPr id="8" name="图片 7">
+            <a:extLst>
+              <a:ext uri="{FF2B5EF4-FFF2-40B4-BE49-F238E27FC236}">
+                <a16:creationId xmlns:a16="http://schemas.microsoft.com/office/drawing/2014/main" id="{52BD591D-B095-48AF-904D-879B4D0A2B74}"/>
+              </a:ext>
+            </a:extLst>
+          </p:cNvPr>
+          <p:cNvPicPr>
+            <a:picLocks noChangeAspect="1"/>
+          </p:cNvPicPr>
+          <p:nvPr/>
+        </p:nvPicPr>
+        <p:blipFill>
+          <a:blip r:embed="rId3">
+            <a:extLst>
+              <a:ext uri="{28A0092B-C50C-407E-A947-70E740481C1C}">
+                <a14:useLocalDpi xmlns:a14="http://schemas.microsoft.com/office/drawing/2010/main" val="0"/>
+              </a:ext>
+            </a:extLst>
+          </a:blip>
+          <a:stretch>
+            <a:fillRect/>
+          </a:stretch>
+        </p:blipFill>
+        <p:spPr>
+          <a:xfrm>
+            <a:off x="6322595" y="1328578"/>
+            <a:ext cx="5409409" cy="3066390"/>
+          </a:xfrm>
+          <a:prstGeom prst="rect">
+            <a:avLst/>
+          </a:prstGeom>
+        </p:spPr>
+      </p:pic>
+      <p:sp>
+        <p:nvSpPr>
+          <p:cNvPr id="6" name="箭头: 右 5">
+            <a:extLst>
+              <a:ext uri="{FF2B5EF4-FFF2-40B4-BE49-F238E27FC236}">
+                <a16:creationId xmlns:a16="http://schemas.microsoft.com/office/drawing/2014/main" id="{7F31D090-1189-4E59-A67E-E3D96A596812}"/>
+              </a:ext>
+            </a:extLst>
+          </p:cNvPr>
+          <p:cNvSpPr/>
+          <p:nvPr/>
+        </p:nvSpPr>
+        <p:spPr>
+          <a:xfrm>
+            <a:off x="5437251" y="2654228"/>
+            <a:ext cx="1022684" cy="415089"/>
+          </a:xfrm>
+          <a:prstGeom prst="rightArrow">
+            <a:avLst/>
+          </a:prstGeom>
+        </p:spPr>
+        <p:style>
+          <a:lnRef idx="1">
+            <a:schemeClr val="accent2"/>
+          </a:lnRef>
+          <a:fillRef idx="2">
+            <a:schemeClr val="accent2"/>
+          </a:fillRef>
+          <a:effectRef idx="1">
+            <a:schemeClr val="accent2"/>
+          </a:effectRef>
+          <a:fontRef idx="minor">
+            <a:schemeClr val="dk1"/>
+          </a:fontRef>
+        </p:style>
+        <p:txBody>
+          <a:bodyPr rtlCol="0" anchor="ctr"/>
+          <a:lstStyle/>
+          <a:p>
+            <a:pPr algn="ctr"/>
+            <a:endParaRPr lang="zh-CN" altLang="en-US"/>
+          </a:p>
+        </p:txBody>
+      </p:sp>
+    </p:spTree>
+    <p:extLst>
+      <p:ext uri="{BB962C8B-B14F-4D97-AF65-F5344CB8AC3E}">
+        <p14:creationId xmlns:p14="http://schemas.microsoft.com/office/powerpoint/2010/main" val="658150122"/>
       </p:ext>
     </p:extLst>
   </p:cSld>

--- a/Inv_Summary/Graph.pptx
+++ b/Inv_Summary/Graph.pptx
@@ -5,13 +5,16 @@
     <p:sldMasterId id="2147483648" r:id="rId1"/>
   </p:sldMasterIdLst>
   <p:notesMasterIdLst>
-    <p:notesMasterId r:id="rId6"/>
+    <p:notesMasterId r:id="rId9"/>
   </p:notesMasterIdLst>
   <p:sldIdLst>
     <p:sldId id="256" r:id="rId2"/>
     <p:sldId id="257" r:id="rId3"/>
     <p:sldId id="258" r:id="rId4"/>
     <p:sldId id="259" r:id="rId5"/>
+    <p:sldId id="260" r:id="rId6"/>
+    <p:sldId id="262" r:id="rId7"/>
+    <p:sldId id="261" r:id="rId8"/>
   </p:sldIdLst>
   <p:sldSz cx="12192000" cy="6858000"/>
   <p:notesSz cx="6858000" cy="9144000"/>
@@ -200,7 +203,7 @@
           <a:p>
             <a:fld id="{DFA01F4A-61CA-4282-B66A-1965352A61A0}" type="datetimeFigureOut">
               <a:rPr lang="zh-CN" altLang="en-US" smtClean="0"/>
-              <a:t>2020/1/13</a:t>
+              <a:t>2020/3/13</a:t>
             </a:fld>
             <a:endParaRPr lang="zh-CN" altLang="en-US"/>
           </a:p>
@@ -654,6 +657,285 @@
 </p:notes>
 </file>
 
+<file path=ppt/notesSlides/notesSlide3.xml><?xml version="1.0" encoding="utf-8"?>
+<p:notes xmlns:a="http://schemas.openxmlformats.org/drawingml/2006/main" xmlns:r="http://schemas.openxmlformats.org/officeDocument/2006/relationships" xmlns:p="http://schemas.openxmlformats.org/presentationml/2006/main">
+  <p:cSld>
+    <p:spTree>
+      <p:nvGrpSpPr>
+        <p:cNvPr id="1" name=""/>
+        <p:cNvGrpSpPr/>
+        <p:nvPr/>
+      </p:nvGrpSpPr>
+      <p:grpSpPr>
+        <a:xfrm>
+          <a:off x="0" y="0"/>
+          <a:ext cx="0" cy="0"/>
+          <a:chOff x="0" y="0"/>
+          <a:chExt cx="0" cy="0"/>
+        </a:xfrm>
+      </p:grpSpPr>
+      <p:sp>
+        <p:nvSpPr>
+          <p:cNvPr id="2" name="幻灯片图像占位符 1"/>
+          <p:cNvSpPr>
+            <a:spLocks noGrp="1" noRot="1" noChangeAspect="1"/>
+          </p:cNvSpPr>
+          <p:nvPr>
+            <p:ph type="sldImg"/>
+          </p:nvPr>
+        </p:nvSpPr>
+        <p:spPr/>
+      </p:sp>
+      <p:sp>
+        <p:nvSpPr>
+          <p:cNvPr id="3" name="备注占位符 2"/>
+          <p:cNvSpPr>
+            <a:spLocks noGrp="1"/>
+          </p:cNvSpPr>
+          <p:nvPr>
+            <p:ph type="body" idx="1"/>
+          </p:nvPr>
+        </p:nvSpPr>
+        <p:spPr/>
+        <p:txBody>
+          <a:bodyPr/>
+          <a:lstStyle/>
+          <a:p>
+            <a:r>
+              <a:rPr lang="zh-CN" altLang="en-US" dirty="0"/>
+              <a:t>最优解 </a:t>
+            </a:r>
+            <a:r>
+              <a:rPr lang="en-US" altLang="zh-CN" dirty="0"/>
+              <a:t>7</a:t>
+            </a:r>
+            <a:endParaRPr lang="zh-CN" altLang="en-US" dirty="0"/>
+          </a:p>
+        </p:txBody>
+      </p:sp>
+      <p:sp>
+        <p:nvSpPr>
+          <p:cNvPr id="4" name="灯片编号占位符 3"/>
+          <p:cNvSpPr>
+            <a:spLocks noGrp="1"/>
+          </p:cNvSpPr>
+          <p:nvPr>
+            <p:ph type="sldNum" sz="quarter" idx="5"/>
+          </p:nvPr>
+        </p:nvSpPr>
+        <p:spPr/>
+        <p:txBody>
+          <a:bodyPr/>
+          <a:lstStyle/>
+          <a:p>
+            <a:fld id="{2DA8F3BB-C4ED-4A4D-9184-E17DB6C35C08}" type="slidenum">
+              <a:rPr lang="zh-CN" altLang="en-US" smtClean="0"/>
+              <a:t>5</a:t>
+            </a:fld>
+            <a:endParaRPr lang="zh-CN" altLang="en-US"/>
+          </a:p>
+        </p:txBody>
+      </p:sp>
+    </p:spTree>
+    <p:extLst>
+      <p:ext uri="{BB962C8B-B14F-4D97-AF65-F5344CB8AC3E}">
+        <p14:creationId xmlns:p14="http://schemas.microsoft.com/office/powerpoint/2010/main" val="1631640603"/>
+      </p:ext>
+    </p:extLst>
+  </p:cSld>
+  <p:clrMapOvr>
+    <a:masterClrMapping/>
+  </p:clrMapOvr>
+</p:notes>
+</file>
+
+<file path=ppt/notesSlides/notesSlide4.xml><?xml version="1.0" encoding="utf-8"?>
+<p:notes xmlns:a="http://schemas.openxmlformats.org/drawingml/2006/main" xmlns:r="http://schemas.openxmlformats.org/officeDocument/2006/relationships" xmlns:p="http://schemas.openxmlformats.org/presentationml/2006/main">
+  <p:cSld>
+    <p:spTree>
+      <p:nvGrpSpPr>
+        <p:cNvPr id="1" name=""/>
+        <p:cNvGrpSpPr/>
+        <p:nvPr/>
+      </p:nvGrpSpPr>
+      <p:grpSpPr>
+        <a:xfrm>
+          <a:off x="0" y="0"/>
+          <a:ext cx="0" cy="0"/>
+          <a:chOff x="0" y="0"/>
+          <a:chExt cx="0" cy="0"/>
+        </a:xfrm>
+      </p:grpSpPr>
+      <p:sp>
+        <p:nvSpPr>
+          <p:cNvPr id="2" name="幻灯片图像占位符 1"/>
+          <p:cNvSpPr>
+            <a:spLocks noGrp="1" noRot="1" noChangeAspect="1"/>
+          </p:cNvSpPr>
+          <p:nvPr>
+            <p:ph type="sldImg"/>
+          </p:nvPr>
+        </p:nvSpPr>
+        <p:spPr/>
+      </p:sp>
+      <p:sp>
+        <p:nvSpPr>
+          <p:cNvPr id="3" name="备注占位符 2"/>
+          <p:cNvSpPr>
+            <a:spLocks noGrp="1"/>
+          </p:cNvSpPr>
+          <p:nvPr>
+            <p:ph type="body" idx="1"/>
+          </p:nvPr>
+        </p:nvSpPr>
+        <p:spPr/>
+        <p:txBody>
+          <a:bodyPr/>
+          <a:lstStyle/>
+          <a:p>
+            <a:r>
+              <a:rPr lang="zh-CN" altLang="en-US" dirty="0"/>
+              <a:t>最优解 </a:t>
+            </a:r>
+            <a:r>
+              <a:rPr lang="en-US" altLang="zh-CN" dirty="0"/>
+              <a:t>7</a:t>
+            </a:r>
+            <a:endParaRPr lang="zh-CN" altLang="en-US" dirty="0"/>
+          </a:p>
+        </p:txBody>
+      </p:sp>
+      <p:sp>
+        <p:nvSpPr>
+          <p:cNvPr id="4" name="灯片编号占位符 3"/>
+          <p:cNvSpPr>
+            <a:spLocks noGrp="1"/>
+          </p:cNvSpPr>
+          <p:nvPr>
+            <p:ph type="sldNum" sz="quarter" idx="5"/>
+          </p:nvPr>
+        </p:nvSpPr>
+        <p:spPr/>
+        <p:txBody>
+          <a:bodyPr/>
+          <a:lstStyle/>
+          <a:p>
+            <a:fld id="{2DA8F3BB-C4ED-4A4D-9184-E17DB6C35C08}" type="slidenum">
+              <a:rPr lang="zh-CN" altLang="en-US" smtClean="0"/>
+              <a:t>6</a:t>
+            </a:fld>
+            <a:endParaRPr lang="zh-CN" altLang="en-US"/>
+          </a:p>
+        </p:txBody>
+      </p:sp>
+    </p:spTree>
+    <p:extLst>
+      <p:ext uri="{BB962C8B-B14F-4D97-AF65-F5344CB8AC3E}">
+        <p14:creationId xmlns:p14="http://schemas.microsoft.com/office/powerpoint/2010/main" val="636447133"/>
+      </p:ext>
+    </p:extLst>
+  </p:cSld>
+  <p:clrMapOvr>
+    <a:masterClrMapping/>
+  </p:clrMapOvr>
+</p:notes>
+</file>
+
+<file path=ppt/notesSlides/notesSlide5.xml><?xml version="1.0" encoding="utf-8"?>
+<p:notes xmlns:a="http://schemas.openxmlformats.org/drawingml/2006/main" xmlns:r="http://schemas.openxmlformats.org/officeDocument/2006/relationships" xmlns:p="http://schemas.openxmlformats.org/presentationml/2006/main">
+  <p:cSld>
+    <p:spTree>
+      <p:nvGrpSpPr>
+        <p:cNvPr id="1" name=""/>
+        <p:cNvGrpSpPr/>
+        <p:nvPr/>
+      </p:nvGrpSpPr>
+      <p:grpSpPr>
+        <a:xfrm>
+          <a:off x="0" y="0"/>
+          <a:ext cx="0" cy="0"/>
+          <a:chOff x="0" y="0"/>
+          <a:chExt cx="0" cy="0"/>
+        </a:xfrm>
+      </p:grpSpPr>
+      <p:sp>
+        <p:nvSpPr>
+          <p:cNvPr id="2" name="幻灯片图像占位符 1"/>
+          <p:cNvSpPr>
+            <a:spLocks noGrp="1" noRot="1" noChangeAspect="1"/>
+          </p:cNvSpPr>
+          <p:nvPr>
+            <p:ph type="sldImg"/>
+          </p:nvPr>
+        </p:nvSpPr>
+        <p:spPr/>
+      </p:sp>
+      <p:sp>
+        <p:nvSpPr>
+          <p:cNvPr id="3" name="备注占位符 2"/>
+          <p:cNvSpPr>
+            <a:spLocks noGrp="1"/>
+          </p:cNvSpPr>
+          <p:nvPr>
+            <p:ph type="body" idx="1"/>
+          </p:nvPr>
+        </p:nvSpPr>
+        <p:spPr/>
+        <p:txBody>
+          <a:bodyPr/>
+          <a:lstStyle/>
+          <a:p>
+            <a:r>
+              <a:rPr lang="zh-CN" altLang="en-US" dirty="0"/>
+              <a:t>给定解 </a:t>
+            </a:r>
+            <a:r>
+              <a:rPr lang="en-US" altLang="zh-CN" dirty="0"/>
+              <a:t>9 </a:t>
+            </a:r>
+            <a:r>
+              <a:rPr lang="zh-CN" altLang="en-US" dirty="0"/>
+              <a:t>给定值 可以固定改变的边</a:t>
+            </a:r>
+          </a:p>
+        </p:txBody>
+      </p:sp>
+      <p:sp>
+        <p:nvSpPr>
+          <p:cNvPr id="4" name="灯片编号占位符 3"/>
+          <p:cNvSpPr>
+            <a:spLocks noGrp="1"/>
+          </p:cNvSpPr>
+          <p:nvPr>
+            <p:ph type="sldNum" sz="quarter" idx="5"/>
+          </p:nvPr>
+        </p:nvSpPr>
+        <p:spPr/>
+        <p:txBody>
+          <a:bodyPr/>
+          <a:lstStyle/>
+          <a:p>
+            <a:fld id="{2DA8F3BB-C4ED-4A4D-9184-E17DB6C35C08}" type="slidenum">
+              <a:rPr lang="zh-CN" altLang="en-US" smtClean="0"/>
+              <a:t>7</a:t>
+            </a:fld>
+            <a:endParaRPr lang="zh-CN" altLang="en-US"/>
+          </a:p>
+        </p:txBody>
+      </p:sp>
+    </p:spTree>
+    <p:extLst>
+      <p:ext uri="{BB962C8B-B14F-4D97-AF65-F5344CB8AC3E}">
+        <p14:creationId xmlns:p14="http://schemas.microsoft.com/office/powerpoint/2010/main" val="4194058317"/>
+      </p:ext>
+    </p:extLst>
+  </p:cSld>
+  <p:clrMapOvr>
+    <a:masterClrMapping/>
+  </p:clrMapOvr>
+</p:notes>
+</file>
+
 <file path=ppt/slideLayouts/slideLayout1.xml><?xml version="1.0" encoding="utf-8"?>
 <p:sldLayout xmlns:a="http://schemas.openxmlformats.org/drawingml/2006/main" xmlns:r="http://schemas.openxmlformats.org/officeDocument/2006/relationships" xmlns:p="http://schemas.openxmlformats.org/presentationml/2006/main" type="title" preserve="1">
   <p:cSld name="标题幻灯片">
@@ -801,7 +1083,7 @@
           <a:p>
             <a:fld id="{1E7EB274-E40B-40C7-AD26-AB312C8C00A1}" type="datetimeFigureOut">
               <a:rPr lang="zh-CN" altLang="en-US" smtClean="0"/>
-              <a:t>2020/1/13</a:t>
+              <a:t>2020/3/13</a:t>
             </a:fld>
             <a:endParaRPr lang="zh-CN" altLang="en-US"/>
           </a:p>
@@ -999,7 +1281,7 @@
           <a:p>
             <a:fld id="{1E7EB274-E40B-40C7-AD26-AB312C8C00A1}" type="datetimeFigureOut">
               <a:rPr lang="zh-CN" altLang="en-US" smtClean="0"/>
-              <a:t>2020/1/13</a:t>
+              <a:t>2020/3/13</a:t>
             </a:fld>
             <a:endParaRPr lang="zh-CN" altLang="en-US"/>
           </a:p>
@@ -1207,7 +1489,7 @@
           <a:p>
             <a:fld id="{1E7EB274-E40B-40C7-AD26-AB312C8C00A1}" type="datetimeFigureOut">
               <a:rPr lang="zh-CN" altLang="en-US" smtClean="0"/>
-              <a:t>2020/1/13</a:t>
+              <a:t>2020/3/13</a:t>
             </a:fld>
             <a:endParaRPr lang="zh-CN" altLang="en-US"/>
           </a:p>
@@ -1405,7 +1687,7 @@
           <a:p>
             <a:fld id="{1E7EB274-E40B-40C7-AD26-AB312C8C00A1}" type="datetimeFigureOut">
               <a:rPr lang="zh-CN" altLang="en-US" smtClean="0"/>
-              <a:t>2020/1/13</a:t>
+              <a:t>2020/3/13</a:t>
             </a:fld>
             <a:endParaRPr lang="zh-CN" altLang="en-US"/>
           </a:p>
@@ -1680,7 +1962,7 @@
           <a:p>
             <a:fld id="{1E7EB274-E40B-40C7-AD26-AB312C8C00A1}" type="datetimeFigureOut">
               <a:rPr lang="zh-CN" altLang="en-US" smtClean="0"/>
-              <a:t>2020/1/13</a:t>
+              <a:t>2020/3/13</a:t>
             </a:fld>
             <a:endParaRPr lang="zh-CN" altLang="en-US"/>
           </a:p>
@@ -1945,7 +2227,7 @@
           <a:p>
             <a:fld id="{1E7EB274-E40B-40C7-AD26-AB312C8C00A1}" type="datetimeFigureOut">
               <a:rPr lang="zh-CN" altLang="en-US" smtClean="0"/>
-              <a:t>2020/1/13</a:t>
+              <a:t>2020/3/13</a:t>
             </a:fld>
             <a:endParaRPr lang="zh-CN" altLang="en-US"/>
           </a:p>
@@ -2357,7 +2639,7 @@
           <a:p>
             <a:fld id="{1E7EB274-E40B-40C7-AD26-AB312C8C00A1}" type="datetimeFigureOut">
               <a:rPr lang="zh-CN" altLang="en-US" smtClean="0"/>
-              <a:t>2020/1/13</a:t>
+              <a:t>2020/3/13</a:t>
             </a:fld>
             <a:endParaRPr lang="zh-CN" altLang="en-US"/>
           </a:p>
@@ -2498,7 +2780,7 @@
           <a:p>
             <a:fld id="{1E7EB274-E40B-40C7-AD26-AB312C8C00A1}" type="datetimeFigureOut">
               <a:rPr lang="zh-CN" altLang="en-US" smtClean="0"/>
-              <a:t>2020/1/13</a:t>
+              <a:t>2020/3/13</a:t>
             </a:fld>
             <a:endParaRPr lang="zh-CN" altLang="en-US"/>
           </a:p>
@@ -2611,7 +2893,7 @@
           <a:p>
             <a:fld id="{1E7EB274-E40B-40C7-AD26-AB312C8C00A1}" type="datetimeFigureOut">
               <a:rPr lang="zh-CN" altLang="en-US" smtClean="0"/>
-              <a:t>2020/1/13</a:t>
+              <a:t>2020/3/13</a:t>
             </a:fld>
             <a:endParaRPr lang="zh-CN" altLang="en-US"/>
           </a:p>
@@ -2922,7 +3204,7 @@
           <a:p>
             <a:fld id="{1E7EB274-E40B-40C7-AD26-AB312C8C00A1}" type="datetimeFigureOut">
               <a:rPr lang="zh-CN" altLang="en-US" smtClean="0"/>
-              <a:t>2020/1/13</a:t>
+              <a:t>2020/3/13</a:t>
             </a:fld>
             <a:endParaRPr lang="zh-CN" altLang="en-US"/>
           </a:p>
@@ -3210,7 +3492,7 @@
           <a:p>
             <a:fld id="{1E7EB274-E40B-40C7-AD26-AB312C8C00A1}" type="datetimeFigureOut">
               <a:rPr lang="zh-CN" altLang="en-US" smtClean="0"/>
-              <a:t>2020/1/13</a:t>
+              <a:t>2020/3/13</a:t>
             </a:fld>
             <a:endParaRPr lang="zh-CN" altLang="en-US"/>
           </a:p>
@@ -3451,7 +3733,7 @@
           <a:p>
             <a:fld id="{1E7EB274-E40B-40C7-AD26-AB312C8C00A1}" type="datetimeFigureOut">
               <a:rPr lang="zh-CN" altLang="en-US" smtClean="0"/>
-              <a:t>2020/1/13</a:t>
+              <a:t>2020/3/13</a:t>
             </a:fld>
             <a:endParaRPr lang="zh-CN" altLang="en-US"/>
           </a:p>
@@ -7572,6 +7854,5060 @@
     <p:extLst>
       <p:ext uri="{BB962C8B-B14F-4D97-AF65-F5344CB8AC3E}">
         <p14:creationId xmlns:p14="http://schemas.microsoft.com/office/powerpoint/2010/main" val="658150122"/>
+      </p:ext>
+    </p:extLst>
+  </p:cSld>
+  <p:clrMapOvr>
+    <a:masterClrMapping/>
+  </p:clrMapOvr>
+</p:sld>
+</file>
+
+<file path=ppt/slides/slide5.xml><?xml version="1.0" encoding="utf-8"?>
+<p:sld xmlns:a="http://schemas.openxmlformats.org/drawingml/2006/main" xmlns:r="http://schemas.openxmlformats.org/officeDocument/2006/relationships" xmlns:p="http://schemas.openxmlformats.org/presentationml/2006/main">
+  <p:cSld>
+    <p:spTree>
+      <p:nvGrpSpPr>
+        <p:cNvPr id="1" name=""/>
+        <p:cNvGrpSpPr/>
+        <p:nvPr/>
+      </p:nvGrpSpPr>
+      <p:grpSpPr>
+        <a:xfrm>
+          <a:off x="0" y="0"/>
+          <a:ext cx="0" cy="0"/>
+          <a:chOff x="0" y="0"/>
+          <a:chExt cx="0" cy="0"/>
+        </a:xfrm>
+      </p:grpSpPr>
+      <p:sp>
+        <p:nvSpPr>
+          <p:cNvPr id="4" name="椭圆 3">
+            <a:extLst>
+              <a:ext uri="{FF2B5EF4-FFF2-40B4-BE49-F238E27FC236}">
+                <a16:creationId xmlns:a16="http://schemas.microsoft.com/office/drawing/2014/main" id="{020B314B-C0B3-4ADD-B79C-79F2243392E7}"/>
+              </a:ext>
+            </a:extLst>
+          </p:cNvPr>
+          <p:cNvSpPr/>
+          <p:nvPr/>
+        </p:nvSpPr>
+        <p:spPr>
+          <a:xfrm>
+            <a:off x="1674251" y="1289715"/>
+            <a:ext cx="1020551" cy="981692"/>
+          </a:xfrm>
+          <a:prstGeom prst="ellipse">
+            <a:avLst/>
+          </a:prstGeom>
+        </p:spPr>
+        <p:style>
+          <a:lnRef idx="2">
+            <a:schemeClr val="dk1"/>
+          </a:lnRef>
+          <a:fillRef idx="1">
+            <a:schemeClr val="lt1"/>
+          </a:fillRef>
+          <a:effectRef idx="0">
+            <a:schemeClr val="dk1"/>
+          </a:effectRef>
+          <a:fontRef idx="minor">
+            <a:schemeClr val="dk1"/>
+          </a:fontRef>
+        </p:style>
+        <p:txBody>
+          <a:bodyPr rtlCol="0" anchor="ctr"/>
+          <a:lstStyle/>
+          <a:p>
+            <a:pPr algn="ctr"/>
+            <a:r>
+              <a:rPr lang="en-US" altLang="zh-CN" sz="3200" dirty="0"/>
+              <a:t>Ⅰ</a:t>
+            </a:r>
+            <a:endParaRPr lang="zh-CN" altLang="en-US" sz="3200" dirty="0"/>
+          </a:p>
+        </p:txBody>
+      </p:sp>
+      <p:sp>
+        <p:nvSpPr>
+          <p:cNvPr id="5" name="椭圆 4">
+            <a:extLst>
+              <a:ext uri="{FF2B5EF4-FFF2-40B4-BE49-F238E27FC236}">
+                <a16:creationId xmlns:a16="http://schemas.microsoft.com/office/drawing/2014/main" id="{70B94A73-6A6B-4E41-A97C-640EC7653547}"/>
+              </a:ext>
+            </a:extLst>
+          </p:cNvPr>
+          <p:cNvSpPr/>
+          <p:nvPr/>
+        </p:nvSpPr>
+        <p:spPr>
+          <a:xfrm>
+            <a:off x="4007344" y="1260949"/>
+            <a:ext cx="1020551" cy="981736"/>
+          </a:xfrm>
+          <a:prstGeom prst="ellipse">
+            <a:avLst/>
+          </a:prstGeom>
+        </p:spPr>
+        <p:style>
+          <a:lnRef idx="2">
+            <a:schemeClr val="dk1"/>
+          </a:lnRef>
+          <a:fillRef idx="1">
+            <a:schemeClr val="lt1"/>
+          </a:fillRef>
+          <a:effectRef idx="0">
+            <a:schemeClr val="dk1"/>
+          </a:effectRef>
+          <a:fontRef idx="minor">
+            <a:schemeClr val="dk1"/>
+          </a:fontRef>
+        </p:style>
+        <p:txBody>
+          <a:bodyPr rtlCol="0" anchor="ctr"/>
+          <a:lstStyle/>
+          <a:p>
+            <a:pPr algn="ctr"/>
+            <a:r>
+              <a:rPr lang="en-US" altLang="zh-CN" sz="3200" dirty="0"/>
+              <a:t>Ⅱ</a:t>
+            </a:r>
+            <a:endParaRPr lang="zh-CN" altLang="en-US" sz="3200" dirty="0"/>
+          </a:p>
+        </p:txBody>
+      </p:sp>
+      <p:sp>
+        <p:nvSpPr>
+          <p:cNvPr id="6" name="椭圆 5">
+            <a:extLst>
+              <a:ext uri="{FF2B5EF4-FFF2-40B4-BE49-F238E27FC236}">
+                <a16:creationId xmlns:a16="http://schemas.microsoft.com/office/drawing/2014/main" id="{7D46DBDC-33F0-4100-9BC1-9A26ECCC2D90}"/>
+              </a:ext>
+            </a:extLst>
+          </p:cNvPr>
+          <p:cNvSpPr/>
+          <p:nvPr/>
+        </p:nvSpPr>
+        <p:spPr>
+          <a:xfrm>
+            <a:off x="6559258" y="1260949"/>
+            <a:ext cx="1020551" cy="952970"/>
+          </a:xfrm>
+          <a:prstGeom prst="ellipse">
+            <a:avLst/>
+          </a:prstGeom>
+        </p:spPr>
+        <p:style>
+          <a:lnRef idx="2">
+            <a:schemeClr val="dk1"/>
+          </a:lnRef>
+          <a:fillRef idx="1">
+            <a:schemeClr val="lt1"/>
+          </a:fillRef>
+          <a:effectRef idx="0">
+            <a:schemeClr val="dk1"/>
+          </a:effectRef>
+          <a:fontRef idx="minor">
+            <a:schemeClr val="dk1"/>
+          </a:fontRef>
+        </p:style>
+        <p:txBody>
+          <a:bodyPr rtlCol="0" anchor="ctr"/>
+          <a:lstStyle/>
+          <a:p>
+            <a:pPr algn="ctr"/>
+            <a:r>
+              <a:rPr lang="en-US" altLang="zh-CN" sz="3200" dirty="0"/>
+              <a:t>Ⅲ</a:t>
+            </a:r>
+            <a:endParaRPr lang="zh-CN" altLang="en-US" sz="3200" dirty="0"/>
+          </a:p>
+        </p:txBody>
+      </p:sp>
+      <p:sp>
+        <p:nvSpPr>
+          <p:cNvPr id="7" name="椭圆 6">
+            <a:extLst>
+              <a:ext uri="{FF2B5EF4-FFF2-40B4-BE49-F238E27FC236}">
+                <a16:creationId xmlns:a16="http://schemas.microsoft.com/office/drawing/2014/main" id="{8CD83784-F3A9-4464-8012-CF78FDFA08E0}"/>
+              </a:ext>
+            </a:extLst>
+          </p:cNvPr>
+          <p:cNvSpPr/>
+          <p:nvPr/>
+        </p:nvSpPr>
+        <p:spPr>
+          <a:xfrm>
+            <a:off x="9281345" y="1232205"/>
+            <a:ext cx="1020551" cy="952970"/>
+          </a:xfrm>
+          <a:prstGeom prst="ellipse">
+            <a:avLst/>
+          </a:prstGeom>
+        </p:spPr>
+        <p:style>
+          <a:lnRef idx="2">
+            <a:schemeClr val="dk1"/>
+          </a:lnRef>
+          <a:fillRef idx="1">
+            <a:schemeClr val="lt1"/>
+          </a:fillRef>
+          <a:effectRef idx="0">
+            <a:schemeClr val="dk1"/>
+          </a:effectRef>
+          <a:fontRef idx="minor">
+            <a:schemeClr val="dk1"/>
+          </a:fontRef>
+        </p:style>
+        <p:txBody>
+          <a:bodyPr rtlCol="0" anchor="ctr"/>
+          <a:lstStyle/>
+          <a:p>
+            <a:pPr algn="ctr"/>
+            <a:r>
+              <a:rPr lang="en-US" altLang="zh-CN" sz="3200" dirty="0">
+                <a:solidFill>
+                  <a:schemeClr val="dk1"/>
+                </a:solidFill>
+              </a:rPr>
+              <a:t>Ⅳ</a:t>
+            </a:r>
+            <a:endParaRPr lang="zh-CN" altLang="en-US" sz="3200" dirty="0">
+              <a:solidFill>
+                <a:schemeClr val="dk1"/>
+              </a:solidFill>
+            </a:endParaRPr>
+          </a:p>
+        </p:txBody>
+      </p:sp>
+      <p:sp>
+        <p:nvSpPr>
+          <p:cNvPr id="8" name="椭圆 7">
+            <a:extLst>
+              <a:ext uri="{FF2B5EF4-FFF2-40B4-BE49-F238E27FC236}">
+                <a16:creationId xmlns:a16="http://schemas.microsoft.com/office/drawing/2014/main" id="{9D4C6BF1-8A28-423E-9DF1-726CEC917A19}"/>
+              </a:ext>
+            </a:extLst>
+          </p:cNvPr>
+          <p:cNvSpPr/>
+          <p:nvPr/>
+        </p:nvSpPr>
+        <p:spPr>
+          <a:xfrm>
+            <a:off x="1683691" y="4831280"/>
+            <a:ext cx="1020552" cy="1039041"/>
+          </a:xfrm>
+          <a:prstGeom prst="ellipse">
+            <a:avLst/>
+          </a:prstGeom>
+        </p:spPr>
+        <p:style>
+          <a:lnRef idx="2">
+            <a:schemeClr val="dk1"/>
+          </a:lnRef>
+          <a:fillRef idx="1">
+            <a:schemeClr val="lt1"/>
+          </a:fillRef>
+          <a:effectRef idx="0">
+            <a:schemeClr val="dk1"/>
+          </a:effectRef>
+          <a:fontRef idx="minor">
+            <a:schemeClr val="dk1"/>
+          </a:fontRef>
+        </p:style>
+        <p:txBody>
+          <a:bodyPr rtlCol="0" anchor="ctr"/>
+          <a:lstStyle/>
+          <a:p>
+            <a:pPr algn="ctr"/>
+            <a:r>
+              <a:rPr lang="en-US" altLang="zh-CN" sz="3200" dirty="0">
+                <a:solidFill>
+                  <a:schemeClr val="dk1"/>
+                </a:solidFill>
+              </a:rPr>
+              <a:t>a</a:t>
+            </a:r>
+            <a:endParaRPr lang="zh-CN" altLang="en-US" sz="3200" dirty="0">
+              <a:solidFill>
+                <a:schemeClr val="dk1"/>
+              </a:solidFill>
+            </a:endParaRPr>
+          </a:p>
+        </p:txBody>
+      </p:sp>
+      <p:sp>
+        <p:nvSpPr>
+          <p:cNvPr id="9" name="椭圆 8">
+            <a:extLst>
+              <a:ext uri="{FF2B5EF4-FFF2-40B4-BE49-F238E27FC236}">
+                <a16:creationId xmlns:a16="http://schemas.microsoft.com/office/drawing/2014/main" id="{1684DC7B-7F6D-4721-8E06-4AA38E307B0B}"/>
+              </a:ext>
+            </a:extLst>
+          </p:cNvPr>
+          <p:cNvSpPr/>
+          <p:nvPr/>
+        </p:nvSpPr>
+        <p:spPr>
+          <a:xfrm>
+            <a:off x="4005349" y="4831278"/>
+            <a:ext cx="1020552" cy="1039041"/>
+          </a:xfrm>
+          <a:prstGeom prst="ellipse">
+            <a:avLst/>
+          </a:prstGeom>
+        </p:spPr>
+        <p:style>
+          <a:lnRef idx="2">
+            <a:schemeClr val="dk1"/>
+          </a:lnRef>
+          <a:fillRef idx="1">
+            <a:schemeClr val="lt1"/>
+          </a:fillRef>
+          <a:effectRef idx="0">
+            <a:schemeClr val="dk1"/>
+          </a:effectRef>
+          <a:fontRef idx="minor">
+            <a:schemeClr val="dk1"/>
+          </a:fontRef>
+        </p:style>
+        <p:txBody>
+          <a:bodyPr rtlCol="0" anchor="ctr"/>
+          <a:lstStyle/>
+          <a:p>
+            <a:pPr algn="ctr"/>
+            <a:r>
+              <a:rPr lang="en-US" altLang="zh-CN" sz="3200" dirty="0">
+                <a:solidFill>
+                  <a:schemeClr val="dk1"/>
+                </a:solidFill>
+              </a:rPr>
+              <a:t>b</a:t>
+            </a:r>
+            <a:endParaRPr lang="zh-CN" altLang="en-US" sz="3200" dirty="0">
+              <a:solidFill>
+                <a:schemeClr val="dk1"/>
+              </a:solidFill>
+            </a:endParaRPr>
+          </a:p>
+        </p:txBody>
+      </p:sp>
+      <p:sp>
+        <p:nvSpPr>
+          <p:cNvPr id="10" name="椭圆 9">
+            <a:extLst>
+              <a:ext uri="{FF2B5EF4-FFF2-40B4-BE49-F238E27FC236}">
+                <a16:creationId xmlns:a16="http://schemas.microsoft.com/office/drawing/2014/main" id="{DD1CBC7C-3C10-404F-9043-14D38B511BB5}"/>
+              </a:ext>
+            </a:extLst>
+          </p:cNvPr>
+          <p:cNvSpPr/>
+          <p:nvPr/>
+        </p:nvSpPr>
+        <p:spPr>
+          <a:xfrm>
+            <a:off x="6559258" y="4860000"/>
+            <a:ext cx="1062747" cy="1010319"/>
+          </a:xfrm>
+          <a:prstGeom prst="ellipse">
+            <a:avLst/>
+          </a:prstGeom>
+        </p:spPr>
+        <p:style>
+          <a:lnRef idx="2">
+            <a:schemeClr val="dk1"/>
+          </a:lnRef>
+          <a:fillRef idx="1">
+            <a:schemeClr val="lt1"/>
+          </a:fillRef>
+          <a:effectRef idx="0">
+            <a:schemeClr val="dk1"/>
+          </a:effectRef>
+          <a:fontRef idx="minor">
+            <a:schemeClr val="dk1"/>
+          </a:fontRef>
+        </p:style>
+        <p:txBody>
+          <a:bodyPr rtlCol="0" anchor="ctr"/>
+          <a:lstStyle/>
+          <a:p>
+            <a:pPr algn="ctr"/>
+            <a:r>
+              <a:rPr lang="en-US" altLang="zh-CN" sz="3200" dirty="0">
+                <a:solidFill>
+                  <a:schemeClr val="dk1"/>
+                </a:solidFill>
+              </a:rPr>
+              <a:t>c</a:t>
+            </a:r>
+            <a:endParaRPr lang="zh-CN" altLang="en-US" sz="3200" dirty="0">
+              <a:solidFill>
+                <a:schemeClr val="dk1"/>
+              </a:solidFill>
+            </a:endParaRPr>
+          </a:p>
+        </p:txBody>
+      </p:sp>
+      <p:sp>
+        <p:nvSpPr>
+          <p:cNvPr id="11" name="椭圆 10">
+            <a:extLst>
+              <a:ext uri="{FF2B5EF4-FFF2-40B4-BE49-F238E27FC236}">
+                <a16:creationId xmlns:a16="http://schemas.microsoft.com/office/drawing/2014/main" id="{24B1CFF9-3E36-43AC-B19D-4E2A735D382F}"/>
+              </a:ext>
+            </a:extLst>
+          </p:cNvPr>
+          <p:cNvSpPr/>
+          <p:nvPr/>
+        </p:nvSpPr>
+        <p:spPr>
+          <a:xfrm>
+            <a:off x="9281346" y="4860000"/>
+            <a:ext cx="1020551" cy="1010319"/>
+          </a:xfrm>
+          <a:prstGeom prst="ellipse">
+            <a:avLst/>
+          </a:prstGeom>
+        </p:spPr>
+        <p:style>
+          <a:lnRef idx="2">
+            <a:schemeClr val="dk1"/>
+          </a:lnRef>
+          <a:fillRef idx="1">
+            <a:schemeClr val="lt1"/>
+          </a:fillRef>
+          <a:effectRef idx="0">
+            <a:schemeClr val="dk1"/>
+          </a:effectRef>
+          <a:fontRef idx="minor">
+            <a:schemeClr val="dk1"/>
+          </a:fontRef>
+        </p:style>
+        <p:txBody>
+          <a:bodyPr rtlCol="0" anchor="ctr"/>
+          <a:lstStyle/>
+          <a:p>
+            <a:pPr algn="ctr"/>
+            <a:r>
+              <a:rPr lang="en-US" altLang="zh-CN" sz="3200" dirty="0">
+                <a:solidFill>
+                  <a:schemeClr val="dk1"/>
+                </a:solidFill>
+              </a:rPr>
+              <a:t>d</a:t>
+            </a:r>
+            <a:endParaRPr lang="zh-CN" altLang="en-US" sz="3200" dirty="0">
+              <a:solidFill>
+                <a:schemeClr val="dk1"/>
+              </a:solidFill>
+            </a:endParaRPr>
+          </a:p>
+        </p:txBody>
+      </p:sp>
+      <p:cxnSp>
+        <p:nvCxnSpPr>
+          <p:cNvPr id="13" name="直接箭头连接符 12">
+            <a:extLst>
+              <a:ext uri="{FF2B5EF4-FFF2-40B4-BE49-F238E27FC236}">
+                <a16:creationId xmlns:a16="http://schemas.microsoft.com/office/drawing/2014/main" id="{5444315D-D3BE-41DD-AC03-0D4730B8D4C4}"/>
+              </a:ext>
+            </a:extLst>
+          </p:cNvPr>
+          <p:cNvCxnSpPr>
+            <a:cxnSpLocks/>
+            <a:stCxn id="6" idx="4"/>
+            <a:endCxn id="8" idx="0"/>
+          </p:cNvCxnSpPr>
+          <p:nvPr/>
+        </p:nvCxnSpPr>
+        <p:spPr>
+          <a:xfrm flipH="1">
+            <a:off x="2193967" y="2213919"/>
+            <a:ext cx="4875567" cy="2617361"/>
+          </a:xfrm>
+          <a:prstGeom prst="straightConnector1">
+            <a:avLst/>
+          </a:prstGeom>
+          <a:ln w="57150">
+            <a:tailEnd type="triangle"/>
+          </a:ln>
+        </p:spPr>
+        <p:style>
+          <a:lnRef idx="3">
+            <a:schemeClr val="accent2"/>
+          </a:lnRef>
+          <a:fillRef idx="0">
+            <a:schemeClr val="accent2"/>
+          </a:fillRef>
+          <a:effectRef idx="2">
+            <a:schemeClr val="accent2"/>
+          </a:effectRef>
+          <a:fontRef idx="minor">
+            <a:schemeClr val="tx1"/>
+          </a:fontRef>
+        </p:style>
+      </p:cxnSp>
+      <p:sp>
+        <p:nvSpPr>
+          <p:cNvPr id="14" name="文本框 13">
+            <a:extLst>
+              <a:ext uri="{FF2B5EF4-FFF2-40B4-BE49-F238E27FC236}">
+                <a16:creationId xmlns:a16="http://schemas.microsoft.com/office/drawing/2014/main" id="{105B5B04-0416-4157-A88A-2BD048A0043D}"/>
+              </a:ext>
+            </a:extLst>
+          </p:cNvPr>
+          <p:cNvSpPr txBox="1"/>
+          <p:nvPr/>
+        </p:nvSpPr>
+        <p:spPr>
+          <a:xfrm>
+            <a:off x="1875537" y="812881"/>
+            <a:ext cx="562975" cy="523220"/>
+          </a:xfrm>
+          <a:prstGeom prst="rect">
+            <a:avLst/>
+          </a:prstGeom>
+          <a:noFill/>
+        </p:spPr>
+        <p:txBody>
+          <a:bodyPr wrap="none" rtlCol="0">
+            <a:spAutoFit/>
+          </a:bodyPr>
+          <a:lstStyle/>
+          <a:p>
+            <a:r>
+              <a:rPr lang="en-US" altLang="zh-CN" sz="2800" dirty="0"/>
+              <a:t>10</a:t>
+            </a:r>
+            <a:endParaRPr lang="zh-CN" altLang="en-US" sz="2800" dirty="0"/>
+          </a:p>
+        </p:txBody>
+      </p:sp>
+      <p:sp>
+        <p:nvSpPr>
+          <p:cNvPr id="15" name="文本框 14">
+            <a:extLst>
+              <a:ext uri="{FF2B5EF4-FFF2-40B4-BE49-F238E27FC236}">
+                <a16:creationId xmlns:a16="http://schemas.microsoft.com/office/drawing/2014/main" id="{D9173191-A764-4D1B-B236-BFE8C89BF75B}"/>
+              </a:ext>
+            </a:extLst>
+          </p:cNvPr>
+          <p:cNvSpPr txBox="1"/>
+          <p:nvPr/>
+        </p:nvSpPr>
+        <p:spPr>
+          <a:xfrm>
+            <a:off x="4198448" y="821359"/>
+            <a:ext cx="562975" cy="523220"/>
+          </a:xfrm>
+          <a:prstGeom prst="rect">
+            <a:avLst/>
+          </a:prstGeom>
+          <a:noFill/>
+        </p:spPr>
+        <p:txBody>
+          <a:bodyPr wrap="none" rtlCol="0">
+            <a:spAutoFit/>
+          </a:bodyPr>
+          <a:lstStyle>
+            <a:defPPr>
+              <a:defRPr lang="zh-CN"/>
+            </a:defPPr>
+            <a:lvl1pPr>
+              <a:defRPr sz="2800"/>
+            </a:lvl1pPr>
+          </a:lstStyle>
+          <a:p>
+            <a:r>
+              <a:rPr lang="en-US" altLang="zh-CN" dirty="0"/>
+              <a:t>10</a:t>
+            </a:r>
+            <a:endParaRPr lang="zh-CN" altLang="en-US" dirty="0"/>
+          </a:p>
+        </p:txBody>
+      </p:sp>
+      <p:sp>
+        <p:nvSpPr>
+          <p:cNvPr id="16" name="文本框 15">
+            <a:extLst>
+              <a:ext uri="{FF2B5EF4-FFF2-40B4-BE49-F238E27FC236}">
+                <a16:creationId xmlns:a16="http://schemas.microsoft.com/office/drawing/2014/main" id="{FC82021D-C070-4557-8E09-F09E3E68DF09}"/>
+              </a:ext>
+            </a:extLst>
+          </p:cNvPr>
+          <p:cNvSpPr txBox="1"/>
+          <p:nvPr/>
+        </p:nvSpPr>
+        <p:spPr>
+          <a:xfrm>
+            <a:off x="6771800" y="830238"/>
+            <a:ext cx="562975" cy="523220"/>
+          </a:xfrm>
+          <a:prstGeom prst="rect">
+            <a:avLst/>
+          </a:prstGeom>
+          <a:noFill/>
+        </p:spPr>
+        <p:txBody>
+          <a:bodyPr wrap="none" rtlCol="0">
+            <a:spAutoFit/>
+          </a:bodyPr>
+          <a:lstStyle>
+            <a:defPPr>
+              <a:defRPr lang="zh-CN"/>
+            </a:defPPr>
+            <a:lvl1pPr>
+              <a:defRPr sz="2800"/>
+            </a:lvl1pPr>
+          </a:lstStyle>
+          <a:p>
+            <a:r>
+              <a:rPr lang="en-US" altLang="zh-CN" dirty="0"/>
+              <a:t>10</a:t>
+            </a:r>
+            <a:endParaRPr lang="zh-CN" altLang="en-US" dirty="0"/>
+          </a:p>
+        </p:txBody>
+      </p:sp>
+      <p:sp>
+        <p:nvSpPr>
+          <p:cNvPr id="17" name="文本框 16">
+            <a:extLst>
+              <a:ext uri="{FF2B5EF4-FFF2-40B4-BE49-F238E27FC236}">
+                <a16:creationId xmlns:a16="http://schemas.microsoft.com/office/drawing/2014/main" id="{25111A83-966D-47F6-8691-F43534468104}"/>
+              </a:ext>
+            </a:extLst>
+          </p:cNvPr>
+          <p:cNvSpPr txBox="1"/>
+          <p:nvPr/>
+        </p:nvSpPr>
+        <p:spPr>
+          <a:xfrm>
+            <a:off x="9502422" y="812881"/>
+            <a:ext cx="562975" cy="523220"/>
+          </a:xfrm>
+          <a:prstGeom prst="rect">
+            <a:avLst/>
+          </a:prstGeom>
+          <a:noFill/>
+        </p:spPr>
+        <p:txBody>
+          <a:bodyPr wrap="none" rtlCol="0">
+            <a:spAutoFit/>
+          </a:bodyPr>
+          <a:lstStyle>
+            <a:defPPr>
+              <a:defRPr lang="zh-CN"/>
+            </a:defPPr>
+            <a:lvl1pPr>
+              <a:defRPr sz="2800"/>
+            </a:lvl1pPr>
+          </a:lstStyle>
+          <a:p>
+            <a:r>
+              <a:rPr lang="en-US" altLang="zh-CN" dirty="0"/>
+              <a:t>10</a:t>
+            </a:r>
+            <a:endParaRPr lang="zh-CN" altLang="en-US" dirty="0"/>
+          </a:p>
+        </p:txBody>
+      </p:sp>
+      <p:cxnSp>
+        <p:nvCxnSpPr>
+          <p:cNvPr id="20" name="直接箭头连接符 19">
+            <a:extLst>
+              <a:ext uri="{FF2B5EF4-FFF2-40B4-BE49-F238E27FC236}">
+                <a16:creationId xmlns:a16="http://schemas.microsoft.com/office/drawing/2014/main" id="{C1F48667-6E7A-410D-9CC6-B2F351D86CE2}"/>
+              </a:ext>
+            </a:extLst>
+          </p:cNvPr>
+          <p:cNvCxnSpPr>
+            <a:cxnSpLocks/>
+            <a:stCxn id="6" idx="4"/>
+            <a:endCxn id="11" idx="0"/>
+          </p:cNvCxnSpPr>
+          <p:nvPr/>
+        </p:nvCxnSpPr>
+        <p:spPr>
+          <a:xfrm>
+            <a:off x="7069534" y="2213919"/>
+            <a:ext cx="2722088" cy="2646081"/>
+          </a:xfrm>
+          <a:prstGeom prst="straightConnector1">
+            <a:avLst/>
+          </a:prstGeom>
+          <a:ln w="57150">
+            <a:tailEnd type="triangle"/>
+          </a:ln>
+        </p:spPr>
+        <p:style>
+          <a:lnRef idx="3">
+            <a:schemeClr val="accent2"/>
+          </a:lnRef>
+          <a:fillRef idx="0">
+            <a:schemeClr val="accent2"/>
+          </a:fillRef>
+          <a:effectRef idx="2">
+            <a:schemeClr val="accent2"/>
+          </a:effectRef>
+          <a:fontRef idx="minor">
+            <a:schemeClr val="tx1"/>
+          </a:fontRef>
+        </p:style>
+      </p:cxnSp>
+      <p:cxnSp>
+        <p:nvCxnSpPr>
+          <p:cNvPr id="30" name="直接连接符 29">
+            <a:extLst>
+              <a:ext uri="{FF2B5EF4-FFF2-40B4-BE49-F238E27FC236}">
+                <a16:creationId xmlns:a16="http://schemas.microsoft.com/office/drawing/2014/main" id="{64CCE36F-60C7-411F-9867-2BC8E1B2F6B8}"/>
+              </a:ext>
+            </a:extLst>
+          </p:cNvPr>
+          <p:cNvCxnSpPr>
+            <a:cxnSpLocks/>
+            <a:stCxn id="5" idx="4"/>
+            <a:endCxn id="8" idx="0"/>
+          </p:cNvCxnSpPr>
+          <p:nvPr/>
+        </p:nvCxnSpPr>
+        <p:spPr>
+          <a:xfrm flipH="1">
+            <a:off x="2193967" y="2242685"/>
+            <a:ext cx="2323653" cy="2588595"/>
+          </a:xfrm>
+          <a:prstGeom prst="line">
+            <a:avLst/>
+          </a:prstGeom>
+        </p:spPr>
+        <p:style>
+          <a:lnRef idx="3">
+            <a:schemeClr val="dk1"/>
+          </a:lnRef>
+          <a:fillRef idx="0">
+            <a:schemeClr val="dk1"/>
+          </a:fillRef>
+          <a:effectRef idx="2">
+            <a:schemeClr val="dk1"/>
+          </a:effectRef>
+          <a:fontRef idx="minor">
+            <a:schemeClr val="tx1"/>
+          </a:fontRef>
+        </p:style>
+      </p:cxnSp>
+      <p:cxnSp>
+        <p:nvCxnSpPr>
+          <p:cNvPr id="32" name="直接连接符 31">
+            <a:extLst>
+              <a:ext uri="{FF2B5EF4-FFF2-40B4-BE49-F238E27FC236}">
+                <a16:creationId xmlns:a16="http://schemas.microsoft.com/office/drawing/2014/main" id="{A6D02849-0215-4C91-8CF9-BAC3815EF02F}"/>
+              </a:ext>
+            </a:extLst>
+          </p:cNvPr>
+          <p:cNvCxnSpPr>
+            <a:cxnSpLocks/>
+            <a:stCxn id="4" idx="4"/>
+            <a:endCxn id="8" idx="0"/>
+          </p:cNvCxnSpPr>
+          <p:nvPr/>
+        </p:nvCxnSpPr>
+        <p:spPr>
+          <a:xfrm>
+            <a:off x="2184527" y="2271407"/>
+            <a:ext cx="9440" cy="2559873"/>
+          </a:xfrm>
+          <a:prstGeom prst="line">
+            <a:avLst/>
+          </a:prstGeom>
+        </p:spPr>
+        <p:style>
+          <a:lnRef idx="3">
+            <a:schemeClr val="dk1"/>
+          </a:lnRef>
+          <a:fillRef idx="0">
+            <a:schemeClr val="dk1"/>
+          </a:fillRef>
+          <a:effectRef idx="2">
+            <a:schemeClr val="dk1"/>
+          </a:effectRef>
+          <a:fontRef idx="minor">
+            <a:schemeClr val="tx1"/>
+          </a:fontRef>
+        </p:style>
+      </p:cxnSp>
+      <p:cxnSp>
+        <p:nvCxnSpPr>
+          <p:cNvPr id="34" name="直接连接符 33">
+            <a:extLst>
+              <a:ext uri="{FF2B5EF4-FFF2-40B4-BE49-F238E27FC236}">
+                <a16:creationId xmlns:a16="http://schemas.microsoft.com/office/drawing/2014/main" id="{4FEDE642-92FC-4749-AFAA-376A8528A149}"/>
+              </a:ext>
+            </a:extLst>
+          </p:cNvPr>
+          <p:cNvCxnSpPr>
+            <a:cxnSpLocks/>
+            <a:stCxn id="4" idx="4"/>
+            <a:endCxn id="9" idx="0"/>
+          </p:cNvCxnSpPr>
+          <p:nvPr/>
+        </p:nvCxnSpPr>
+        <p:spPr>
+          <a:xfrm>
+            <a:off x="2184527" y="2271407"/>
+            <a:ext cx="2331098" cy="2559871"/>
+          </a:xfrm>
+          <a:prstGeom prst="line">
+            <a:avLst/>
+          </a:prstGeom>
+        </p:spPr>
+        <p:style>
+          <a:lnRef idx="3">
+            <a:schemeClr val="dk1"/>
+          </a:lnRef>
+          <a:fillRef idx="0">
+            <a:schemeClr val="dk1"/>
+          </a:fillRef>
+          <a:effectRef idx="2">
+            <a:schemeClr val="dk1"/>
+          </a:effectRef>
+          <a:fontRef idx="minor">
+            <a:schemeClr val="tx1"/>
+          </a:fontRef>
+        </p:style>
+      </p:cxnSp>
+      <p:cxnSp>
+        <p:nvCxnSpPr>
+          <p:cNvPr id="36" name="直接连接符 35">
+            <a:extLst>
+              <a:ext uri="{FF2B5EF4-FFF2-40B4-BE49-F238E27FC236}">
+                <a16:creationId xmlns:a16="http://schemas.microsoft.com/office/drawing/2014/main" id="{984ED06F-2201-46FE-A118-1C45D1ABDF56}"/>
+              </a:ext>
+            </a:extLst>
+          </p:cNvPr>
+          <p:cNvCxnSpPr>
+            <a:cxnSpLocks/>
+            <a:stCxn id="4" idx="4"/>
+            <a:endCxn id="11" idx="0"/>
+          </p:cNvCxnSpPr>
+          <p:nvPr/>
+        </p:nvCxnSpPr>
+        <p:spPr>
+          <a:xfrm>
+            <a:off x="2184527" y="2271407"/>
+            <a:ext cx="7607095" cy="2588593"/>
+          </a:xfrm>
+          <a:prstGeom prst="line">
+            <a:avLst/>
+          </a:prstGeom>
+        </p:spPr>
+        <p:style>
+          <a:lnRef idx="3">
+            <a:schemeClr val="dk1"/>
+          </a:lnRef>
+          <a:fillRef idx="0">
+            <a:schemeClr val="dk1"/>
+          </a:fillRef>
+          <a:effectRef idx="2">
+            <a:schemeClr val="dk1"/>
+          </a:effectRef>
+          <a:fontRef idx="minor">
+            <a:schemeClr val="tx1"/>
+          </a:fontRef>
+        </p:style>
+      </p:cxnSp>
+      <p:sp>
+        <p:nvSpPr>
+          <p:cNvPr id="40" name="矩形 39">
+            <a:extLst>
+              <a:ext uri="{FF2B5EF4-FFF2-40B4-BE49-F238E27FC236}">
+                <a16:creationId xmlns:a16="http://schemas.microsoft.com/office/drawing/2014/main" id="{C46E1DFE-838D-42F0-A6E6-CBFE2161EF47}"/>
+              </a:ext>
+            </a:extLst>
+          </p:cNvPr>
+          <p:cNvSpPr/>
+          <p:nvPr/>
+        </p:nvSpPr>
+        <p:spPr>
+          <a:xfrm>
+            <a:off x="3855533" y="4105881"/>
+            <a:ext cx="273828" cy="461665"/>
+          </a:xfrm>
+          <a:prstGeom prst="rect">
+            <a:avLst/>
+          </a:prstGeom>
+          <a:solidFill>
+            <a:schemeClr val="bg1"/>
+          </a:solidFill>
+        </p:spPr>
+        <p:txBody>
+          <a:bodyPr wrap="square" lIns="91440" tIns="45720" rIns="91440" bIns="45720">
+            <a:spAutoFit/>
+          </a:bodyPr>
+          <a:lstStyle/>
+          <a:p>
+            <a:r>
+              <a:rPr lang="en-US" altLang="zh-CN" sz="2400" dirty="0"/>
+              <a:t>2</a:t>
+            </a:r>
+            <a:endParaRPr lang="zh-CN" altLang="en-US" sz="2400" dirty="0"/>
+          </a:p>
+        </p:txBody>
+      </p:sp>
+      <p:sp>
+        <p:nvSpPr>
+          <p:cNvPr id="41" name="矩形 40">
+            <a:extLst>
+              <a:ext uri="{FF2B5EF4-FFF2-40B4-BE49-F238E27FC236}">
+                <a16:creationId xmlns:a16="http://schemas.microsoft.com/office/drawing/2014/main" id="{1813A8E2-3E0E-4E73-9150-2DA172D7759B}"/>
+              </a:ext>
+            </a:extLst>
+          </p:cNvPr>
+          <p:cNvSpPr/>
+          <p:nvPr/>
+        </p:nvSpPr>
+        <p:spPr>
+          <a:xfrm>
+            <a:off x="8297204" y="4195450"/>
+            <a:ext cx="362965" cy="461665"/>
+          </a:xfrm>
+          <a:prstGeom prst="rect">
+            <a:avLst/>
+          </a:prstGeom>
+          <a:solidFill>
+            <a:schemeClr val="bg1"/>
+          </a:solidFill>
+        </p:spPr>
+        <p:txBody>
+          <a:bodyPr wrap="square" lIns="91440" tIns="45720" rIns="91440" bIns="45720">
+            <a:spAutoFit/>
+          </a:bodyPr>
+          <a:lstStyle/>
+          <a:p>
+            <a:pPr algn="ctr"/>
+            <a:r>
+              <a:rPr lang="en-US" altLang="zh-CN" sz="2400" dirty="0">
+                <a:ln w="0"/>
+                <a:effectLst>
+                  <a:outerShdw blurRad="38100" dist="19050" dir="2700000" algn="tl" rotWithShape="0">
+                    <a:schemeClr val="dk1">
+                      <a:alpha val="40000"/>
+                    </a:schemeClr>
+                  </a:outerShdw>
+                </a:effectLst>
+              </a:rPr>
+              <a:t>4</a:t>
+            </a:r>
+            <a:endParaRPr lang="zh-CN" altLang="en-US" sz="2400" b="0" cap="none" spc="0" dirty="0">
+              <a:ln w="0"/>
+              <a:solidFill>
+                <a:schemeClr val="tx1"/>
+              </a:solidFill>
+              <a:effectLst>
+                <a:outerShdw blurRad="38100" dist="19050" dir="2700000" algn="tl" rotWithShape="0">
+                  <a:schemeClr val="dk1">
+                    <a:alpha val="40000"/>
+                  </a:schemeClr>
+                </a:outerShdw>
+              </a:effectLst>
+            </a:endParaRPr>
+          </a:p>
+        </p:txBody>
+      </p:sp>
+      <p:sp useBgFill="1">
+        <p:nvSpPr>
+          <p:cNvPr id="42" name="矩形 41">
+            <a:extLst>
+              <a:ext uri="{FF2B5EF4-FFF2-40B4-BE49-F238E27FC236}">
+                <a16:creationId xmlns:a16="http://schemas.microsoft.com/office/drawing/2014/main" id="{199177F7-DCBC-40F0-B711-3271935F208C}"/>
+              </a:ext>
+            </a:extLst>
+          </p:cNvPr>
+          <p:cNvSpPr/>
+          <p:nvPr/>
+        </p:nvSpPr>
+        <p:spPr>
+          <a:xfrm>
+            <a:off x="2959425" y="4105880"/>
+            <a:ext cx="261969" cy="461665"/>
+          </a:xfrm>
+          <a:prstGeom prst="rect">
+            <a:avLst/>
+          </a:prstGeom>
+        </p:spPr>
+        <p:txBody>
+          <a:bodyPr wrap="square" rtlCol="0">
+            <a:spAutoFit/>
+          </a:bodyPr>
+          <a:lstStyle/>
+          <a:p>
+            <a:r>
+              <a:rPr lang="en-US" altLang="zh-CN" sz="2400" dirty="0"/>
+              <a:t>3</a:t>
+            </a:r>
+            <a:endParaRPr lang="zh-CN" altLang="en-US" sz="2400" dirty="0"/>
+          </a:p>
+        </p:txBody>
+      </p:sp>
+      <p:sp useBgFill="1">
+        <p:nvSpPr>
+          <p:cNvPr id="43" name="矩形 42">
+            <a:extLst>
+              <a:ext uri="{FF2B5EF4-FFF2-40B4-BE49-F238E27FC236}">
+                <a16:creationId xmlns:a16="http://schemas.microsoft.com/office/drawing/2014/main" id="{E96162E9-4D02-4175-AA41-B294F0B0CC03}"/>
+              </a:ext>
+            </a:extLst>
+          </p:cNvPr>
+          <p:cNvSpPr/>
+          <p:nvPr/>
+        </p:nvSpPr>
+        <p:spPr>
+          <a:xfrm>
+            <a:off x="9206348" y="4078540"/>
+            <a:ext cx="335839" cy="461665"/>
+          </a:xfrm>
+          <a:prstGeom prst="rect">
+            <a:avLst/>
+          </a:prstGeom>
+        </p:spPr>
+        <p:txBody>
+          <a:bodyPr wrap="square" lIns="91440" tIns="45720" rIns="91440" bIns="45720">
+            <a:spAutoFit/>
+          </a:bodyPr>
+          <a:lstStyle/>
+          <a:p>
+            <a:pPr algn="ctr"/>
+            <a:r>
+              <a:rPr lang="en-US" altLang="zh-CN" sz="2400" b="0" cap="none" spc="0" dirty="0">
+                <a:ln w="0"/>
+                <a:solidFill>
+                  <a:schemeClr val="tx1"/>
+                </a:solidFill>
+                <a:effectLst>
+                  <a:outerShdw blurRad="38100" dist="19050" dir="2700000" algn="tl" rotWithShape="0">
+                    <a:schemeClr val="dk1">
+                      <a:alpha val="40000"/>
+                    </a:schemeClr>
+                  </a:outerShdw>
+                </a:effectLst>
+              </a:rPr>
+              <a:t>1</a:t>
+            </a:r>
+            <a:endParaRPr lang="zh-CN" altLang="en-US" sz="2400" b="0" cap="none" spc="0" dirty="0">
+              <a:ln w="0"/>
+              <a:solidFill>
+                <a:schemeClr val="tx1"/>
+              </a:solidFill>
+              <a:effectLst>
+                <a:outerShdw blurRad="38100" dist="19050" dir="2700000" algn="tl" rotWithShape="0">
+                  <a:schemeClr val="dk1">
+                    <a:alpha val="40000"/>
+                  </a:schemeClr>
+                </a:outerShdw>
+              </a:effectLst>
+            </a:endParaRPr>
+          </a:p>
+        </p:txBody>
+      </p:sp>
+      <p:sp useBgFill="1">
+        <p:nvSpPr>
+          <p:cNvPr id="45" name="矩形 44">
+            <a:extLst>
+              <a:ext uri="{FF2B5EF4-FFF2-40B4-BE49-F238E27FC236}">
+                <a16:creationId xmlns:a16="http://schemas.microsoft.com/office/drawing/2014/main" id="{83626EC0-FEFD-4453-AD19-5F9F315F8E30}"/>
+              </a:ext>
+            </a:extLst>
+          </p:cNvPr>
+          <p:cNvSpPr/>
+          <p:nvPr/>
+        </p:nvSpPr>
+        <p:spPr>
+          <a:xfrm>
+            <a:off x="2426314" y="4078541"/>
+            <a:ext cx="238877" cy="461665"/>
+          </a:xfrm>
+          <a:prstGeom prst="rect">
+            <a:avLst/>
+          </a:prstGeom>
+        </p:spPr>
+        <p:txBody>
+          <a:bodyPr wrap="square" rtlCol="0">
+            <a:spAutoFit/>
+          </a:bodyPr>
+          <a:lstStyle/>
+          <a:p>
+            <a:r>
+              <a:rPr lang="en-US" altLang="zh-CN" sz="2400" dirty="0"/>
+              <a:t>4</a:t>
+            </a:r>
+            <a:endParaRPr lang="zh-CN" altLang="en-US" sz="2400" dirty="0"/>
+          </a:p>
+        </p:txBody>
+      </p:sp>
+      <p:cxnSp>
+        <p:nvCxnSpPr>
+          <p:cNvPr id="48" name="直接连接符 47">
+            <a:extLst>
+              <a:ext uri="{FF2B5EF4-FFF2-40B4-BE49-F238E27FC236}">
+                <a16:creationId xmlns:a16="http://schemas.microsoft.com/office/drawing/2014/main" id="{9D87FD8F-7B5E-4129-9CF2-6FD38AF16C8A}"/>
+              </a:ext>
+            </a:extLst>
+          </p:cNvPr>
+          <p:cNvCxnSpPr>
+            <a:cxnSpLocks/>
+            <a:stCxn id="7" idx="4"/>
+            <a:endCxn id="11" idx="0"/>
+          </p:cNvCxnSpPr>
+          <p:nvPr/>
+        </p:nvCxnSpPr>
+        <p:spPr>
+          <a:xfrm>
+            <a:off x="9791621" y="2185175"/>
+            <a:ext cx="1" cy="2674825"/>
+          </a:xfrm>
+          <a:prstGeom prst="line">
+            <a:avLst/>
+          </a:prstGeom>
+        </p:spPr>
+        <p:style>
+          <a:lnRef idx="3">
+            <a:schemeClr val="dk1"/>
+          </a:lnRef>
+          <a:fillRef idx="0">
+            <a:schemeClr val="dk1"/>
+          </a:fillRef>
+          <a:effectRef idx="2">
+            <a:schemeClr val="dk1"/>
+          </a:effectRef>
+          <a:fontRef idx="minor">
+            <a:schemeClr val="tx1"/>
+          </a:fontRef>
+        </p:style>
+      </p:cxnSp>
+      <p:sp>
+        <p:nvSpPr>
+          <p:cNvPr id="49" name="矩形 48">
+            <a:extLst>
+              <a:ext uri="{FF2B5EF4-FFF2-40B4-BE49-F238E27FC236}">
+                <a16:creationId xmlns:a16="http://schemas.microsoft.com/office/drawing/2014/main" id="{638BCEEA-FA34-42DD-B89D-E92981DD8CF9}"/>
+              </a:ext>
+            </a:extLst>
+          </p:cNvPr>
+          <p:cNvSpPr/>
+          <p:nvPr/>
+        </p:nvSpPr>
+        <p:spPr>
+          <a:xfrm>
+            <a:off x="9577741" y="4010926"/>
+            <a:ext cx="460810" cy="461665"/>
+          </a:xfrm>
+          <a:prstGeom prst="rect">
+            <a:avLst/>
+          </a:prstGeom>
+          <a:solidFill>
+            <a:schemeClr val="bg1"/>
+          </a:solidFill>
+        </p:spPr>
+        <p:txBody>
+          <a:bodyPr wrap="square" lIns="91440" tIns="45720" rIns="91440" bIns="45720">
+            <a:spAutoFit/>
+          </a:bodyPr>
+          <a:lstStyle/>
+          <a:p>
+            <a:pPr algn="ctr"/>
+            <a:r>
+              <a:rPr lang="en-US" altLang="zh-CN" sz="2400" dirty="0">
+                <a:ln w="0"/>
+                <a:effectLst>
+                  <a:outerShdw blurRad="38100" dist="19050" dir="2700000" algn="tl" rotWithShape="0">
+                    <a:schemeClr val="dk1">
+                      <a:alpha val="40000"/>
+                    </a:schemeClr>
+                  </a:outerShdw>
+                </a:effectLst>
+              </a:rPr>
+              <a:t>2</a:t>
+            </a:r>
+            <a:endParaRPr lang="zh-CN" altLang="en-US" sz="2400" b="0" cap="none" spc="0" dirty="0">
+              <a:ln w="0"/>
+              <a:solidFill>
+                <a:schemeClr val="tx1"/>
+              </a:solidFill>
+              <a:effectLst>
+                <a:outerShdw blurRad="38100" dist="19050" dir="2700000" algn="tl" rotWithShape="0">
+                  <a:schemeClr val="dk1">
+                    <a:alpha val="40000"/>
+                  </a:schemeClr>
+                </a:outerShdw>
+              </a:effectLst>
+            </a:endParaRPr>
+          </a:p>
+        </p:txBody>
+      </p:sp>
+      <p:cxnSp>
+        <p:nvCxnSpPr>
+          <p:cNvPr id="3" name="直接箭头连接符 2">
+            <a:extLst>
+              <a:ext uri="{FF2B5EF4-FFF2-40B4-BE49-F238E27FC236}">
+                <a16:creationId xmlns:a16="http://schemas.microsoft.com/office/drawing/2014/main" id="{F931AE79-62C3-49DE-A17D-4F30A381A882}"/>
+              </a:ext>
+            </a:extLst>
+          </p:cNvPr>
+          <p:cNvCxnSpPr>
+            <a:cxnSpLocks/>
+            <a:stCxn id="6" idx="4"/>
+            <a:endCxn id="10" idx="0"/>
+          </p:cNvCxnSpPr>
+          <p:nvPr/>
+        </p:nvCxnSpPr>
+        <p:spPr>
+          <a:xfrm>
+            <a:off x="7069534" y="2213919"/>
+            <a:ext cx="21098" cy="2646081"/>
+          </a:xfrm>
+          <a:prstGeom prst="straightConnector1">
+            <a:avLst/>
+          </a:prstGeom>
+          <a:ln w="57150">
+            <a:tailEnd type="triangle"/>
+          </a:ln>
+        </p:spPr>
+        <p:style>
+          <a:lnRef idx="3">
+            <a:schemeClr val="accent2"/>
+          </a:lnRef>
+          <a:fillRef idx="0">
+            <a:schemeClr val="accent2"/>
+          </a:fillRef>
+          <a:effectRef idx="2">
+            <a:schemeClr val="accent2"/>
+          </a:effectRef>
+          <a:fontRef idx="minor">
+            <a:schemeClr val="tx1"/>
+          </a:fontRef>
+        </p:style>
+      </p:cxnSp>
+      <p:sp>
+        <p:nvSpPr>
+          <p:cNvPr id="47" name="矩形 46">
+            <a:extLst>
+              <a:ext uri="{FF2B5EF4-FFF2-40B4-BE49-F238E27FC236}">
+                <a16:creationId xmlns:a16="http://schemas.microsoft.com/office/drawing/2014/main" id="{DF93A789-58EB-48DD-B4E1-BFB3ABEA292D}"/>
+              </a:ext>
+            </a:extLst>
+          </p:cNvPr>
+          <p:cNvSpPr/>
+          <p:nvPr/>
+        </p:nvSpPr>
+        <p:spPr>
+          <a:xfrm flipH="1">
+            <a:off x="6917996" y="4004675"/>
+            <a:ext cx="558822" cy="461665"/>
+          </a:xfrm>
+          <a:prstGeom prst="rect">
+            <a:avLst/>
+          </a:prstGeom>
+          <a:noFill/>
+        </p:spPr>
+        <p:txBody>
+          <a:bodyPr wrap="square" lIns="91440" tIns="45720" rIns="91440" bIns="45720">
+            <a:spAutoFit/>
+          </a:bodyPr>
+          <a:lstStyle/>
+          <a:p>
+            <a:pPr algn="ctr"/>
+            <a:r>
+              <a:rPr lang="en-US" altLang="zh-CN" sz="2400" dirty="0">
+                <a:ln w="0"/>
+                <a:effectLst>
+                  <a:outerShdw blurRad="38100" dist="19050" dir="2700000" algn="tl" rotWithShape="0">
+                    <a:schemeClr val="dk1">
+                      <a:alpha val="40000"/>
+                    </a:schemeClr>
+                  </a:outerShdw>
+                </a:effectLst>
+              </a:rPr>
+              <a:t>2</a:t>
+            </a:r>
+            <a:endParaRPr lang="zh-CN" altLang="en-US" sz="2400" b="0" cap="none" spc="0" dirty="0">
+              <a:ln w="0"/>
+              <a:solidFill>
+                <a:schemeClr val="tx1"/>
+              </a:solidFill>
+              <a:effectLst>
+                <a:outerShdw blurRad="38100" dist="19050" dir="2700000" algn="tl" rotWithShape="0">
+                  <a:schemeClr val="dk1">
+                    <a:alpha val="40000"/>
+                  </a:schemeClr>
+                </a:outerShdw>
+              </a:effectLst>
+            </a:endParaRPr>
+          </a:p>
+        </p:txBody>
+      </p:sp>
+      <p:cxnSp>
+        <p:nvCxnSpPr>
+          <p:cNvPr id="18" name="直接连接符 17">
+            <a:extLst>
+              <a:ext uri="{FF2B5EF4-FFF2-40B4-BE49-F238E27FC236}">
+                <a16:creationId xmlns:a16="http://schemas.microsoft.com/office/drawing/2014/main" id="{98A09F1E-0154-4091-B47C-73C928F052FA}"/>
+              </a:ext>
+            </a:extLst>
+          </p:cNvPr>
+          <p:cNvCxnSpPr>
+            <a:cxnSpLocks/>
+            <a:stCxn id="7" idx="4"/>
+            <a:endCxn id="10" idx="0"/>
+          </p:cNvCxnSpPr>
+          <p:nvPr/>
+        </p:nvCxnSpPr>
+        <p:spPr>
+          <a:xfrm flipH="1">
+            <a:off x="7090632" y="2185175"/>
+            <a:ext cx="2700989" cy="2674825"/>
+          </a:xfrm>
+          <a:prstGeom prst="line">
+            <a:avLst/>
+          </a:prstGeom>
+        </p:spPr>
+        <p:style>
+          <a:lnRef idx="3">
+            <a:schemeClr val="dk1"/>
+          </a:lnRef>
+          <a:fillRef idx="0">
+            <a:schemeClr val="dk1"/>
+          </a:fillRef>
+          <a:effectRef idx="2">
+            <a:schemeClr val="dk1"/>
+          </a:effectRef>
+          <a:fontRef idx="minor">
+            <a:schemeClr val="tx1"/>
+          </a:fontRef>
+        </p:style>
+      </p:cxnSp>
+      <p:sp>
+        <p:nvSpPr>
+          <p:cNvPr id="50" name="矩形 49">
+            <a:extLst>
+              <a:ext uri="{FF2B5EF4-FFF2-40B4-BE49-F238E27FC236}">
+                <a16:creationId xmlns:a16="http://schemas.microsoft.com/office/drawing/2014/main" id="{B042FA15-F4B3-49AD-89D3-5BDC6D2C7170}"/>
+              </a:ext>
+            </a:extLst>
+          </p:cNvPr>
+          <p:cNvSpPr/>
+          <p:nvPr/>
+        </p:nvSpPr>
+        <p:spPr>
+          <a:xfrm>
+            <a:off x="7463877" y="4204631"/>
+            <a:ext cx="227876" cy="461665"/>
+          </a:xfrm>
+          <a:prstGeom prst="rect">
+            <a:avLst/>
+          </a:prstGeom>
+          <a:solidFill>
+            <a:schemeClr val="bg1"/>
+          </a:solidFill>
+        </p:spPr>
+        <p:txBody>
+          <a:bodyPr wrap="square" lIns="91440" tIns="45720" rIns="91440" bIns="45720">
+            <a:spAutoFit/>
+          </a:bodyPr>
+          <a:lstStyle/>
+          <a:p>
+            <a:pPr algn="ctr"/>
+            <a:r>
+              <a:rPr lang="en-US" altLang="zh-CN" sz="2400" dirty="0">
+                <a:ln w="0"/>
+                <a:effectLst>
+                  <a:outerShdw blurRad="38100" dist="19050" dir="2700000" algn="tl" rotWithShape="0">
+                    <a:schemeClr val="dk1">
+                      <a:alpha val="40000"/>
+                    </a:schemeClr>
+                  </a:outerShdw>
+                </a:effectLst>
+              </a:rPr>
+              <a:t>3</a:t>
+            </a:r>
+            <a:endParaRPr lang="zh-CN" altLang="en-US" sz="2400" b="0" cap="none" spc="0" dirty="0">
+              <a:ln w="0"/>
+              <a:solidFill>
+                <a:schemeClr val="tx1"/>
+              </a:solidFill>
+              <a:effectLst>
+                <a:outerShdw blurRad="38100" dist="19050" dir="2700000" algn="tl" rotWithShape="0">
+                  <a:schemeClr val="dk1">
+                    <a:alpha val="40000"/>
+                  </a:schemeClr>
+                </a:outerShdw>
+              </a:effectLst>
+            </a:endParaRPr>
+          </a:p>
+        </p:txBody>
+      </p:sp>
+      <p:cxnSp>
+        <p:nvCxnSpPr>
+          <p:cNvPr id="25" name="直接连接符 24">
+            <a:extLst>
+              <a:ext uri="{FF2B5EF4-FFF2-40B4-BE49-F238E27FC236}">
+                <a16:creationId xmlns:a16="http://schemas.microsoft.com/office/drawing/2014/main" id="{BC2FDB9F-4B5E-4E85-BE24-1E39AD2B839A}"/>
+              </a:ext>
+            </a:extLst>
+          </p:cNvPr>
+          <p:cNvCxnSpPr>
+            <a:cxnSpLocks/>
+            <a:stCxn id="7" idx="4"/>
+            <a:endCxn id="9" idx="0"/>
+          </p:cNvCxnSpPr>
+          <p:nvPr/>
+        </p:nvCxnSpPr>
+        <p:spPr>
+          <a:xfrm flipH="1">
+            <a:off x="4515625" y="2185175"/>
+            <a:ext cx="5275996" cy="2646103"/>
+          </a:xfrm>
+          <a:prstGeom prst="line">
+            <a:avLst/>
+          </a:prstGeom>
+        </p:spPr>
+        <p:style>
+          <a:lnRef idx="3">
+            <a:schemeClr val="dk1"/>
+          </a:lnRef>
+          <a:fillRef idx="0">
+            <a:schemeClr val="dk1"/>
+          </a:fillRef>
+          <a:effectRef idx="2">
+            <a:schemeClr val="dk1"/>
+          </a:effectRef>
+          <a:fontRef idx="minor">
+            <a:schemeClr val="tx1"/>
+          </a:fontRef>
+        </p:style>
+      </p:cxnSp>
+      <p:sp>
+        <p:nvSpPr>
+          <p:cNvPr id="51" name="矩形 50">
+            <a:extLst>
+              <a:ext uri="{FF2B5EF4-FFF2-40B4-BE49-F238E27FC236}">
+                <a16:creationId xmlns:a16="http://schemas.microsoft.com/office/drawing/2014/main" id="{85F8080E-976D-437E-B2DF-C7C3C16F6B04}"/>
+              </a:ext>
+            </a:extLst>
+          </p:cNvPr>
+          <p:cNvSpPr/>
+          <p:nvPr/>
+        </p:nvSpPr>
+        <p:spPr>
+          <a:xfrm>
+            <a:off x="5654055" y="3992242"/>
+            <a:ext cx="321491" cy="461665"/>
+          </a:xfrm>
+          <a:prstGeom prst="rect">
+            <a:avLst/>
+          </a:prstGeom>
+          <a:solidFill>
+            <a:schemeClr val="bg1"/>
+          </a:solidFill>
+        </p:spPr>
+        <p:txBody>
+          <a:bodyPr wrap="square" lIns="91440" tIns="45720" rIns="91440" bIns="45720">
+            <a:spAutoFit/>
+          </a:bodyPr>
+          <a:lstStyle/>
+          <a:p>
+            <a:r>
+              <a:rPr lang="en-US" altLang="zh-CN" sz="2400" dirty="0"/>
+              <a:t>2</a:t>
+            </a:r>
+            <a:endParaRPr lang="zh-CN" altLang="en-US" sz="2400" dirty="0"/>
+          </a:p>
+        </p:txBody>
+      </p:sp>
+      <p:cxnSp>
+        <p:nvCxnSpPr>
+          <p:cNvPr id="29" name="直接箭头连接符 28">
+            <a:extLst>
+              <a:ext uri="{FF2B5EF4-FFF2-40B4-BE49-F238E27FC236}">
+                <a16:creationId xmlns:a16="http://schemas.microsoft.com/office/drawing/2014/main" id="{68620F62-D2DE-4252-BDAD-AD03116E1D41}"/>
+              </a:ext>
+            </a:extLst>
+          </p:cNvPr>
+          <p:cNvCxnSpPr>
+            <a:cxnSpLocks/>
+            <a:stCxn id="5" idx="4"/>
+            <a:endCxn id="9" idx="0"/>
+          </p:cNvCxnSpPr>
+          <p:nvPr/>
+        </p:nvCxnSpPr>
+        <p:spPr>
+          <a:xfrm flipH="1">
+            <a:off x="4515625" y="2242685"/>
+            <a:ext cx="1995" cy="2588593"/>
+          </a:xfrm>
+          <a:prstGeom prst="straightConnector1">
+            <a:avLst/>
+          </a:prstGeom>
+          <a:ln w="57150">
+            <a:solidFill>
+              <a:schemeClr val="accent2"/>
+            </a:solidFill>
+            <a:tailEnd type="triangle"/>
+          </a:ln>
+        </p:spPr>
+        <p:style>
+          <a:lnRef idx="3">
+            <a:schemeClr val="dk1"/>
+          </a:lnRef>
+          <a:fillRef idx="0">
+            <a:schemeClr val="dk1"/>
+          </a:fillRef>
+          <a:effectRef idx="2">
+            <a:schemeClr val="dk1"/>
+          </a:effectRef>
+          <a:fontRef idx="minor">
+            <a:schemeClr val="tx1"/>
+          </a:fontRef>
+        </p:style>
+      </p:cxnSp>
+      <p:sp>
+        <p:nvSpPr>
+          <p:cNvPr id="52" name="矩形 51">
+            <a:extLst>
+              <a:ext uri="{FF2B5EF4-FFF2-40B4-BE49-F238E27FC236}">
+                <a16:creationId xmlns:a16="http://schemas.microsoft.com/office/drawing/2014/main" id="{57C8ECA9-FD7A-4662-9D77-350931D1D42C}"/>
+              </a:ext>
+            </a:extLst>
+          </p:cNvPr>
+          <p:cNvSpPr/>
+          <p:nvPr/>
+        </p:nvSpPr>
+        <p:spPr>
+          <a:xfrm>
+            <a:off x="4398766" y="4078542"/>
+            <a:ext cx="238876" cy="461665"/>
+          </a:xfrm>
+          <a:prstGeom prst="rect">
+            <a:avLst/>
+          </a:prstGeom>
+          <a:solidFill>
+            <a:schemeClr val="bg1"/>
+          </a:solidFill>
+        </p:spPr>
+        <p:txBody>
+          <a:bodyPr wrap="square" lIns="91440" tIns="45720" rIns="91440" bIns="45720">
+            <a:spAutoFit/>
+          </a:bodyPr>
+          <a:lstStyle/>
+          <a:p>
+            <a:r>
+              <a:rPr lang="en-US" altLang="zh-CN" sz="2400" dirty="0"/>
+              <a:t>1</a:t>
+            </a:r>
+            <a:endParaRPr lang="zh-CN" altLang="en-US" sz="2400" dirty="0"/>
+          </a:p>
+        </p:txBody>
+      </p:sp>
+      <p:sp>
+        <p:nvSpPr>
+          <p:cNvPr id="39" name="矩形 38">
+            <a:extLst>
+              <a:ext uri="{FF2B5EF4-FFF2-40B4-BE49-F238E27FC236}">
+                <a16:creationId xmlns:a16="http://schemas.microsoft.com/office/drawing/2014/main" id="{56AF19F9-F2F7-4678-BF02-A4AADC6D5D3A}"/>
+              </a:ext>
+            </a:extLst>
+          </p:cNvPr>
+          <p:cNvSpPr/>
+          <p:nvPr/>
+        </p:nvSpPr>
+        <p:spPr>
+          <a:xfrm>
+            <a:off x="1846852" y="4078541"/>
+            <a:ext cx="306597" cy="467699"/>
+          </a:xfrm>
+          <a:prstGeom prst="rect">
+            <a:avLst/>
+          </a:prstGeom>
+          <a:noFill/>
+        </p:spPr>
+        <p:txBody>
+          <a:bodyPr wrap="square" rtlCol="0">
+            <a:spAutoFit/>
+          </a:bodyPr>
+          <a:lstStyle/>
+          <a:p>
+            <a:r>
+              <a:rPr lang="en-US" altLang="zh-CN" sz="2400" dirty="0"/>
+              <a:t>3</a:t>
+            </a:r>
+            <a:endParaRPr lang="zh-CN" altLang="en-US" sz="2400" dirty="0"/>
+          </a:p>
+        </p:txBody>
+      </p:sp>
+    </p:spTree>
+    <p:extLst>
+      <p:ext uri="{BB962C8B-B14F-4D97-AF65-F5344CB8AC3E}">
+        <p14:creationId xmlns:p14="http://schemas.microsoft.com/office/powerpoint/2010/main" val="3585073840"/>
+      </p:ext>
+    </p:extLst>
+  </p:cSld>
+  <p:clrMapOvr>
+    <a:masterClrMapping/>
+  </p:clrMapOvr>
+</p:sld>
+</file>
+
+<file path=ppt/slides/slide6.xml><?xml version="1.0" encoding="utf-8"?>
+<p:sld xmlns:a="http://schemas.openxmlformats.org/drawingml/2006/main" xmlns:r="http://schemas.openxmlformats.org/officeDocument/2006/relationships" xmlns:p="http://schemas.openxmlformats.org/presentationml/2006/main">
+  <p:cSld>
+    <p:spTree>
+      <p:nvGrpSpPr>
+        <p:cNvPr id="1" name=""/>
+        <p:cNvGrpSpPr/>
+        <p:nvPr/>
+      </p:nvGrpSpPr>
+      <p:grpSpPr>
+        <a:xfrm>
+          <a:off x="0" y="0"/>
+          <a:ext cx="0" cy="0"/>
+          <a:chOff x="0" y="0"/>
+          <a:chExt cx="0" cy="0"/>
+        </a:xfrm>
+      </p:grpSpPr>
+      <p:sp>
+        <p:nvSpPr>
+          <p:cNvPr id="4" name="椭圆 3">
+            <a:extLst>
+              <a:ext uri="{FF2B5EF4-FFF2-40B4-BE49-F238E27FC236}">
+                <a16:creationId xmlns:a16="http://schemas.microsoft.com/office/drawing/2014/main" id="{020B314B-C0B3-4ADD-B79C-79F2243392E7}"/>
+              </a:ext>
+            </a:extLst>
+          </p:cNvPr>
+          <p:cNvSpPr/>
+          <p:nvPr/>
+        </p:nvSpPr>
+        <p:spPr>
+          <a:xfrm>
+            <a:off x="1674251" y="1289715"/>
+            <a:ext cx="1020551" cy="981692"/>
+          </a:xfrm>
+          <a:prstGeom prst="ellipse">
+            <a:avLst/>
+          </a:prstGeom>
+        </p:spPr>
+        <p:style>
+          <a:lnRef idx="2">
+            <a:schemeClr val="dk1"/>
+          </a:lnRef>
+          <a:fillRef idx="1">
+            <a:schemeClr val="lt1"/>
+          </a:fillRef>
+          <a:effectRef idx="0">
+            <a:schemeClr val="dk1"/>
+          </a:effectRef>
+          <a:fontRef idx="minor">
+            <a:schemeClr val="dk1"/>
+          </a:fontRef>
+        </p:style>
+        <p:txBody>
+          <a:bodyPr rtlCol="0" anchor="ctr"/>
+          <a:lstStyle/>
+          <a:p>
+            <a:pPr algn="ctr"/>
+            <a:r>
+              <a:rPr lang="en-US" altLang="zh-CN" sz="3200" dirty="0"/>
+              <a:t>Ⅰ</a:t>
+            </a:r>
+            <a:endParaRPr lang="zh-CN" altLang="en-US" sz="3200" dirty="0"/>
+          </a:p>
+        </p:txBody>
+      </p:sp>
+      <p:sp>
+        <p:nvSpPr>
+          <p:cNvPr id="5" name="椭圆 4">
+            <a:extLst>
+              <a:ext uri="{FF2B5EF4-FFF2-40B4-BE49-F238E27FC236}">
+                <a16:creationId xmlns:a16="http://schemas.microsoft.com/office/drawing/2014/main" id="{70B94A73-6A6B-4E41-A97C-640EC7653547}"/>
+              </a:ext>
+            </a:extLst>
+          </p:cNvPr>
+          <p:cNvSpPr/>
+          <p:nvPr/>
+        </p:nvSpPr>
+        <p:spPr>
+          <a:xfrm>
+            <a:off x="4007344" y="1260949"/>
+            <a:ext cx="1020551" cy="981736"/>
+          </a:xfrm>
+          <a:prstGeom prst="ellipse">
+            <a:avLst/>
+          </a:prstGeom>
+        </p:spPr>
+        <p:style>
+          <a:lnRef idx="2">
+            <a:schemeClr val="dk1"/>
+          </a:lnRef>
+          <a:fillRef idx="1">
+            <a:schemeClr val="lt1"/>
+          </a:fillRef>
+          <a:effectRef idx="0">
+            <a:schemeClr val="dk1"/>
+          </a:effectRef>
+          <a:fontRef idx="minor">
+            <a:schemeClr val="dk1"/>
+          </a:fontRef>
+        </p:style>
+        <p:txBody>
+          <a:bodyPr rtlCol="0" anchor="ctr"/>
+          <a:lstStyle/>
+          <a:p>
+            <a:pPr algn="ctr"/>
+            <a:r>
+              <a:rPr lang="en-US" altLang="zh-CN" sz="3200" dirty="0"/>
+              <a:t>Ⅱ</a:t>
+            </a:r>
+            <a:endParaRPr lang="zh-CN" altLang="en-US" sz="3200" dirty="0"/>
+          </a:p>
+        </p:txBody>
+      </p:sp>
+      <p:sp>
+        <p:nvSpPr>
+          <p:cNvPr id="6" name="椭圆 5">
+            <a:extLst>
+              <a:ext uri="{FF2B5EF4-FFF2-40B4-BE49-F238E27FC236}">
+                <a16:creationId xmlns:a16="http://schemas.microsoft.com/office/drawing/2014/main" id="{7D46DBDC-33F0-4100-9BC1-9A26ECCC2D90}"/>
+              </a:ext>
+            </a:extLst>
+          </p:cNvPr>
+          <p:cNvSpPr/>
+          <p:nvPr/>
+        </p:nvSpPr>
+        <p:spPr>
+          <a:xfrm>
+            <a:off x="6559258" y="1260949"/>
+            <a:ext cx="1020551" cy="952970"/>
+          </a:xfrm>
+          <a:prstGeom prst="ellipse">
+            <a:avLst/>
+          </a:prstGeom>
+        </p:spPr>
+        <p:style>
+          <a:lnRef idx="2">
+            <a:schemeClr val="dk1"/>
+          </a:lnRef>
+          <a:fillRef idx="1">
+            <a:schemeClr val="lt1"/>
+          </a:fillRef>
+          <a:effectRef idx="0">
+            <a:schemeClr val="dk1"/>
+          </a:effectRef>
+          <a:fontRef idx="minor">
+            <a:schemeClr val="dk1"/>
+          </a:fontRef>
+        </p:style>
+        <p:txBody>
+          <a:bodyPr rtlCol="0" anchor="ctr"/>
+          <a:lstStyle/>
+          <a:p>
+            <a:pPr algn="ctr"/>
+            <a:r>
+              <a:rPr lang="en-US" altLang="zh-CN" sz="3200" dirty="0"/>
+              <a:t>Ⅲ</a:t>
+            </a:r>
+            <a:endParaRPr lang="zh-CN" altLang="en-US" sz="3200" dirty="0"/>
+          </a:p>
+        </p:txBody>
+      </p:sp>
+      <p:sp>
+        <p:nvSpPr>
+          <p:cNvPr id="7" name="椭圆 6">
+            <a:extLst>
+              <a:ext uri="{FF2B5EF4-FFF2-40B4-BE49-F238E27FC236}">
+                <a16:creationId xmlns:a16="http://schemas.microsoft.com/office/drawing/2014/main" id="{8CD83784-F3A9-4464-8012-CF78FDFA08E0}"/>
+              </a:ext>
+            </a:extLst>
+          </p:cNvPr>
+          <p:cNvSpPr/>
+          <p:nvPr/>
+        </p:nvSpPr>
+        <p:spPr>
+          <a:xfrm>
+            <a:off x="9281345" y="1232205"/>
+            <a:ext cx="1020551" cy="952970"/>
+          </a:xfrm>
+          <a:prstGeom prst="ellipse">
+            <a:avLst/>
+          </a:prstGeom>
+        </p:spPr>
+        <p:style>
+          <a:lnRef idx="2">
+            <a:schemeClr val="dk1"/>
+          </a:lnRef>
+          <a:fillRef idx="1">
+            <a:schemeClr val="lt1"/>
+          </a:fillRef>
+          <a:effectRef idx="0">
+            <a:schemeClr val="dk1"/>
+          </a:effectRef>
+          <a:fontRef idx="minor">
+            <a:schemeClr val="dk1"/>
+          </a:fontRef>
+        </p:style>
+        <p:txBody>
+          <a:bodyPr rtlCol="0" anchor="ctr"/>
+          <a:lstStyle/>
+          <a:p>
+            <a:pPr algn="ctr"/>
+            <a:r>
+              <a:rPr lang="en-US" altLang="zh-CN" sz="3200" dirty="0">
+                <a:solidFill>
+                  <a:schemeClr val="dk1"/>
+                </a:solidFill>
+              </a:rPr>
+              <a:t>Ⅳ</a:t>
+            </a:r>
+            <a:endParaRPr lang="zh-CN" altLang="en-US" sz="3200" dirty="0">
+              <a:solidFill>
+                <a:schemeClr val="dk1"/>
+              </a:solidFill>
+            </a:endParaRPr>
+          </a:p>
+        </p:txBody>
+      </p:sp>
+      <p:sp>
+        <p:nvSpPr>
+          <p:cNvPr id="8" name="椭圆 7">
+            <a:extLst>
+              <a:ext uri="{FF2B5EF4-FFF2-40B4-BE49-F238E27FC236}">
+                <a16:creationId xmlns:a16="http://schemas.microsoft.com/office/drawing/2014/main" id="{9D4C6BF1-8A28-423E-9DF1-726CEC917A19}"/>
+              </a:ext>
+            </a:extLst>
+          </p:cNvPr>
+          <p:cNvSpPr/>
+          <p:nvPr/>
+        </p:nvSpPr>
+        <p:spPr>
+          <a:xfrm>
+            <a:off x="1683691" y="4831280"/>
+            <a:ext cx="1020552" cy="1039041"/>
+          </a:xfrm>
+          <a:prstGeom prst="ellipse">
+            <a:avLst/>
+          </a:prstGeom>
+        </p:spPr>
+        <p:style>
+          <a:lnRef idx="2">
+            <a:schemeClr val="dk1"/>
+          </a:lnRef>
+          <a:fillRef idx="1">
+            <a:schemeClr val="lt1"/>
+          </a:fillRef>
+          <a:effectRef idx="0">
+            <a:schemeClr val="dk1"/>
+          </a:effectRef>
+          <a:fontRef idx="minor">
+            <a:schemeClr val="dk1"/>
+          </a:fontRef>
+        </p:style>
+        <p:txBody>
+          <a:bodyPr rtlCol="0" anchor="ctr"/>
+          <a:lstStyle/>
+          <a:p>
+            <a:pPr algn="ctr"/>
+            <a:r>
+              <a:rPr lang="en-US" altLang="zh-CN" sz="3200" dirty="0">
+                <a:solidFill>
+                  <a:schemeClr val="dk1"/>
+                </a:solidFill>
+              </a:rPr>
+              <a:t>a</a:t>
+            </a:r>
+            <a:endParaRPr lang="zh-CN" altLang="en-US" sz="3200" dirty="0">
+              <a:solidFill>
+                <a:schemeClr val="dk1"/>
+              </a:solidFill>
+            </a:endParaRPr>
+          </a:p>
+        </p:txBody>
+      </p:sp>
+      <p:sp>
+        <p:nvSpPr>
+          <p:cNvPr id="9" name="椭圆 8">
+            <a:extLst>
+              <a:ext uri="{FF2B5EF4-FFF2-40B4-BE49-F238E27FC236}">
+                <a16:creationId xmlns:a16="http://schemas.microsoft.com/office/drawing/2014/main" id="{1684DC7B-7F6D-4721-8E06-4AA38E307B0B}"/>
+              </a:ext>
+            </a:extLst>
+          </p:cNvPr>
+          <p:cNvSpPr/>
+          <p:nvPr/>
+        </p:nvSpPr>
+        <p:spPr>
+          <a:xfrm>
+            <a:off x="4005349" y="4831278"/>
+            <a:ext cx="1020552" cy="1039041"/>
+          </a:xfrm>
+          <a:prstGeom prst="ellipse">
+            <a:avLst/>
+          </a:prstGeom>
+        </p:spPr>
+        <p:style>
+          <a:lnRef idx="2">
+            <a:schemeClr val="dk1"/>
+          </a:lnRef>
+          <a:fillRef idx="1">
+            <a:schemeClr val="lt1"/>
+          </a:fillRef>
+          <a:effectRef idx="0">
+            <a:schemeClr val="dk1"/>
+          </a:effectRef>
+          <a:fontRef idx="minor">
+            <a:schemeClr val="dk1"/>
+          </a:fontRef>
+        </p:style>
+        <p:txBody>
+          <a:bodyPr rtlCol="0" anchor="ctr"/>
+          <a:lstStyle/>
+          <a:p>
+            <a:pPr algn="ctr"/>
+            <a:r>
+              <a:rPr lang="en-US" altLang="zh-CN" sz="3200" dirty="0">
+                <a:solidFill>
+                  <a:schemeClr val="dk1"/>
+                </a:solidFill>
+              </a:rPr>
+              <a:t>b</a:t>
+            </a:r>
+            <a:endParaRPr lang="zh-CN" altLang="en-US" sz="3200" dirty="0">
+              <a:solidFill>
+                <a:schemeClr val="dk1"/>
+              </a:solidFill>
+            </a:endParaRPr>
+          </a:p>
+        </p:txBody>
+      </p:sp>
+      <p:sp>
+        <p:nvSpPr>
+          <p:cNvPr id="10" name="椭圆 9">
+            <a:extLst>
+              <a:ext uri="{FF2B5EF4-FFF2-40B4-BE49-F238E27FC236}">
+                <a16:creationId xmlns:a16="http://schemas.microsoft.com/office/drawing/2014/main" id="{DD1CBC7C-3C10-404F-9043-14D38B511BB5}"/>
+              </a:ext>
+            </a:extLst>
+          </p:cNvPr>
+          <p:cNvSpPr/>
+          <p:nvPr/>
+        </p:nvSpPr>
+        <p:spPr>
+          <a:xfrm>
+            <a:off x="6559258" y="4860000"/>
+            <a:ext cx="1062747" cy="1010319"/>
+          </a:xfrm>
+          <a:prstGeom prst="ellipse">
+            <a:avLst/>
+          </a:prstGeom>
+        </p:spPr>
+        <p:style>
+          <a:lnRef idx="2">
+            <a:schemeClr val="dk1"/>
+          </a:lnRef>
+          <a:fillRef idx="1">
+            <a:schemeClr val="lt1"/>
+          </a:fillRef>
+          <a:effectRef idx="0">
+            <a:schemeClr val="dk1"/>
+          </a:effectRef>
+          <a:fontRef idx="minor">
+            <a:schemeClr val="dk1"/>
+          </a:fontRef>
+        </p:style>
+        <p:txBody>
+          <a:bodyPr rtlCol="0" anchor="ctr"/>
+          <a:lstStyle/>
+          <a:p>
+            <a:pPr algn="ctr"/>
+            <a:r>
+              <a:rPr lang="en-US" altLang="zh-CN" sz="3200" dirty="0">
+                <a:solidFill>
+                  <a:schemeClr val="dk1"/>
+                </a:solidFill>
+              </a:rPr>
+              <a:t>c</a:t>
+            </a:r>
+            <a:endParaRPr lang="zh-CN" altLang="en-US" sz="3200" dirty="0">
+              <a:solidFill>
+                <a:schemeClr val="dk1"/>
+              </a:solidFill>
+            </a:endParaRPr>
+          </a:p>
+        </p:txBody>
+      </p:sp>
+      <p:sp>
+        <p:nvSpPr>
+          <p:cNvPr id="11" name="椭圆 10">
+            <a:extLst>
+              <a:ext uri="{FF2B5EF4-FFF2-40B4-BE49-F238E27FC236}">
+                <a16:creationId xmlns:a16="http://schemas.microsoft.com/office/drawing/2014/main" id="{24B1CFF9-3E36-43AC-B19D-4E2A735D382F}"/>
+              </a:ext>
+            </a:extLst>
+          </p:cNvPr>
+          <p:cNvSpPr/>
+          <p:nvPr/>
+        </p:nvSpPr>
+        <p:spPr>
+          <a:xfrm>
+            <a:off x="9281346" y="4860000"/>
+            <a:ext cx="1020551" cy="1010319"/>
+          </a:xfrm>
+          <a:prstGeom prst="ellipse">
+            <a:avLst/>
+          </a:prstGeom>
+        </p:spPr>
+        <p:style>
+          <a:lnRef idx="2">
+            <a:schemeClr val="dk1"/>
+          </a:lnRef>
+          <a:fillRef idx="1">
+            <a:schemeClr val="lt1"/>
+          </a:fillRef>
+          <a:effectRef idx="0">
+            <a:schemeClr val="dk1"/>
+          </a:effectRef>
+          <a:fontRef idx="minor">
+            <a:schemeClr val="dk1"/>
+          </a:fontRef>
+        </p:style>
+        <p:txBody>
+          <a:bodyPr rtlCol="0" anchor="ctr"/>
+          <a:lstStyle/>
+          <a:p>
+            <a:pPr algn="ctr"/>
+            <a:r>
+              <a:rPr lang="en-US" altLang="zh-CN" sz="3200" dirty="0">
+                <a:solidFill>
+                  <a:schemeClr val="dk1"/>
+                </a:solidFill>
+              </a:rPr>
+              <a:t>d</a:t>
+            </a:r>
+            <a:endParaRPr lang="zh-CN" altLang="en-US" sz="3200" dirty="0">
+              <a:solidFill>
+                <a:schemeClr val="dk1"/>
+              </a:solidFill>
+            </a:endParaRPr>
+          </a:p>
+        </p:txBody>
+      </p:sp>
+      <p:cxnSp>
+        <p:nvCxnSpPr>
+          <p:cNvPr id="13" name="直接箭头连接符 12">
+            <a:extLst>
+              <a:ext uri="{FF2B5EF4-FFF2-40B4-BE49-F238E27FC236}">
+                <a16:creationId xmlns:a16="http://schemas.microsoft.com/office/drawing/2014/main" id="{5444315D-D3BE-41DD-AC03-0D4730B8D4C4}"/>
+              </a:ext>
+            </a:extLst>
+          </p:cNvPr>
+          <p:cNvCxnSpPr>
+            <a:cxnSpLocks/>
+            <a:stCxn id="6" idx="4"/>
+            <a:endCxn id="8" idx="0"/>
+          </p:cNvCxnSpPr>
+          <p:nvPr/>
+        </p:nvCxnSpPr>
+        <p:spPr>
+          <a:xfrm flipH="1">
+            <a:off x="2193967" y="2213919"/>
+            <a:ext cx="4875567" cy="2617361"/>
+          </a:xfrm>
+          <a:prstGeom prst="straightConnector1">
+            <a:avLst/>
+          </a:prstGeom>
+          <a:ln w="57150">
+            <a:tailEnd type="triangle"/>
+          </a:ln>
+        </p:spPr>
+        <p:style>
+          <a:lnRef idx="3">
+            <a:schemeClr val="accent2"/>
+          </a:lnRef>
+          <a:fillRef idx="0">
+            <a:schemeClr val="accent2"/>
+          </a:fillRef>
+          <a:effectRef idx="2">
+            <a:schemeClr val="accent2"/>
+          </a:effectRef>
+          <a:fontRef idx="minor">
+            <a:schemeClr val="tx1"/>
+          </a:fontRef>
+        </p:style>
+      </p:cxnSp>
+      <p:sp>
+        <p:nvSpPr>
+          <p:cNvPr id="14" name="文本框 13">
+            <a:extLst>
+              <a:ext uri="{FF2B5EF4-FFF2-40B4-BE49-F238E27FC236}">
+                <a16:creationId xmlns:a16="http://schemas.microsoft.com/office/drawing/2014/main" id="{105B5B04-0416-4157-A88A-2BD048A0043D}"/>
+              </a:ext>
+            </a:extLst>
+          </p:cNvPr>
+          <p:cNvSpPr txBox="1"/>
+          <p:nvPr/>
+        </p:nvSpPr>
+        <p:spPr>
+          <a:xfrm>
+            <a:off x="1875537" y="812881"/>
+            <a:ext cx="562975" cy="523220"/>
+          </a:xfrm>
+          <a:prstGeom prst="rect">
+            <a:avLst/>
+          </a:prstGeom>
+          <a:noFill/>
+        </p:spPr>
+        <p:txBody>
+          <a:bodyPr wrap="none" rtlCol="0">
+            <a:spAutoFit/>
+          </a:bodyPr>
+          <a:lstStyle/>
+          <a:p>
+            <a:r>
+              <a:rPr lang="en-US" altLang="zh-CN" sz="2800" dirty="0"/>
+              <a:t>10</a:t>
+            </a:r>
+            <a:endParaRPr lang="zh-CN" altLang="en-US" sz="2800" dirty="0"/>
+          </a:p>
+        </p:txBody>
+      </p:sp>
+      <p:sp>
+        <p:nvSpPr>
+          <p:cNvPr id="15" name="文本框 14">
+            <a:extLst>
+              <a:ext uri="{FF2B5EF4-FFF2-40B4-BE49-F238E27FC236}">
+                <a16:creationId xmlns:a16="http://schemas.microsoft.com/office/drawing/2014/main" id="{D9173191-A764-4D1B-B236-BFE8C89BF75B}"/>
+              </a:ext>
+            </a:extLst>
+          </p:cNvPr>
+          <p:cNvSpPr txBox="1"/>
+          <p:nvPr/>
+        </p:nvSpPr>
+        <p:spPr>
+          <a:xfrm>
+            <a:off x="4198448" y="821359"/>
+            <a:ext cx="562975" cy="523220"/>
+          </a:xfrm>
+          <a:prstGeom prst="rect">
+            <a:avLst/>
+          </a:prstGeom>
+          <a:noFill/>
+        </p:spPr>
+        <p:txBody>
+          <a:bodyPr wrap="none" rtlCol="0">
+            <a:spAutoFit/>
+          </a:bodyPr>
+          <a:lstStyle>
+            <a:defPPr>
+              <a:defRPr lang="zh-CN"/>
+            </a:defPPr>
+            <a:lvl1pPr>
+              <a:defRPr sz="2800"/>
+            </a:lvl1pPr>
+          </a:lstStyle>
+          <a:p>
+            <a:r>
+              <a:rPr lang="en-US" altLang="zh-CN" dirty="0"/>
+              <a:t>10</a:t>
+            </a:r>
+            <a:endParaRPr lang="zh-CN" altLang="en-US" dirty="0"/>
+          </a:p>
+        </p:txBody>
+      </p:sp>
+      <p:sp>
+        <p:nvSpPr>
+          <p:cNvPr id="16" name="文本框 15">
+            <a:extLst>
+              <a:ext uri="{FF2B5EF4-FFF2-40B4-BE49-F238E27FC236}">
+                <a16:creationId xmlns:a16="http://schemas.microsoft.com/office/drawing/2014/main" id="{FC82021D-C070-4557-8E09-F09E3E68DF09}"/>
+              </a:ext>
+            </a:extLst>
+          </p:cNvPr>
+          <p:cNvSpPr txBox="1"/>
+          <p:nvPr/>
+        </p:nvSpPr>
+        <p:spPr>
+          <a:xfrm>
+            <a:off x="6771800" y="830238"/>
+            <a:ext cx="562975" cy="523220"/>
+          </a:xfrm>
+          <a:prstGeom prst="rect">
+            <a:avLst/>
+          </a:prstGeom>
+          <a:noFill/>
+        </p:spPr>
+        <p:txBody>
+          <a:bodyPr wrap="none" rtlCol="0">
+            <a:spAutoFit/>
+          </a:bodyPr>
+          <a:lstStyle>
+            <a:defPPr>
+              <a:defRPr lang="zh-CN"/>
+            </a:defPPr>
+            <a:lvl1pPr>
+              <a:defRPr sz="2800"/>
+            </a:lvl1pPr>
+          </a:lstStyle>
+          <a:p>
+            <a:r>
+              <a:rPr lang="en-US" altLang="zh-CN" dirty="0"/>
+              <a:t>10</a:t>
+            </a:r>
+            <a:endParaRPr lang="zh-CN" altLang="en-US" dirty="0"/>
+          </a:p>
+        </p:txBody>
+      </p:sp>
+      <p:sp>
+        <p:nvSpPr>
+          <p:cNvPr id="17" name="文本框 16">
+            <a:extLst>
+              <a:ext uri="{FF2B5EF4-FFF2-40B4-BE49-F238E27FC236}">
+                <a16:creationId xmlns:a16="http://schemas.microsoft.com/office/drawing/2014/main" id="{25111A83-966D-47F6-8691-F43534468104}"/>
+              </a:ext>
+            </a:extLst>
+          </p:cNvPr>
+          <p:cNvSpPr txBox="1"/>
+          <p:nvPr/>
+        </p:nvSpPr>
+        <p:spPr>
+          <a:xfrm>
+            <a:off x="9502422" y="812881"/>
+            <a:ext cx="562975" cy="523220"/>
+          </a:xfrm>
+          <a:prstGeom prst="rect">
+            <a:avLst/>
+          </a:prstGeom>
+          <a:noFill/>
+        </p:spPr>
+        <p:txBody>
+          <a:bodyPr wrap="none" rtlCol="0">
+            <a:spAutoFit/>
+          </a:bodyPr>
+          <a:lstStyle>
+            <a:defPPr>
+              <a:defRPr lang="zh-CN"/>
+            </a:defPPr>
+            <a:lvl1pPr>
+              <a:defRPr sz="2800"/>
+            </a:lvl1pPr>
+          </a:lstStyle>
+          <a:p>
+            <a:r>
+              <a:rPr lang="en-US" altLang="zh-CN" dirty="0"/>
+              <a:t>10</a:t>
+            </a:r>
+            <a:endParaRPr lang="zh-CN" altLang="en-US" dirty="0"/>
+          </a:p>
+        </p:txBody>
+      </p:sp>
+      <p:cxnSp>
+        <p:nvCxnSpPr>
+          <p:cNvPr id="20" name="直接箭头连接符 19">
+            <a:extLst>
+              <a:ext uri="{FF2B5EF4-FFF2-40B4-BE49-F238E27FC236}">
+                <a16:creationId xmlns:a16="http://schemas.microsoft.com/office/drawing/2014/main" id="{C1F48667-6E7A-410D-9CC6-B2F351D86CE2}"/>
+              </a:ext>
+            </a:extLst>
+          </p:cNvPr>
+          <p:cNvCxnSpPr>
+            <a:cxnSpLocks/>
+            <a:stCxn id="6" idx="4"/>
+            <a:endCxn id="11" idx="0"/>
+          </p:cNvCxnSpPr>
+          <p:nvPr/>
+        </p:nvCxnSpPr>
+        <p:spPr>
+          <a:xfrm>
+            <a:off x="7069534" y="2213919"/>
+            <a:ext cx="2722088" cy="2646081"/>
+          </a:xfrm>
+          <a:prstGeom prst="straightConnector1">
+            <a:avLst/>
+          </a:prstGeom>
+          <a:ln w="57150">
+            <a:tailEnd type="triangle"/>
+          </a:ln>
+        </p:spPr>
+        <p:style>
+          <a:lnRef idx="3">
+            <a:schemeClr val="accent2"/>
+          </a:lnRef>
+          <a:fillRef idx="0">
+            <a:schemeClr val="accent2"/>
+          </a:fillRef>
+          <a:effectRef idx="2">
+            <a:schemeClr val="accent2"/>
+          </a:effectRef>
+          <a:fontRef idx="minor">
+            <a:schemeClr val="tx1"/>
+          </a:fontRef>
+        </p:style>
+      </p:cxnSp>
+      <p:cxnSp>
+        <p:nvCxnSpPr>
+          <p:cNvPr id="30" name="直接连接符 29">
+            <a:extLst>
+              <a:ext uri="{FF2B5EF4-FFF2-40B4-BE49-F238E27FC236}">
+                <a16:creationId xmlns:a16="http://schemas.microsoft.com/office/drawing/2014/main" id="{64CCE36F-60C7-411F-9867-2BC8E1B2F6B8}"/>
+              </a:ext>
+            </a:extLst>
+          </p:cNvPr>
+          <p:cNvCxnSpPr>
+            <a:cxnSpLocks/>
+            <a:stCxn id="5" idx="4"/>
+            <a:endCxn id="8" idx="0"/>
+          </p:cNvCxnSpPr>
+          <p:nvPr/>
+        </p:nvCxnSpPr>
+        <p:spPr>
+          <a:xfrm flipH="1">
+            <a:off x="2193967" y="2242685"/>
+            <a:ext cx="2323653" cy="2588595"/>
+          </a:xfrm>
+          <a:prstGeom prst="line">
+            <a:avLst/>
+          </a:prstGeom>
+        </p:spPr>
+        <p:style>
+          <a:lnRef idx="3">
+            <a:schemeClr val="dk1"/>
+          </a:lnRef>
+          <a:fillRef idx="0">
+            <a:schemeClr val="dk1"/>
+          </a:fillRef>
+          <a:effectRef idx="2">
+            <a:schemeClr val="dk1"/>
+          </a:effectRef>
+          <a:fontRef idx="minor">
+            <a:schemeClr val="tx1"/>
+          </a:fontRef>
+        </p:style>
+      </p:cxnSp>
+      <p:cxnSp>
+        <p:nvCxnSpPr>
+          <p:cNvPr id="32" name="直接连接符 31">
+            <a:extLst>
+              <a:ext uri="{FF2B5EF4-FFF2-40B4-BE49-F238E27FC236}">
+                <a16:creationId xmlns:a16="http://schemas.microsoft.com/office/drawing/2014/main" id="{A6D02849-0215-4C91-8CF9-BAC3815EF02F}"/>
+              </a:ext>
+            </a:extLst>
+          </p:cNvPr>
+          <p:cNvCxnSpPr>
+            <a:cxnSpLocks/>
+            <a:stCxn id="4" idx="4"/>
+            <a:endCxn id="8" idx="0"/>
+          </p:cNvCxnSpPr>
+          <p:nvPr/>
+        </p:nvCxnSpPr>
+        <p:spPr>
+          <a:xfrm>
+            <a:off x="2184527" y="2271407"/>
+            <a:ext cx="9440" cy="2559873"/>
+          </a:xfrm>
+          <a:prstGeom prst="line">
+            <a:avLst/>
+          </a:prstGeom>
+        </p:spPr>
+        <p:style>
+          <a:lnRef idx="3">
+            <a:schemeClr val="dk1"/>
+          </a:lnRef>
+          <a:fillRef idx="0">
+            <a:schemeClr val="dk1"/>
+          </a:fillRef>
+          <a:effectRef idx="2">
+            <a:schemeClr val="dk1"/>
+          </a:effectRef>
+          <a:fontRef idx="minor">
+            <a:schemeClr val="tx1"/>
+          </a:fontRef>
+        </p:style>
+      </p:cxnSp>
+      <p:cxnSp>
+        <p:nvCxnSpPr>
+          <p:cNvPr id="34" name="直接连接符 33">
+            <a:extLst>
+              <a:ext uri="{FF2B5EF4-FFF2-40B4-BE49-F238E27FC236}">
+                <a16:creationId xmlns:a16="http://schemas.microsoft.com/office/drawing/2014/main" id="{4FEDE642-92FC-4749-AFAA-376A8528A149}"/>
+              </a:ext>
+            </a:extLst>
+          </p:cNvPr>
+          <p:cNvCxnSpPr>
+            <a:cxnSpLocks/>
+            <a:stCxn id="4" idx="4"/>
+            <a:endCxn id="9" idx="0"/>
+          </p:cNvCxnSpPr>
+          <p:nvPr/>
+        </p:nvCxnSpPr>
+        <p:spPr>
+          <a:xfrm>
+            <a:off x="2184527" y="2271407"/>
+            <a:ext cx="2331098" cy="2559871"/>
+          </a:xfrm>
+          <a:prstGeom prst="line">
+            <a:avLst/>
+          </a:prstGeom>
+        </p:spPr>
+        <p:style>
+          <a:lnRef idx="3">
+            <a:schemeClr val="dk1"/>
+          </a:lnRef>
+          <a:fillRef idx="0">
+            <a:schemeClr val="dk1"/>
+          </a:fillRef>
+          <a:effectRef idx="2">
+            <a:schemeClr val="dk1"/>
+          </a:effectRef>
+          <a:fontRef idx="minor">
+            <a:schemeClr val="tx1"/>
+          </a:fontRef>
+        </p:style>
+      </p:cxnSp>
+      <p:cxnSp>
+        <p:nvCxnSpPr>
+          <p:cNvPr id="36" name="直接连接符 35">
+            <a:extLst>
+              <a:ext uri="{FF2B5EF4-FFF2-40B4-BE49-F238E27FC236}">
+                <a16:creationId xmlns:a16="http://schemas.microsoft.com/office/drawing/2014/main" id="{984ED06F-2201-46FE-A118-1C45D1ABDF56}"/>
+              </a:ext>
+            </a:extLst>
+          </p:cNvPr>
+          <p:cNvCxnSpPr>
+            <a:cxnSpLocks/>
+            <a:stCxn id="4" idx="4"/>
+            <a:endCxn id="11" idx="0"/>
+          </p:cNvCxnSpPr>
+          <p:nvPr/>
+        </p:nvCxnSpPr>
+        <p:spPr>
+          <a:xfrm>
+            <a:off x="2184527" y="2271407"/>
+            <a:ext cx="7607095" cy="2588593"/>
+          </a:xfrm>
+          <a:prstGeom prst="line">
+            <a:avLst/>
+          </a:prstGeom>
+        </p:spPr>
+        <p:style>
+          <a:lnRef idx="3">
+            <a:schemeClr val="dk1"/>
+          </a:lnRef>
+          <a:fillRef idx="0">
+            <a:schemeClr val="dk1"/>
+          </a:fillRef>
+          <a:effectRef idx="2">
+            <a:schemeClr val="dk1"/>
+          </a:effectRef>
+          <a:fontRef idx="minor">
+            <a:schemeClr val="tx1"/>
+          </a:fontRef>
+        </p:style>
+      </p:cxnSp>
+      <p:sp>
+        <p:nvSpPr>
+          <p:cNvPr id="40" name="矩形 39">
+            <a:extLst>
+              <a:ext uri="{FF2B5EF4-FFF2-40B4-BE49-F238E27FC236}">
+                <a16:creationId xmlns:a16="http://schemas.microsoft.com/office/drawing/2014/main" id="{C46E1DFE-838D-42F0-A6E6-CBFE2161EF47}"/>
+              </a:ext>
+            </a:extLst>
+          </p:cNvPr>
+          <p:cNvSpPr/>
+          <p:nvPr/>
+        </p:nvSpPr>
+        <p:spPr>
+          <a:xfrm>
+            <a:off x="3701067" y="4223074"/>
+            <a:ext cx="240186" cy="461665"/>
+          </a:xfrm>
+          <a:prstGeom prst="rect">
+            <a:avLst/>
+          </a:prstGeom>
+          <a:solidFill>
+            <a:schemeClr val="bg1"/>
+          </a:solidFill>
+        </p:spPr>
+        <p:txBody>
+          <a:bodyPr wrap="square" lIns="91440" tIns="45720" rIns="91440" bIns="45720">
+            <a:spAutoFit/>
+          </a:bodyPr>
+          <a:lstStyle/>
+          <a:p>
+            <a:r>
+              <a:rPr lang="en-US" altLang="zh-CN" sz="2400" dirty="0"/>
+              <a:t>2</a:t>
+            </a:r>
+            <a:endParaRPr lang="zh-CN" altLang="en-US" sz="2400" dirty="0"/>
+          </a:p>
+        </p:txBody>
+      </p:sp>
+      <p:sp>
+        <p:nvSpPr>
+          <p:cNvPr id="41" name="矩形 40">
+            <a:extLst>
+              <a:ext uri="{FF2B5EF4-FFF2-40B4-BE49-F238E27FC236}">
+                <a16:creationId xmlns:a16="http://schemas.microsoft.com/office/drawing/2014/main" id="{1813A8E2-3E0E-4E73-9150-2DA172D7759B}"/>
+              </a:ext>
+            </a:extLst>
+          </p:cNvPr>
+          <p:cNvSpPr/>
+          <p:nvPr/>
+        </p:nvSpPr>
+        <p:spPr>
+          <a:xfrm>
+            <a:off x="8297204" y="4195450"/>
+            <a:ext cx="362965" cy="461665"/>
+          </a:xfrm>
+          <a:prstGeom prst="rect">
+            <a:avLst/>
+          </a:prstGeom>
+          <a:solidFill>
+            <a:schemeClr val="bg1"/>
+          </a:solidFill>
+        </p:spPr>
+        <p:txBody>
+          <a:bodyPr wrap="square" lIns="91440" tIns="45720" rIns="91440" bIns="45720">
+            <a:spAutoFit/>
+          </a:bodyPr>
+          <a:lstStyle/>
+          <a:p>
+            <a:pPr algn="ctr"/>
+            <a:r>
+              <a:rPr lang="en-US" altLang="zh-CN" sz="2400" dirty="0">
+                <a:ln w="0"/>
+                <a:effectLst>
+                  <a:outerShdw blurRad="38100" dist="19050" dir="2700000" algn="tl" rotWithShape="0">
+                    <a:schemeClr val="dk1">
+                      <a:alpha val="40000"/>
+                    </a:schemeClr>
+                  </a:outerShdw>
+                </a:effectLst>
+              </a:rPr>
+              <a:t>4</a:t>
+            </a:r>
+            <a:endParaRPr lang="zh-CN" altLang="en-US" sz="2400" b="0" cap="none" spc="0" dirty="0">
+              <a:ln w="0"/>
+              <a:solidFill>
+                <a:schemeClr val="tx1"/>
+              </a:solidFill>
+              <a:effectLst>
+                <a:outerShdw blurRad="38100" dist="19050" dir="2700000" algn="tl" rotWithShape="0">
+                  <a:schemeClr val="dk1">
+                    <a:alpha val="40000"/>
+                  </a:schemeClr>
+                </a:outerShdw>
+              </a:effectLst>
+            </a:endParaRPr>
+          </a:p>
+        </p:txBody>
+      </p:sp>
+      <p:sp useBgFill="1">
+        <p:nvSpPr>
+          <p:cNvPr id="42" name="矩形 41">
+            <a:extLst>
+              <a:ext uri="{FF2B5EF4-FFF2-40B4-BE49-F238E27FC236}">
+                <a16:creationId xmlns:a16="http://schemas.microsoft.com/office/drawing/2014/main" id="{199177F7-DCBC-40F0-B711-3271935F208C}"/>
+              </a:ext>
+            </a:extLst>
+          </p:cNvPr>
+          <p:cNvSpPr/>
+          <p:nvPr/>
+        </p:nvSpPr>
+        <p:spPr>
+          <a:xfrm>
+            <a:off x="2959425" y="4105880"/>
+            <a:ext cx="261969" cy="461665"/>
+          </a:xfrm>
+          <a:prstGeom prst="rect">
+            <a:avLst/>
+          </a:prstGeom>
+        </p:spPr>
+        <p:txBody>
+          <a:bodyPr wrap="square" rtlCol="0">
+            <a:spAutoFit/>
+          </a:bodyPr>
+          <a:lstStyle/>
+          <a:p>
+            <a:r>
+              <a:rPr lang="en-US" altLang="zh-CN" sz="2400" dirty="0"/>
+              <a:t>3</a:t>
+            </a:r>
+            <a:endParaRPr lang="zh-CN" altLang="en-US" sz="2400" dirty="0"/>
+          </a:p>
+        </p:txBody>
+      </p:sp>
+      <p:sp useBgFill="1">
+        <p:nvSpPr>
+          <p:cNvPr id="43" name="矩形 42">
+            <a:extLst>
+              <a:ext uri="{FF2B5EF4-FFF2-40B4-BE49-F238E27FC236}">
+                <a16:creationId xmlns:a16="http://schemas.microsoft.com/office/drawing/2014/main" id="{E96162E9-4D02-4175-AA41-B294F0B0CC03}"/>
+              </a:ext>
+            </a:extLst>
+          </p:cNvPr>
+          <p:cNvSpPr/>
+          <p:nvPr/>
+        </p:nvSpPr>
+        <p:spPr>
+          <a:xfrm>
+            <a:off x="9206348" y="4078540"/>
+            <a:ext cx="335839" cy="461665"/>
+          </a:xfrm>
+          <a:prstGeom prst="rect">
+            <a:avLst/>
+          </a:prstGeom>
+        </p:spPr>
+        <p:txBody>
+          <a:bodyPr wrap="square" lIns="91440" tIns="45720" rIns="91440" bIns="45720">
+            <a:spAutoFit/>
+          </a:bodyPr>
+          <a:lstStyle/>
+          <a:p>
+            <a:pPr algn="ctr"/>
+            <a:r>
+              <a:rPr lang="en-US" altLang="zh-CN" sz="2400" b="0" cap="none" spc="0" dirty="0">
+                <a:ln w="0"/>
+                <a:solidFill>
+                  <a:schemeClr val="tx1"/>
+                </a:solidFill>
+                <a:effectLst>
+                  <a:outerShdw blurRad="38100" dist="19050" dir="2700000" algn="tl" rotWithShape="0">
+                    <a:schemeClr val="dk1">
+                      <a:alpha val="40000"/>
+                    </a:schemeClr>
+                  </a:outerShdw>
+                </a:effectLst>
+              </a:rPr>
+              <a:t>1</a:t>
+            </a:r>
+            <a:endParaRPr lang="zh-CN" altLang="en-US" sz="2400" b="0" cap="none" spc="0" dirty="0">
+              <a:ln w="0"/>
+              <a:solidFill>
+                <a:schemeClr val="tx1"/>
+              </a:solidFill>
+              <a:effectLst>
+                <a:outerShdw blurRad="38100" dist="19050" dir="2700000" algn="tl" rotWithShape="0">
+                  <a:schemeClr val="dk1">
+                    <a:alpha val="40000"/>
+                  </a:schemeClr>
+                </a:outerShdw>
+              </a:effectLst>
+            </a:endParaRPr>
+          </a:p>
+        </p:txBody>
+      </p:sp>
+      <p:sp useBgFill="1">
+        <p:nvSpPr>
+          <p:cNvPr id="45" name="矩形 44">
+            <a:extLst>
+              <a:ext uri="{FF2B5EF4-FFF2-40B4-BE49-F238E27FC236}">
+                <a16:creationId xmlns:a16="http://schemas.microsoft.com/office/drawing/2014/main" id="{83626EC0-FEFD-4453-AD19-5F9F315F8E30}"/>
+              </a:ext>
+            </a:extLst>
+          </p:cNvPr>
+          <p:cNvSpPr/>
+          <p:nvPr/>
+        </p:nvSpPr>
+        <p:spPr>
+          <a:xfrm>
+            <a:off x="2426314" y="4078541"/>
+            <a:ext cx="238877" cy="461665"/>
+          </a:xfrm>
+          <a:prstGeom prst="rect">
+            <a:avLst/>
+          </a:prstGeom>
+        </p:spPr>
+        <p:txBody>
+          <a:bodyPr wrap="square" rtlCol="0">
+            <a:spAutoFit/>
+          </a:bodyPr>
+          <a:lstStyle/>
+          <a:p>
+            <a:r>
+              <a:rPr lang="en-US" altLang="zh-CN" sz="2400" dirty="0"/>
+              <a:t>4</a:t>
+            </a:r>
+            <a:endParaRPr lang="zh-CN" altLang="en-US" sz="2400" dirty="0"/>
+          </a:p>
+        </p:txBody>
+      </p:sp>
+      <p:cxnSp>
+        <p:nvCxnSpPr>
+          <p:cNvPr id="48" name="直接连接符 47">
+            <a:extLst>
+              <a:ext uri="{FF2B5EF4-FFF2-40B4-BE49-F238E27FC236}">
+                <a16:creationId xmlns:a16="http://schemas.microsoft.com/office/drawing/2014/main" id="{9D87FD8F-7B5E-4129-9CF2-6FD38AF16C8A}"/>
+              </a:ext>
+            </a:extLst>
+          </p:cNvPr>
+          <p:cNvCxnSpPr>
+            <a:cxnSpLocks/>
+            <a:stCxn id="7" idx="4"/>
+            <a:endCxn id="11" idx="0"/>
+          </p:cNvCxnSpPr>
+          <p:nvPr/>
+        </p:nvCxnSpPr>
+        <p:spPr>
+          <a:xfrm>
+            <a:off x="9791621" y="2185175"/>
+            <a:ext cx="1" cy="2674825"/>
+          </a:xfrm>
+          <a:prstGeom prst="line">
+            <a:avLst/>
+          </a:prstGeom>
+        </p:spPr>
+        <p:style>
+          <a:lnRef idx="3">
+            <a:schemeClr val="dk1"/>
+          </a:lnRef>
+          <a:fillRef idx="0">
+            <a:schemeClr val="dk1"/>
+          </a:fillRef>
+          <a:effectRef idx="2">
+            <a:schemeClr val="dk1"/>
+          </a:effectRef>
+          <a:fontRef idx="minor">
+            <a:schemeClr val="tx1"/>
+          </a:fontRef>
+        </p:style>
+      </p:cxnSp>
+      <p:sp>
+        <p:nvSpPr>
+          <p:cNvPr id="49" name="矩形 48">
+            <a:extLst>
+              <a:ext uri="{FF2B5EF4-FFF2-40B4-BE49-F238E27FC236}">
+                <a16:creationId xmlns:a16="http://schemas.microsoft.com/office/drawing/2014/main" id="{638BCEEA-FA34-42DD-B89D-E92981DD8CF9}"/>
+              </a:ext>
+            </a:extLst>
+          </p:cNvPr>
+          <p:cNvSpPr/>
+          <p:nvPr/>
+        </p:nvSpPr>
+        <p:spPr>
+          <a:xfrm>
+            <a:off x="9577741" y="4010926"/>
+            <a:ext cx="460810" cy="461665"/>
+          </a:xfrm>
+          <a:prstGeom prst="rect">
+            <a:avLst/>
+          </a:prstGeom>
+          <a:solidFill>
+            <a:schemeClr val="bg1"/>
+          </a:solidFill>
+        </p:spPr>
+        <p:txBody>
+          <a:bodyPr wrap="square" lIns="91440" tIns="45720" rIns="91440" bIns="45720">
+            <a:spAutoFit/>
+          </a:bodyPr>
+          <a:lstStyle/>
+          <a:p>
+            <a:pPr algn="ctr"/>
+            <a:r>
+              <a:rPr lang="en-US" altLang="zh-CN" sz="2400" dirty="0">
+                <a:ln w="0"/>
+                <a:effectLst>
+                  <a:outerShdw blurRad="38100" dist="19050" dir="2700000" algn="tl" rotWithShape="0">
+                    <a:schemeClr val="dk1">
+                      <a:alpha val="40000"/>
+                    </a:schemeClr>
+                  </a:outerShdw>
+                </a:effectLst>
+              </a:rPr>
+              <a:t>2</a:t>
+            </a:r>
+            <a:endParaRPr lang="zh-CN" altLang="en-US" sz="2400" b="0" cap="none" spc="0" dirty="0">
+              <a:ln w="0"/>
+              <a:solidFill>
+                <a:schemeClr val="tx1"/>
+              </a:solidFill>
+              <a:effectLst>
+                <a:outerShdw blurRad="38100" dist="19050" dir="2700000" algn="tl" rotWithShape="0">
+                  <a:schemeClr val="dk1">
+                    <a:alpha val="40000"/>
+                  </a:schemeClr>
+                </a:outerShdw>
+              </a:effectLst>
+            </a:endParaRPr>
+          </a:p>
+        </p:txBody>
+      </p:sp>
+      <p:cxnSp>
+        <p:nvCxnSpPr>
+          <p:cNvPr id="3" name="直接箭头连接符 2">
+            <a:extLst>
+              <a:ext uri="{FF2B5EF4-FFF2-40B4-BE49-F238E27FC236}">
+                <a16:creationId xmlns:a16="http://schemas.microsoft.com/office/drawing/2014/main" id="{F931AE79-62C3-49DE-A17D-4F30A381A882}"/>
+              </a:ext>
+            </a:extLst>
+          </p:cNvPr>
+          <p:cNvCxnSpPr>
+            <a:cxnSpLocks/>
+            <a:stCxn id="6" idx="4"/>
+            <a:endCxn id="10" idx="0"/>
+          </p:cNvCxnSpPr>
+          <p:nvPr/>
+        </p:nvCxnSpPr>
+        <p:spPr>
+          <a:xfrm>
+            <a:off x="7069534" y="2213919"/>
+            <a:ext cx="21098" cy="2646081"/>
+          </a:xfrm>
+          <a:prstGeom prst="straightConnector1">
+            <a:avLst/>
+          </a:prstGeom>
+          <a:ln>
+            <a:headEnd type="none" w="med" len="med"/>
+            <a:tailEnd type="none" w="med" len="med"/>
+          </a:ln>
+        </p:spPr>
+        <p:style>
+          <a:lnRef idx="3">
+            <a:schemeClr val="dk1"/>
+          </a:lnRef>
+          <a:fillRef idx="0">
+            <a:schemeClr val="dk1"/>
+          </a:fillRef>
+          <a:effectRef idx="2">
+            <a:schemeClr val="dk1"/>
+          </a:effectRef>
+          <a:fontRef idx="minor">
+            <a:schemeClr val="tx1"/>
+          </a:fontRef>
+        </p:style>
+      </p:cxnSp>
+      <p:sp>
+        <p:nvSpPr>
+          <p:cNvPr id="47" name="矩形 46">
+            <a:extLst>
+              <a:ext uri="{FF2B5EF4-FFF2-40B4-BE49-F238E27FC236}">
+                <a16:creationId xmlns:a16="http://schemas.microsoft.com/office/drawing/2014/main" id="{DF93A789-58EB-48DD-B4E1-BFB3ABEA292D}"/>
+              </a:ext>
+            </a:extLst>
+          </p:cNvPr>
+          <p:cNvSpPr/>
+          <p:nvPr/>
+        </p:nvSpPr>
+        <p:spPr>
+          <a:xfrm flipH="1">
+            <a:off x="6704481" y="4010926"/>
+            <a:ext cx="298252" cy="461665"/>
+          </a:xfrm>
+          <a:prstGeom prst="rect">
+            <a:avLst/>
+          </a:prstGeom>
+          <a:noFill/>
+        </p:spPr>
+        <p:txBody>
+          <a:bodyPr wrap="square" lIns="91440" tIns="45720" rIns="91440" bIns="45720">
+            <a:spAutoFit/>
+          </a:bodyPr>
+          <a:lstStyle/>
+          <a:p>
+            <a:pPr algn="ctr"/>
+            <a:r>
+              <a:rPr lang="en-US" altLang="zh-CN" sz="2400" dirty="0">
+                <a:ln w="0"/>
+                <a:effectLst>
+                  <a:outerShdw blurRad="38100" dist="19050" dir="2700000" algn="tl" rotWithShape="0">
+                    <a:schemeClr val="dk1">
+                      <a:alpha val="40000"/>
+                    </a:schemeClr>
+                  </a:outerShdw>
+                </a:effectLst>
+              </a:rPr>
+              <a:t>2</a:t>
+            </a:r>
+            <a:endParaRPr lang="zh-CN" altLang="en-US" sz="2400" b="0" cap="none" spc="0" dirty="0">
+              <a:ln w="0"/>
+              <a:solidFill>
+                <a:schemeClr val="tx1"/>
+              </a:solidFill>
+              <a:effectLst>
+                <a:outerShdw blurRad="38100" dist="19050" dir="2700000" algn="tl" rotWithShape="0">
+                  <a:schemeClr val="dk1">
+                    <a:alpha val="40000"/>
+                  </a:schemeClr>
+                </a:outerShdw>
+              </a:effectLst>
+            </a:endParaRPr>
+          </a:p>
+        </p:txBody>
+      </p:sp>
+      <p:cxnSp>
+        <p:nvCxnSpPr>
+          <p:cNvPr id="29" name="直接箭头连接符 28">
+            <a:extLst>
+              <a:ext uri="{FF2B5EF4-FFF2-40B4-BE49-F238E27FC236}">
+                <a16:creationId xmlns:a16="http://schemas.microsoft.com/office/drawing/2014/main" id="{68620F62-D2DE-4252-BDAD-AD03116E1D41}"/>
+              </a:ext>
+            </a:extLst>
+          </p:cNvPr>
+          <p:cNvCxnSpPr>
+            <a:cxnSpLocks/>
+            <a:stCxn id="5" idx="4"/>
+            <a:endCxn id="9" idx="0"/>
+          </p:cNvCxnSpPr>
+          <p:nvPr/>
+        </p:nvCxnSpPr>
+        <p:spPr>
+          <a:xfrm flipH="1">
+            <a:off x="4515625" y="2242685"/>
+            <a:ext cx="1995" cy="2588593"/>
+          </a:xfrm>
+          <a:prstGeom prst="straightConnector1">
+            <a:avLst/>
+          </a:prstGeom>
+          <a:ln>
+            <a:headEnd type="none" w="med" len="med"/>
+            <a:tailEnd type="none" w="med" len="med"/>
+          </a:ln>
+        </p:spPr>
+        <p:style>
+          <a:lnRef idx="3">
+            <a:schemeClr val="dk1"/>
+          </a:lnRef>
+          <a:fillRef idx="0">
+            <a:schemeClr val="dk1"/>
+          </a:fillRef>
+          <a:effectRef idx="2">
+            <a:schemeClr val="dk1"/>
+          </a:effectRef>
+          <a:fontRef idx="minor">
+            <a:schemeClr val="tx1"/>
+          </a:fontRef>
+        </p:style>
+      </p:cxnSp>
+      <p:sp>
+        <p:nvSpPr>
+          <p:cNvPr id="39" name="矩形 38">
+            <a:extLst>
+              <a:ext uri="{FF2B5EF4-FFF2-40B4-BE49-F238E27FC236}">
+                <a16:creationId xmlns:a16="http://schemas.microsoft.com/office/drawing/2014/main" id="{56AF19F9-F2F7-4678-BF02-A4AADC6D5D3A}"/>
+              </a:ext>
+            </a:extLst>
+          </p:cNvPr>
+          <p:cNvSpPr/>
+          <p:nvPr/>
+        </p:nvSpPr>
+        <p:spPr>
+          <a:xfrm>
+            <a:off x="1846852" y="4078541"/>
+            <a:ext cx="306597" cy="467699"/>
+          </a:xfrm>
+          <a:prstGeom prst="rect">
+            <a:avLst/>
+          </a:prstGeom>
+          <a:noFill/>
+        </p:spPr>
+        <p:txBody>
+          <a:bodyPr wrap="square" rtlCol="0">
+            <a:spAutoFit/>
+          </a:bodyPr>
+          <a:lstStyle/>
+          <a:p>
+            <a:r>
+              <a:rPr lang="en-US" altLang="zh-CN" sz="2400" dirty="0"/>
+              <a:t>3</a:t>
+            </a:r>
+            <a:endParaRPr lang="zh-CN" altLang="en-US" sz="2400" dirty="0"/>
+          </a:p>
+        </p:txBody>
+      </p:sp>
+      <p:cxnSp>
+        <p:nvCxnSpPr>
+          <p:cNvPr id="38" name="直接箭头连接符 37">
+            <a:extLst>
+              <a:ext uri="{FF2B5EF4-FFF2-40B4-BE49-F238E27FC236}">
+                <a16:creationId xmlns:a16="http://schemas.microsoft.com/office/drawing/2014/main" id="{CF62EAF9-ED17-45D0-8D17-78E877B471EB}"/>
+              </a:ext>
+            </a:extLst>
+          </p:cNvPr>
+          <p:cNvCxnSpPr>
+            <a:cxnSpLocks/>
+            <a:stCxn id="7" idx="4"/>
+            <a:endCxn id="10" idx="0"/>
+          </p:cNvCxnSpPr>
+          <p:nvPr/>
+        </p:nvCxnSpPr>
+        <p:spPr>
+          <a:xfrm flipH="1">
+            <a:off x="7090632" y="2185175"/>
+            <a:ext cx="2700989" cy="2674825"/>
+          </a:xfrm>
+          <a:prstGeom prst="straightConnector1">
+            <a:avLst/>
+          </a:prstGeom>
+          <a:ln w="57150">
+            <a:tailEnd type="triangle"/>
+          </a:ln>
+        </p:spPr>
+        <p:style>
+          <a:lnRef idx="3">
+            <a:schemeClr val="accent2"/>
+          </a:lnRef>
+          <a:fillRef idx="0">
+            <a:schemeClr val="accent2"/>
+          </a:fillRef>
+          <a:effectRef idx="2">
+            <a:schemeClr val="accent2"/>
+          </a:effectRef>
+          <a:fontRef idx="minor">
+            <a:schemeClr val="tx1"/>
+          </a:fontRef>
+        </p:style>
+      </p:cxnSp>
+      <p:cxnSp>
+        <p:nvCxnSpPr>
+          <p:cNvPr id="44" name="直接箭头连接符 43">
+            <a:extLst>
+              <a:ext uri="{FF2B5EF4-FFF2-40B4-BE49-F238E27FC236}">
+                <a16:creationId xmlns:a16="http://schemas.microsoft.com/office/drawing/2014/main" id="{036F61A4-BC3B-46B8-B4FF-EDBEC7155CC7}"/>
+              </a:ext>
+            </a:extLst>
+          </p:cNvPr>
+          <p:cNvCxnSpPr>
+            <a:cxnSpLocks/>
+            <a:stCxn id="7" idx="4"/>
+            <a:endCxn id="9" idx="0"/>
+          </p:cNvCxnSpPr>
+          <p:nvPr/>
+        </p:nvCxnSpPr>
+        <p:spPr>
+          <a:xfrm flipH="1">
+            <a:off x="4515625" y="2185175"/>
+            <a:ext cx="5275996" cy="2646103"/>
+          </a:xfrm>
+          <a:prstGeom prst="straightConnector1">
+            <a:avLst/>
+          </a:prstGeom>
+          <a:ln w="57150">
+            <a:tailEnd type="triangle"/>
+          </a:ln>
+        </p:spPr>
+        <p:style>
+          <a:lnRef idx="3">
+            <a:schemeClr val="accent2"/>
+          </a:lnRef>
+          <a:fillRef idx="0">
+            <a:schemeClr val="accent2"/>
+          </a:fillRef>
+          <a:effectRef idx="2">
+            <a:schemeClr val="accent2"/>
+          </a:effectRef>
+          <a:fontRef idx="minor">
+            <a:schemeClr val="tx1"/>
+          </a:fontRef>
+        </p:style>
+      </p:cxnSp>
+      <p:sp>
+        <p:nvSpPr>
+          <p:cNvPr id="51" name="矩形 50">
+            <a:extLst>
+              <a:ext uri="{FF2B5EF4-FFF2-40B4-BE49-F238E27FC236}">
+                <a16:creationId xmlns:a16="http://schemas.microsoft.com/office/drawing/2014/main" id="{85F8080E-976D-437E-B2DF-C7C3C16F6B04}"/>
+              </a:ext>
+            </a:extLst>
+          </p:cNvPr>
+          <p:cNvSpPr/>
+          <p:nvPr/>
+        </p:nvSpPr>
+        <p:spPr>
+          <a:xfrm>
+            <a:off x="5654055" y="3992242"/>
+            <a:ext cx="321491" cy="461665"/>
+          </a:xfrm>
+          <a:prstGeom prst="rect">
+            <a:avLst/>
+          </a:prstGeom>
+          <a:solidFill>
+            <a:schemeClr val="bg1"/>
+          </a:solidFill>
+        </p:spPr>
+        <p:txBody>
+          <a:bodyPr wrap="square" lIns="91440" tIns="45720" rIns="91440" bIns="45720">
+            <a:spAutoFit/>
+          </a:bodyPr>
+          <a:lstStyle/>
+          <a:p>
+            <a:r>
+              <a:rPr lang="en-US" altLang="zh-CN" sz="2400" dirty="0"/>
+              <a:t>2</a:t>
+            </a:r>
+            <a:endParaRPr lang="zh-CN" altLang="en-US" sz="2400" dirty="0"/>
+          </a:p>
+        </p:txBody>
+      </p:sp>
+      <p:sp>
+        <p:nvSpPr>
+          <p:cNvPr id="50" name="矩形 49">
+            <a:extLst>
+              <a:ext uri="{FF2B5EF4-FFF2-40B4-BE49-F238E27FC236}">
+                <a16:creationId xmlns:a16="http://schemas.microsoft.com/office/drawing/2014/main" id="{B042FA15-F4B3-49AD-89D3-5BDC6D2C7170}"/>
+              </a:ext>
+            </a:extLst>
+          </p:cNvPr>
+          <p:cNvSpPr/>
+          <p:nvPr/>
+        </p:nvSpPr>
+        <p:spPr>
+          <a:xfrm>
+            <a:off x="7463877" y="4204631"/>
+            <a:ext cx="227876" cy="461665"/>
+          </a:xfrm>
+          <a:prstGeom prst="rect">
+            <a:avLst/>
+          </a:prstGeom>
+          <a:solidFill>
+            <a:schemeClr val="bg1"/>
+          </a:solidFill>
+        </p:spPr>
+        <p:txBody>
+          <a:bodyPr wrap="square" lIns="91440" tIns="45720" rIns="91440" bIns="45720">
+            <a:spAutoFit/>
+          </a:bodyPr>
+          <a:lstStyle/>
+          <a:p>
+            <a:pPr algn="ctr"/>
+            <a:r>
+              <a:rPr lang="en-US" altLang="zh-CN" sz="2400" dirty="0">
+                <a:ln w="0"/>
+                <a:effectLst>
+                  <a:outerShdw blurRad="38100" dist="19050" dir="2700000" algn="tl" rotWithShape="0">
+                    <a:schemeClr val="dk1">
+                      <a:alpha val="40000"/>
+                    </a:schemeClr>
+                  </a:outerShdw>
+                </a:effectLst>
+              </a:rPr>
+              <a:t>3</a:t>
+            </a:r>
+            <a:endParaRPr lang="zh-CN" altLang="en-US" sz="2400" b="0" cap="none" spc="0" dirty="0">
+              <a:ln w="0"/>
+              <a:solidFill>
+                <a:schemeClr val="tx1"/>
+              </a:solidFill>
+              <a:effectLst>
+                <a:outerShdw blurRad="38100" dist="19050" dir="2700000" algn="tl" rotWithShape="0">
+                  <a:schemeClr val="dk1">
+                    <a:alpha val="40000"/>
+                  </a:schemeClr>
+                </a:outerShdw>
+              </a:effectLst>
+            </a:endParaRPr>
+          </a:p>
+        </p:txBody>
+      </p:sp>
+      <p:sp>
+        <p:nvSpPr>
+          <p:cNvPr id="46" name="矩形 45">
+            <a:extLst>
+              <a:ext uri="{FF2B5EF4-FFF2-40B4-BE49-F238E27FC236}">
+                <a16:creationId xmlns:a16="http://schemas.microsoft.com/office/drawing/2014/main" id="{00D47E03-A47E-4380-A4FA-2480656F3D0C}"/>
+              </a:ext>
+            </a:extLst>
+          </p:cNvPr>
+          <p:cNvSpPr/>
+          <p:nvPr/>
+        </p:nvSpPr>
+        <p:spPr>
+          <a:xfrm>
+            <a:off x="4576140" y="4009998"/>
+            <a:ext cx="300247" cy="331183"/>
+          </a:xfrm>
+          <a:prstGeom prst="rect">
+            <a:avLst/>
+          </a:prstGeom>
+          <a:noFill/>
+        </p:spPr>
+        <p:style>
+          <a:lnRef idx="2">
+            <a:schemeClr val="accent2"/>
+          </a:lnRef>
+          <a:fillRef idx="1">
+            <a:schemeClr val="lt1"/>
+          </a:fillRef>
+          <a:effectRef idx="0">
+            <a:schemeClr val="accent2"/>
+          </a:effectRef>
+          <a:fontRef idx="minor">
+            <a:schemeClr val="dk1"/>
+          </a:fontRef>
+        </p:style>
+        <p:txBody>
+          <a:bodyPr rtlCol="0" anchor="ctr"/>
+          <a:lstStyle/>
+          <a:p>
+            <a:pPr algn="ctr"/>
+            <a:endParaRPr lang="zh-CN" altLang="en-US"/>
+          </a:p>
+        </p:txBody>
+      </p:sp>
+      <p:sp>
+        <p:nvSpPr>
+          <p:cNvPr id="53" name="矩形 52">
+            <a:extLst>
+              <a:ext uri="{FF2B5EF4-FFF2-40B4-BE49-F238E27FC236}">
+                <a16:creationId xmlns:a16="http://schemas.microsoft.com/office/drawing/2014/main" id="{683F05F1-402B-4F18-892F-1E79BC65B37A}"/>
+              </a:ext>
+            </a:extLst>
+          </p:cNvPr>
+          <p:cNvSpPr/>
+          <p:nvPr/>
+        </p:nvSpPr>
+        <p:spPr>
+          <a:xfrm>
+            <a:off x="4522602" y="3948638"/>
+            <a:ext cx="431215" cy="461665"/>
+          </a:xfrm>
+          <a:prstGeom prst="rect">
+            <a:avLst/>
+          </a:prstGeom>
+          <a:noFill/>
+        </p:spPr>
+        <p:txBody>
+          <a:bodyPr wrap="square" lIns="91440" tIns="45720" rIns="91440" bIns="45720">
+            <a:spAutoFit/>
+          </a:bodyPr>
+          <a:lstStyle/>
+          <a:p>
+            <a:pPr algn="ctr"/>
+            <a:r>
+              <a:rPr lang="en-US" altLang="zh-CN" sz="2400" b="0" cap="none" spc="0" dirty="0">
+                <a:ln w="0"/>
+                <a:solidFill>
+                  <a:schemeClr val="tx1"/>
+                </a:solidFill>
+                <a:effectLst>
+                  <a:outerShdw blurRad="38100" dist="19050" dir="2700000" algn="tl" rotWithShape="0">
+                    <a:schemeClr val="dk1">
+                      <a:alpha val="40000"/>
+                    </a:schemeClr>
+                  </a:outerShdw>
+                </a:effectLst>
+              </a:rPr>
+              <a:t>1</a:t>
+            </a:r>
+            <a:endParaRPr lang="zh-CN" altLang="en-US" sz="2400" b="0" cap="none" spc="0" dirty="0">
+              <a:ln w="0"/>
+              <a:solidFill>
+                <a:schemeClr val="tx1"/>
+              </a:solidFill>
+              <a:effectLst>
+                <a:outerShdw blurRad="38100" dist="19050" dir="2700000" algn="tl" rotWithShape="0">
+                  <a:schemeClr val="dk1">
+                    <a:alpha val="40000"/>
+                  </a:schemeClr>
+                </a:outerShdw>
+              </a:effectLst>
+            </a:endParaRPr>
+          </a:p>
+        </p:txBody>
+      </p:sp>
+      <p:sp>
+        <p:nvSpPr>
+          <p:cNvPr id="54" name="矩形 53">
+            <a:extLst>
+              <a:ext uri="{FF2B5EF4-FFF2-40B4-BE49-F238E27FC236}">
+                <a16:creationId xmlns:a16="http://schemas.microsoft.com/office/drawing/2014/main" id="{86D5AB39-7FB7-4164-8D3C-3068D48E321B}"/>
+              </a:ext>
+            </a:extLst>
+          </p:cNvPr>
+          <p:cNvSpPr/>
+          <p:nvPr/>
+        </p:nvSpPr>
+        <p:spPr>
+          <a:xfrm>
+            <a:off x="6685241" y="4064192"/>
+            <a:ext cx="308629" cy="346111"/>
+          </a:xfrm>
+          <a:prstGeom prst="rect">
+            <a:avLst/>
+          </a:prstGeom>
+          <a:noFill/>
+        </p:spPr>
+        <p:style>
+          <a:lnRef idx="2">
+            <a:schemeClr val="accent2"/>
+          </a:lnRef>
+          <a:fillRef idx="1">
+            <a:schemeClr val="lt1"/>
+          </a:fillRef>
+          <a:effectRef idx="0">
+            <a:schemeClr val="accent2"/>
+          </a:effectRef>
+          <a:fontRef idx="minor">
+            <a:schemeClr val="dk1"/>
+          </a:fontRef>
+        </p:style>
+        <p:txBody>
+          <a:bodyPr rtlCol="0" anchor="ctr"/>
+          <a:lstStyle/>
+          <a:p>
+            <a:pPr algn="ctr"/>
+            <a:endParaRPr lang="zh-CN" altLang="en-US"/>
+          </a:p>
+        </p:txBody>
+      </p:sp>
+    </p:spTree>
+    <p:extLst>
+      <p:ext uri="{BB962C8B-B14F-4D97-AF65-F5344CB8AC3E}">
+        <p14:creationId xmlns:p14="http://schemas.microsoft.com/office/powerpoint/2010/main" val="3790189358"/>
+      </p:ext>
+    </p:extLst>
+  </p:cSld>
+  <p:clrMapOvr>
+    <a:masterClrMapping/>
+  </p:clrMapOvr>
+</p:sld>
+</file>
+
+<file path=ppt/slides/slide7.xml><?xml version="1.0" encoding="utf-8"?>
+<p:sld xmlns:a="http://schemas.openxmlformats.org/drawingml/2006/main" xmlns:r="http://schemas.openxmlformats.org/officeDocument/2006/relationships" xmlns:p="http://schemas.openxmlformats.org/presentationml/2006/main">
+  <p:cSld>
+    <p:spTree>
+      <p:nvGrpSpPr>
+        <p:cNvPr id="1" name=""/>
+        <p:cNvGrpSpPr/>
+        <p:nvPr/>
+      </p:nvGrpSpPr>
+      <p:grpSpPr>
+        <a:xfrm>
+          <a:off x="0" y="0"/>
+          <a:ext cx="0" cy="0"/>
+          <a:chOff x="0" y="0"/>
+          <a:chExt cx="0" cy="0"/>
+        </a:xfrm>
+      </p:grpSpPr>
+      <p:cxnSp>
+        <p:nvCxnSpPr>
+          <p:cNvPr id="13" name="直接箭头连接符 12">
+            <a:extLst>
+              <a:ext uri="{FF2B5EF4-FFF2-40B4-BE49-F238E27FC236}">
+                <a16:creationId xmlns:a16="http://schemas.microsoft.com/office/drawing/2014/main" id="{5444315D-D3BE-41DD-AC03-0D4730B8D4C4}"/>
+              </a:ext>
+            </a:extLst>
+          </p:cNvPr>
+          <p:cNvCxnSpPr>
+            <a:cxnSpLocks/>
+          </p:cNvCxnSpPr>
+          <p:nvPr/>
+        </p:nvCxnSpPr>
+        <p:spPr>
+          <a:xfrm flipH="1">
+            <a:off x="2193967" y="2256311"/>
+            <a:ext cx="4931227" cy="2574968"/>
+          </a:xfrm>
+          <a:prstGeom prst="straightConnector1">
+            <a:avLst/>
+          </a:prstGeom>
+          <a:ln w="57150">
+            <a:tailEnd type="triangle"/>
+          </a:ln>
+        </p:spPr>
+        <p:style>
+          <a:lnRef idx="3">
+            <a:schemeClr val="accent2"/>
+          </a:lnRef>
+          <a:fillRef idx="0">
+            <a:schemeClr val="accent2"/>
+          </a:fillRef>
+          <a:effectRef idx="2">
+            <a:schemeClr val="accent2"/>
+          </a:effectRef>
+          <a:fontRef idx="minor">
+            <a:schemeClr val="tx1"/>
+          </a:fontRef>
+        </p:style>
+      </p:cxnSp>
+      <p:sp>
+        <p:nvSpPr>
+          <p:cNvPr id="14" name="文本框 13">
+            <a:extLst>
+              <a:ext uri="{FF2B5EF4-FFF2-40B4-BE49-F238E27FC236}">
+                <a16:creationId xmlns:a16="http://schemas.microsoft.com/office/drawing/2014/main" id="{105B5B04-0416-4157-A88A-2BD048A0043D}"/>
+              </a:ext>
+            </a:extLst>
+          </p:cNvPr>
+          <p:cNvSpPr txBox="1"/>
+          <p:nvPr/>
+        </p:nvSpPr>
+        <p:spPr>
+          <a:xfrm>
+            <a:off x="1994233" y="868902"/>
+            <a:ext cx="399468" cy="338554"/>
+          </a:xfrm>
+          <a:prstGeom prst="rect">
+            <a:avLst/>
+          </a:prstGeom>
+          <a:noFill/>
+        </p:spPr>
+        <p:txBody>
+          <a:bodyPr wrap="none" rtlCol="0">
+            <a:spAutoFit/>
+          </a:bodyPr>
+          <a:lstStyle/>
+          <a:p>
+            <a:r>
+              <a:rPr lang="en-US" altLang="zh-CN" sz="1600" dirty="0"/>
+              <a:t>10</a:t>
+            </a:r>
+            <a:endParaRPr lang="zh-CN" altLang="en-US" sz="1600" dirty="0"/>
+          </a:p>
+        </p:txBody>
+      </p:sp>
+      <p:sp>
+        <p:nvSpPr>
+          <p:cNvPr id="15" name="文本框 14">
+            <a:extLst>
+              <a:ext uri="{FF2B5EF4-FFF2-40B4-BE49-F238E27FC236}">
+                <a16:creationId xmlns:a16="http://schemas.microsoft.com/office/drawing/2014/main" id="{D9173191-A764-4D1B-B236-BFE8C89BF75B}"/>
+              </a:ext>
+            </a:extLst>
+          </p:cNvPr>
+          <p:cNvSpPr txBox="1"/>
+          <p:nvPr/>
+        </p:nvSpPr>
+        <p:spPr>
+          <a:xfrm>
+            <a:off x="4337630" y="868902"/>
+            <a:ext cx="399468" cy="338554"/>
+          </a:xfrm>
+          <a:prstGeom prst="rect">
+            <a:avLst/>
+          </a:prstGeom>
+          <a:noFill/>
+        </p:spPr>
+        <p:txBody>
+          <a:bodyPr wrap="none" rtlCol="0">
+            <a:spAutoFit/>
+          </a:bodyPr>
+          <a:lstStyle/>
+          <a:p>
+            <a:r>
+              <a:rPr lang="en-US" altLang="zh-CN" sz="1600" dirty="0"/>
+              <a:t>10</a:t>
+            </a:r>
+            <a:endParaRPr lang="zh-CN" altLang="en-US" sz="1600" dirty="0"/>
+          </a:p>
+        </p:txBody>
+      </p:sp>
+      <p:sp>
+        <p:nvSpPr>
+          <p:cNvPr id="16" name="文本框 15">
+            <a:extLst>
+              <a:ext uri="{FF2B5EF4-FFF2-40B4-BE49-F238E27FC236}">
+                <a16:creationId xmlns:a16="http://schemas.microsoft.com/office/drawing/2014/main" id="{FC82021D-C070-4557-8E09-F09E3E68DF09}"/>
+              </a:ext>
+            </a:extLst>
+          </p:cNvPr>
+          <p:cNvSpPr txBox="1"/>
+          <p:nvPr/>
+        </p:nvSpPr>
+        <p:spPr>
+          <a:xfrm>
+            <a:off x="6919860" y="868902"/>
+            <a:ext cx="399468" cy="338554"/>
+          </a:xfrm>
+          <a:prstGeom prst="rect">
+            <a:avLst/>
+          </a:prstGeom>
+          <a:noFill/>
+        </p:spPr>
+        <p:txBody>
+          <a:bodyPr wrap="none" rtlCol="0">
+            <a:spAutoFit/>
+          </a:bodyPr>
+          <a:lstStyle/>
+          <a:p>
+            <a:r>
+              <a:rPr lang="en-US" altLang="zh-CN" sz="1600" dirty="0"/>
+              <a:t>10</a:t>
+            </a:r>
+            <a:endParaRPr lang="zh-CN" altLang="en-US" sz="1600" dirty="0"/>
+          </a:p>
+        </p:txBody>
+      </p:sp>
+      <p:sp>
+        <p:nvSpPr>
+          <p:cNvPr id="17" name="文本框 16">
+            <a:extLst>
+              <a:ext uri="{FF2B5EF4-FFF2-40B4-BE49-F238E27FC236}">
+                <a16:creationId xmlns:a16="http://schemas.microsoft.com/office/drawing/2014/main" id="{25111A83-966D-47F6-8691-F43534468104}"/>
+              </a:ext>
+            </a:extLst>
+          </p:cNvPr>
+          <p:cNvSpPr txBox="1"/>
+          <p:nvPr/>
+        </p:nvSpPr>
+        <p:spPr>
+          <a:xfrm>
+            <a:off x="9681526" y="868902"/>
+            <a:ext cx="399468" cy="338554"/>
+          </a:xfrm>
+          <a:prstGeom prst="rect">
+            <a:avLst/>
+          </a:prstGeom>
+          <a:noFill/>
+        </p:spPr>
+        <p:txBody>
+          <a:bodyPr wrap="none" rtlCol="0">
+            <a:spAutoFit/>
+          </a:bodyPr>
+          <a:lstStyle/>
+          <a:p>
+            <a:r>
+              <a:rPr lang="en-US" altLang="zh-CN" sz="1600" dirty="0"/>
+              <a:t>10</a:t>
+            </a:r>
+            <a:endParaRPr lang="zh-CN" altLang="en-US" sz="1600" dirty="0"/>
+          </a:p>
+        </p:txBody>
+      </p:sp>
+      <p:cxnSp>
+        <p:nvCxnSpPr>
+          <p:cNvPr id="20" name="直接箭头连接符 19">
+            <a:extLst>
+              <a:ext uri="{FF2B5EF4-FFF2-40B4-BE49-F238E27FC236}">
+                <a16:creationId xmlns:a16="http://schemas.microsoft.com/office/drawing/2014/main" id="{C1F48667-6E7A-410D-9CC6-B2F351D86CE2}"/>
+              </a:ext>
+            </a:extLst>
+          </p:cNvPr>
+          <p:cNvCxnSpPr>
+            <a:cxnSpLocks/>
+          </p:cNvCxnSpPr>
+          <p:nvPr/>
+        </p:nvCxnSpPr>
+        <p:spPr>
+          <a:xfrm>
+            <a:off x="7125194" y="2256311"/>
+            <a:ext cx="2756067" cy="2574966"/>
+          </a:xfrm>
+          <a:prstGeom prst="straightConnector1">
+            <a:avLst/>
+          </a:prstGeom>
+          <a:ln w="57150">
+            <a:tailEnd type="triangle"/>
+          </a:ln>
+        </p:spPr>
+        <p:style>
+          <a:lnRef idx="3">
+            <a:schemeClr val="accent2"/>
+          </a:lnRef>
+          <a:fillRef idx="0">
+            <a:schemeClr val="accent2"/>
+          </a:fillRef>
+          <a:effectRef idx="2">
+            <a:schemeClr val="accent2"/>
+          </a:effectRef>
+          <a:fontRef idx="minor">
+            <a:schemeClr val="tx1"/>
+          </a:fontRef>
+        </p:style>
+      </p:cxnSp>
+      <p:cxnSp>
+        <p:nvCxnSpPr>
+          <p:cNvPr id="22" name="直接箭头连接符 21">
+            <a:extLst>
+              <a:ext uri="{FF2B5EF4-FFF2-40B4-BE49-F238E27FC236}">
+                <a16:creationId xmlns:a16="http://schemas.microsoft.com/office/drawing/2014/main" id="{C53F2258-6372-4922-BE2A-3EC9B95166EA}"/>
+              </a:ext>
+            </a:extLst>
+          </p:cNvPr>
+          <p:cNvCxnSpPr>
+            <a:cxnSpLocks/>
+          </p:cNvCxnSpPr>
+          <p:nvPr/>
+        </p:nvCxnSpPr>
+        <p:spPr>
+          <a:xfrm flipH="1">
+            <a:off x="4537365" y="2256311"/>
+            <a:ext cx="5343896" cy="2574967"/>
+          </a:xfrm>
+          <a:prstGeom prst="straightConnector1">
+            <a:avLst/>
+          </a:prstGeom>
+          <a:ln w="57150">
+            <a:tailEnd type="triangle"/>
+          </a:ln>
+        </p:spPr>
+        <p:style>
+          <a:lnRef idx="3">
+            <a:schemeClr val="accent1"/>
+          </a:lnRef>
+          <a:fillRef idx="0">
+            <a:schemeClr val="accent1"/>
+          </a:fillRef>
+          <a:effectRef idx="2">
+            <a:schemeClr val="accent1"/>
+          </a:effectRef>
+          <a:fontRef idx="minor">
+            <a:schemeClr val="tx1"/>
+          </a:fontRef>
+        </p:style>
+      </p:cxnSp>
+      <p:cxnSp>
+        <p:nvCxnSpPr>
+          <p:cNvPr id="24" name="直接箭头连接符 23">
+            <a:extLst>
+              <a:ext uri="{FF2B5EF4-FFF2-40B4-BE49-F238E27FC236}">
+                <a16:creationId xmlns:a16="http://schemas.microsoft.com/office/drawing/2014/main" id="{1F4503B0-5F25-4EF5-87F7-E5032B397FB5}"/>
+              </a:ext>
+            </a:extLst>
+          </p:cNvPr>
+          <p:cNvCxnSpPr>
+            <a:cxnSpLocks/>
+          </p:cNvCxnSpPr>
+          <p:nvPr/>
+        </p:nvCxnSpPr>
+        <p:spPr>
+          <a:xfrm flipH="1">
+            <a:off x="7125193" y="2256311"/>
+            <a:ext cx="2756068" cy="2574967"/>
+          </a:xfrm>
+          <a:prstGeom prst="straightConnector1">
+            <a:avLst/>
+          </a:prstGeom>
+          <a:ln w="57150">
+            <a:tailEnd type="triangle"/>
+          </a:ln>
+        </p:spPr>
+        <p:style>
+          <a:lnRef idx="3">
+            <a:schemeClr val="accent1"/>
+          </a:lnRef>
+          <a:fillRef idx="0">
+            <a:schemeClr val="accent1"/>
+          </a:fillRef>
+          <a:effectRef idx="2">
+            <a:schemeClr val="accent1"/>
+          </a:effectRef>
+          <a:fontRef idx="minor">
+            <a:schemeClr val="tx1"/>
+          </a:fontRef>
+        </p:style>
+      </p:cxnSp>
+      <p:cxnSp>
+        <p:nvCxnSpPr>
+          <p:cNvPr id="26" name="直接连接符 25">
+            <a:extLst>
+              <a:ext uri="{FF2B5EF4-FFF2-40B4-BE49-F238E27FC236}">
+                <a16:creationId xmlns:a16="http://schemas.microsoft.com/office/drawing/2014/main" id="{25A328A1-B9EC-4043-89ED-15A01E0388AF}"/>
+              </a:ext>
+            </a:extLst>
+          </p:cNvPr>
+          <p:cNvCxnSpPr>
+            <a:cxnSpLocks/>
+          </p:cNvCxnSpPr>
+          <p:nvPr/>
+        </p:nvCxnSpPr>
+        <p:spPr>
+          <a:xfrm flipH="1">
+            <a:off x="7125193" y="2256311"/>
+            <a:ext cx="1" cy="2574967"/>
+          </a:xfrm>
+          <a:prstGeom prst="line">
+            <a:avLst/>
+          </a:prstGeom>
+        </p:spPr>
+        <p:style>
+          <a:lnRef idx="1">
+            <a:schemeClr val="accent2"/>
+          </a:lnRef>
+          <a:fillRef idx="0">
+            <a:schemeClr val="accent2"/>
+          </a:fillRef>
+          <a:effectRef idx="0">
+            <a:schemeClr val="accent2"/>
+          </a:effectRef>
+          <a:fontRef idx="minor">
+            <a:schemeClr val="tx1"/>
+          </a:fontRef>
+        </p:style>
+      </p:cxnSp>
+      <p:cxnSp>
+        <p:nvCxnSpPr>
+          <p:cNvPr id="28" name="直接连接符 27">
+            <a:extLst>
+              <a:ext uri="{FF2B5EF4-FFF2-40B4-BE49-F238E27FC236}">
+                <a16:creationId xmlns:a16="http://schemas.microsoft.com/office/drawing/2014/main" id="{A6EDC7C0-E0CA-4B3B-A602-23468EDE6B0A}"/>
+              </a:ext>
+            </a:extLst>
+          </p:cNvPr>
+          <p:cNvCxnSpPr>
+            <a:cxnSpLocks/>
+          </p:cNvCxnSpPr>
+          <p:nvPr/>
+        </p:nvCxnSpPr>
+        <p:spPr>
+          <a:xfrm flipH="1">
+            <a:off x="4537365" y="2256311"/>
+            <a:ext cx="1" cy="2574967"/>
+          </a:xfrm>
+          <a:prstGeom prst="line">
+            <a:avLst/>
+          </a:prstGeom>
+        </p:spPr>
+        <p:style>
+          <a:lnRef idx="1">
+            <a:schemeClr val="dk1"/>
+          </a:lnRef>
+          <a:fillRef idx="0">
+            <a:schemeClr val="dk1"/>
+          </a:fillRef>
+          <a:effectRef idx="0">
+            <a:schemeClr val="dk1"/>
+          </a:effectRef>
+          <a:fontRef idx="minor">
+            <a:schemeClr val="tx1"/>
+          </a:fontRef>
+        </p:style>
+      </p:cxnSp>
+      <p:cxnSp>
+        <p:nvCxnSpPr>
+          <p:cNvPr id="30" name="直接连接符 29">
+            <a:extLst>
+              <a:ext uri="{FF2B5EF4-FFF2-40B4-BE49-F238E27FC236}">
+                <a16:creationId xmlns:a16="http://schemas.microsoft.com/office/drawing/2014/main" id="{64CCE36F-60C7-411F-9867-2BC8E1B2F6B8}"/>
+              </a:ext>
+            </a:extLst>
+          </p:cNvPr>
+          <p:cNvCxnSpPr>
+            <a:cxnSpLocks/>
+          </p:cNvCxnSpPr>
+          <p:nvPr/>
+        </p:nvCxnSpPr>
+        <p:spPr>
+          <a:xfrm flipH="1">
+            <a:off x="2193967" y="2256311"/>
+            <a:ext cx="2343399" cy="2574968"/>
+          </a:xfrm>
+          <a:prstGeom prst="line">
+            <a:avLst/>
+          </a:prstGeom>
+        </p:spPr>
+        <p:style>
+          <a:lnRef idx="1">
+            <a:schemeClr val="dk1"/>
+          </a:lnRef>
+          <a:fillRef idx="0">
+            <a:schemeClr val="dk1"/>
+          </a:fillRef>
+          <a:effectRef idx="0">
+            <a:schemeClr val="dk1"/>
+          </a:effectRef>
+          <a:fontRef idx="minor">
+            <a:schemeClr val="tx1"/>
+          </a:fontRef>
+        </p:style>
+      </p:cxnSp>
+      <p:cxnSp>
+        <p:nvCxnSpPr>
+          <p:cNvPr id="32" name="直接连接符 31">
+            <a:extLst>
+              <a:ext uri="{FF2B5EF4-FFF2-40B4-BE49-F238E27FC236}">
+                <a16:creationId xmlns:a16="http://schemas.microsoft.com/office/drawing/2014/main" id="{A6D02849-0215-4C91-8CF9-BAC3815EF02F}"/>
+              </a:ext>
+            </a:extLst>
+          </p:cNvPr>
+          <p:cNvCxnSpPr>
+            <a:cxnSpLocks/>
+          </p:cNvCxnSpPr>
+          <p:nvPr/>
+        </p:nvCxnSpPr>
+        <p:spPr>
+          <a:xfrm>
+            <a:off x="2193967" y="2256312"/>
+            <a:ext cx="0" cy="2574967"/>
+          </a:xfrm>
+          <a:prstGeom prst="line">
+            <a:avLst/>
+          </a:prstGeom>
+        </p:spPr>
+        <p:style>
+          <a:lnRef idx="1">
+            <a:schemeClr val="accent6"/>
+          </a:lnRef>
+          <a:fillRef idx="0">
+            <a:schemeClr val="accent6"/>
+          </a:fillRef>
+          <a:effectRef idx="0">
+            <a:schemeClr val="accent6"/>
+          </a:effectRef>
+          <a:fontRef idx="minor">
+            <a:schemeClr val="tx1"/>
+          </a:fontRef>
+        </p:style>
+      </p:cxnSp>
+      <p:cxnSp>
+        <p:nvCxnSpPr>
+          <p:cNvPr id="34" name="直接连接符 33">
+            <a:extLst>
+              <a:ext uri="{FF2B5EF4-FFF2-40B4-BE49-F238E27FC236}">
+                <a16:creationId xmlns:a16="http://schemas.microsoft.com/office/drawing/2014/main" id="{4FEDE642-92FC-4749-AFAA-376A8528A149}"/>
+              </a:ext>
+            </a:extLst>
+          </p:cNvPr>
+          <p:cNvCxnSpPr>
+            <a:cxnSpLocks/>
+          </p:cNvCxnSpPr>
+          <p:nvPr/>
+        </p:nvCxnSpPr>
+        <p:spPr>
+          <a:xfrm>
+            <a:off x="2193967" y="2256312"/>
+            <a:ext cx="2343398" cy="2574966"/>
+          </a:xfrm>
+          <a:prstGeom prst="line">
+            <a:avLst/>
+          </a:prstGeom>
+        </p:spPr>
+        <p:style>
+          <a:lnRef idx="1">
+            <a:schemeClr val="accent6"/>
+          </a:lnRef>
+          <a:fillRef idx="0">
+            <a:schemeClr val="accent6"/>
+          </a:fillRef>
+          <a:effectRef idx="0">
+            <a:schemeClr val="accent6"/>
+          </a:effectRef>
+          <a:fontRef idx="minor">
+            <a:schemeClr val="tx1"/>
+          </a:fontRef>
+        </p:style>
+      </p:cxnSp>
+      <p:cxnSp>
+        <p:nvCxnSpPr>
+          <p:cNvPr id="36" name="直接连接符 35">
+            <a:extLst>
+              <a:ext uri="{FF2B5EF4-FFF2-40B4-BE49-F238E27FC236}">
+                <a16:creationId xmlns:a16="http://schemas.microsoft.com/office/drawing/2014/main" id="{984ED06F-2201-46FE-A118-1C45D1ABDF56}"/>
+              </a:ext>
+            </a:extLst>
+          </p:cNvPr>
+          <p:cNvCxnSpPr>
+            <a:cxnSpLocks/>
+          </p:cNvCxnSpPr>
+          <p:nvPr/>
+        </p:nvCxnSpPr>
+        <p:spPr>
+          <a:xfrm>
+            <a:off x="2193967" y="2256312"/>
+            <a:ext cx="7687294" cy="2574965"/>
+          </a:xfrm>
+          <a:prstGeom prst="line">
+            <a:avLst/>
+          </a:prstGeom>
+        </p:spPr>
+        <p:style>
+          <a:lnRef idx="1">
+            <a:schemeClr val="accent6"/>
+          </a:lnRef>
+          <a:fillRef idx="0">
+            <a:schemeClr val="accent6"/>
+          </a:fillRef>
+          <a:effectRef idx="0">
+            <a:schemeClr val="accent6"/>
+          </a:effectRef>
+          <a:fontRef idx="minor">
+            <a:schemeClr val="tx1"/>
+          </a:fontRef>
+        </p:style>
+      </p:cxnSp>
+      <p:sp>
+        <p:nvSpPr>
+          <p:cNvPr id="37" name="矩形 36">
+            <a:extLst>
+              <a:ext uri="{FF2B5EF4-FFF2-40B4-BE49-F238E27FC236}">
+                <a16:creationId xmlns:a16="http://schemas.microsoft.com/office/drawing/2014/main" id="{5A846978-A598-42E9-8B9F-7FF1B377F8B4}"/>
+              </a:ext>
+            </a:extLst>
+          </p:cNvPr>
+          <p:cNvSpPr/>
+          <p:nvPr/>
+        </p:nvSpPr>
+        <p:spPr>
+          <a:xfrm>
+            <a:off x="7456767" y="4195450"/>
+            <a:ext cx="193565" cy="369332"/>
+          </a:xfrm>
+          <a:prstGeom prst="rect">
+            <a:avLst/>
+          </a:prstGeom>
+          <a:noFill/>
+        </p:spPr>
+        <p:txBody>
+          <a:bodyPr wrap="square" lIns="91440" tIns="45720" rIns="91440" bIns="45720">
+            <a:spAutoFit/>
+          </a:bodyPr>
+          <a:lstStyle/>
+          <a:p>
+            <a:pPr algn="ctr"/>
+            <a:r>
+              <a:rPr lang="en-US" altLang="zh-CN" dirty="0">
+                <a:ln w="0"/>
+                <a:effectLst>
+                  <a:outerShdw blurRad="38100" dist="19050" dir="2700000" algn="tl" rotWithShape="0">
+                    <a:schemeClr val="dk1">
+                      <a:alpha val="40000"/>
+                    </a:schemeClr>
+                  </a:outerShdw>
+                </a:effectLst>
+              </a:rPr>
+              <a:t>3</a:t>
+            </a:r>
+            <a:endParaRPr lang="zh-CN" altLang="en-US" b="0" cap="none" spc="0" dirty="0">
+              <a:ln w="0"/>
+              <a:solidFill>
+                <a:schemeClr val="tx1"/>
+              </a:solidFill>
+              <a:effectLst>
+                <a:outerShdw blurRad="38100" dist="19050" dir="2700000" algn="tl" rotWithShape="0">
+                  <a:schemeClr val="dk1">
+                    <a:alpha val="40000"/>
+                  </a:schemeClr>
+                </a:outerShdw>
+              </a:effectLst>
+            </a:endParaRPr>
+          </a:p>
+        </p:txBody>
+      </p:sp>
+      <p:sp>
+        <p:nvSpPr>
+          <p:cNvPr id="38" name="矩形 37">
+            <a:extLst>
+              <a:ext uri="{FF2B5EF4-FFF2-40B4-BE49-F238E27FC236}">
+                <a16:creationId xmlns:a16="http://schemas.microsoft.com/office/drawing/2014/main" id="{AD326DE5-1364-41DF-93BF-D2B564E9EB4D}"/>
+              </a:ext>
+            </a:extLst>
+          </p:cNvPr>
+          <p:cNvSpPr/>
+          <p:nvPr/>
+        </p:nvSpPr>
+        <p:spPr>
+          <a:xfrm>
+            <a:off x="5540931" y="4133516"/>
+            <a:ext cx="193565" cy="369332"/>
+          </a:xfrm>
+          <a:prstGeom prst="rect">
+            <a:avLst/>
+          </a:prstGeom>
+          <a:noFill/>
+        </p:spPr>
+        <p:txBody>
+          <a:bodyPr wrap="square" lIns="91440" tIns="45720" rIns="91440" bIns="45720">
+            <a:spAutoFit/>
+          </a:bodyPr>
+          <a:lstStyle/>
+          <a:p>
+            <a:pPr algn="ctr"/>
+            <a:r>
+              <a:rPr lang="en-US" altLang="zh-CN" dirty="0">
+                <a:ln w="0"/>
+                <a:effectLst>
+                  <a:outerShdw blurRad="38100" dist="19050" dir="2700000" algn="tl" rotWithShape="0">
+                    <a:schemeClr val="dk1">
+                      <a:alpha val="40000"/>
+                    </a:schemeClr>
+                  </a:outerShdw>
+                </a:effectLst>
+              </a:rPr>
+              <a:t>2</a:t>
+            </a:r>
+            <a:endParaRPr lang="zh-CN" altLang="en-US" b="0" cap="none" spc="0" dirty="0">
+              <a:ln w="0"/>
+              <a:solidFill>
+                <a:schemeClr val="tx1"/>
+              </a:solidFill>
+              <a:effectLst>
+                <a:outerShdw blurRad="38100" dist="19050" dir="2700000" algn="tl" rotWithShape="0">
+                  <a:schemeClr val="dk1">
+                    <a:alpha val="40000"/>
+                  </a:schemeClr>
+                </a:outerShdw>
+              </a:effectLst>
+            </a:endParaRPr>
+          </a:p>
+        </p:txBody>
+      </p:sp>
+      <p:sp>
+        <p:nvSpPr>
+          <p:cNvPr id="39" name="矩形 38">
+            <a:extLst>
+              <a:ext uri="{FF2B5EF4-FFF2-40B4-BE49-F238E27FC236}">
+                <a16:creationId xmlns:a16="http://schemas.microsoft.com/office/drawing/2014/main" id="{56AF19F9-F2F7-4678-BF02-A4AADC6D5D3A}"/>
+              </a:ext>
+            </a:extLst>
+          </p:cNvPr>
+          <p:cNvSpPr/>
+          <p:nvPr/>
+        </p:nvSpPr>
+        <p:spPr>
+          <a:xfrm>
+            <a:off x="2097183" y="4084575"/>
+            <a:ext cx="193565" cy="369332"/>
+          </a:xfrm>
+          <a:prstGeom prst="rect">
+            <a:avLst/>
+          </a:prstGeom>
+          <a:solidFill>
+            <a:schemeClr val="bg1"/>
+          </a:solidFill>
+        </p:spPr>
+        <p:txBody>
+          <a:bodyPr wrap="square" lIns="91440" tIns="45720" rIns="91440" bIns="45720">
+            <a:spAutoFit/>
+          </a:bodyPr>
+          <a:lstStyle/>
+          <a:p>
+            <a:pPr algn="ctr"/>
+            <a:r>
+              <a:rPr lang="en-US" altLang="zh-CN" dirty="0">
+                <a:ln w="0"/>
+                <a:effectLst>
+                  <a:outerShdw blurRad="38100" dist="19050" dir="2700000" algn="tl" rotWithShape="0">
+                    <a:schemeClr val="dk1">
+                      <a:alpha val="40000"/>
+                    </a:schemeClr>
+                  </a:outerShdw>
+                </a:effectLst>
+              </a:rPr>
+              <a:t>3</a:t>
+            </a:r>
+            <a:endParaRPr lang="zh-CN" altLang="en-US" b="0" cap="none" spc="0" dirty="0">
+              <a:ln w="0"/>
+              <a:solidFill>
+                <a:schemeClr val="tx1"/>
+              </a:solidFill>
+              <a:effectLst>
+                <a:outerShdw blurRad="38100" dist="19050" dir="2700000" algn="tl" rotWithShape="0">
+                  <a:schemeClr val="dk1">
+                    <a:alpha val="40000"/>
+                  </a:schemeClr>
+                </a:outerShdw>
+              </a:effectLst>
+            </a:endParaRPr>
+          </a:p>
+        </p:txBody>
+      </p:sp>
+      <p:sp>
+        <p:nvSpPr>
+          <p:cNvPr id="40" name="矩形 39">
+            <a:extLst>
+              <a:ext uri="{FF2B5EF4-FFF2-40B4-BE49-F238E27FC236}">
+                <a16:creationId xmlns:a16="http://schemas.microsoft.com/office/drawing/2014/main" id="{C46E1DFE-838D-42F0-A6E6-CBFE2161EF47}"/>
+              </a:ext>
+            </a:extLst>
+          </p:cNvPr>
+          <p:cNvSpPr/>
+          <p:nvPr/>
+        </p:nvSpPr>
+        <p:spPr>
+          <a:xfrm>
+            <a:off x="3908568" y="4133516"/>
+            <a:ext cx="193565" cy="369332"/>
+          </a:xfrm>
+          <a:prstGeom prst="rect">
+            <a:avLst/>
+          </a:prstGeom>
+          <a:solidFill>
+            <a:schemeClr val="bg1"/>
+          </a:solidFill>
+        </p:spPr>
+        <p:txBody>
+          <a:bodyPr wrap="square" lIns="91440" tIns="45720" rIns="91440" bIns="45720">
+            <a:spAutoFit/>
+          </a:bodyPr>
+          <a:lstStyle/>
+          <a:p>
+            <a:pPr algn="ctr"/>
+            <a:r>
+              <a:rPr lang="en-US" altLang="zh-CN" dirty="0">
+                <a:ln w="0"/>
+                <a:effectLst>
+                  <a:outerShdw blurRad="38100" dist="19050" dir="2700000" algn="tl" rotWithShape="0">
+                    <a:schemeClr val="dk1">
+                      <a:alpha val="40000"/>
+                    </a:schemeClr>
+                  </a:outerShdw>
+                </a:effectLst>
+              </a:rPr>
+              <a:t>2</a:t>
+            </a:r>
+            <a:endParaRPr lang="zh-CN" altLang="en-US" b="0" cap="none" spc="0" dirty="0">
+              <a:ln w="0"/>
+              <a:solidFill>
+                <a:schemeClr val="tx1"/>
+              </a:solidFill>
+              <a:effectLst>
+                <a:outerShdw blurRad="38100" dist="19050" dir="2700000" algn="tl" rotWithShape="0">
+                  <a:schemeClr val="dk1">
+                    <a:alpha val="40000"/>
+                  </a:schemeClr>
+                </a:outerShdw>
+              </a:effectLst>
+            </a:endParaRPr>
+          </a:p>
+        </p:txBody>
+      </p:sp>
+      <p:sp>
+        <p:nvSpPr>
+          <p:cNvPr id="41" name="矩形 40">
+            <a:extLst>
+              <a:ext uri="{FF2B5EF4-FFF2-40B4-BE49-F238E27FC236}">
+                <a16:creationId xmlns:a16="http://schemas.microsoft.com/office/drawing/2014/main" id="{1813A8E2-3E0E-4E73-9150-2DA172D7759B}"/>
+              </a:ext>
+            </a:extLst>
+          </p:cNvPr>
+          <p:cNvSpPr/>
+          <p:nvPr/>
+        </p:nvSpPr>
+        <p:spPr>
+          <a:xfrm>
+            <a:off x="8466604" y="4195450"/>
+            <a:ext cx="193565" cy="369332"/>
+          </a:xfrm>
+          <a:prstGeom prst="rect">
+            <a:avLst/>
+          </a:prstGeom>
+          <a:solidFill>
+            <a:schemeClr val="bg1"/>
+          </a:solidFill>
+        </p:spPr>
+        <p:txBody>
+          <a:bodyPr wrap="square" lIns="91440" tIns="45720" rIns="91440" bIns="45720">
+            <a:spAutoFit/>
+          </a:bodyPr>
+          <a:lstStyle/>
+          <a:p>
+            <a:pPr algn="ctr"/>
+            <a:r>
+              <a:rPr lang="en-US" altLang="zh-CN" dirty="0">
+                <a:ln w="0"/>
+                <a:effectLst>
+                  <a:outerShdw blurRad="38100" dist="19050" dir="2700000" algn="tl" rotWithShape="0">
+                    <a:schemeClr val="dk1">
+                      <a:alpha val="40000"/>
+                    </a:schemeClr>
+                  </a:outerShdw>
+                </a:effectLst>
+              </a:rPr>
+              <a:t>4</a:t>
+            </a:r>
+            <a:endParaRPr lang="zh-CN" altLang="en-US" b="0" cap="none" spc="0" dirty="0">
+              <a:ln w="0"/>
+              <a:solidFill>
+                <a:schemeClr val="tx1"/>
+              </a:solidFill>
+              <a:effectLst>
+                <a:outerShdw blurRad="38100" dist="19050" dir="2700000" algn="tl" rotWithShape="0">
+                  <a:schemeClr val="dk1">
+                    <a:alpha val="40000"/>
+                  </a:schemeClr>
+                </a:outerShdw>
+              </a:effectLst>
+            </a:endParaRPr>
+          </a:p>
+        </p:txBody>
+      </p:sp>
+      <p:sp>
+        <p:nvSpPr>
+          <p:cNvPr id="42" name="矩形 41">
+            <a:extLst>
+              <a:ext uri="{FF2B5EF4-FFF2-40B4-BE49-F238E27FC236}">
+                <a16:creationId xmlns:a16="http://schemas.microsoft.com/office/drawing/2014/main" id="{199177F7-DCBC-40F0-B711-3271935F208C}"/>
+              </a:ext>
+            </a:extLst>
+          </p:cNvPr>
+          <p:cNvSpPr/>
+          <p:nvPr/>
+        </p:nvSpPr>
+        <p:spPr>
+          <a:xfrm>
+            <a:off x="3116437" y="4133516"/>
+            <a:ext cx="193565" cy="369332"/>
+          </a:xfrm>
+          <a:prstGeom prst="rect">
+            <a:avLst/>
+          </a:prstGeom>
+          <a:noFill/>
+        </p:spPr>
+        <p:txBody>
+          <a:bodyPr wrap="square" lIns="91440" tIns="45720" rIns="91440" bIns="45720">
+            <a:spAutoFit/>
+          </a:bodyPr>
+          <a:lstStyle/>
+          <a:p>
+            <a:pPr algn="ctr"/>
+            <a:r>
+              <a:rPr lang="en-US" altLang="zh-CN" dirty="0">
+                <a:ln w="0"/>
+                <a:effectLst>
+                  <a:outerShdw blurRad="38100" dist="19050" dir="2700000" algn="tl" rotWithShape="0">
+                    <a:schemeClr val="dk1">
+                      <a:alpha val="40000"/>
+                    </a:schemeClr>
+                  </a:outerShdw>
+                </a:effectLst>
+              </a:rPr>
+              <a:t>3</a:t>
+            </a:r>
+            <a:endParaRPr lang="zh-CN" altLang="en-US" b="0" cap="none" spc="0" dirty="0">
+              <a:ln w="0"/>
+              <a:solidFill>
+                <a:schemeClr val="tx1"/>
+              </a:solidFill>
+              <a:effectLst>
+                <a:outerShdw blurRad="38100" dist="19050" dir="2700000" algn="tl" rotWithShape="0">
+                  <a:schemeClr val="dk1">
+                    <a:alpha val="40000"/>
+                  </a:schemeClr>
+                </a:outerShdw>
+              </a:effectLst>
+            </a:endParaRPr>
+          </a:p>
+        </p:txBody>
+      </p:sp>
+      <p:sp>
+        <p:nvSpPr>
+          <p:cNvPr id="43" name="矩形 42">
+            <a:extLst>
+              <a:ext uri="{FF2B5EF4-FFF2-40B4-BE49-F238E27FC236}">
+                <a16:creationId xmlns:a16="http://schemas.microsoft.com/office/drawing/2014/main" id="{E96162E9-4D02-4175-AA41-B294F0B0CC03}"/>
+              </a:ext>
+            </a:extLst>
+          </p:cNvPr>
+          <p:cNvSpPr/>
+          <p:nvPr/>
+        </p:nvSpPr>
+        <p:spPr>
+          <a:xfrm>
+            <a:off x="9242962" y="4133516"/>
+            <a:ext cx="193565" cy="369332"/>
+          </a:xfrm>
+          <a:prstGeom prst="rect">
+            <a:avLst/>
+          </a:prstGeom>
+          <a:noFill/>
+        </p:spPr>
+        <p:txBody>
+          <a:bodyPr wrap="square" lIns="91440" tIns="45720" rIns="91440" bIns="45720">
+            <a:spAutoFit/>
+          </a:bodyPr>
+          <a:lstStyle/>
+          <a:p>
+            <a:pPr algn="ctr"/>
+            <a:r>
+              <a:rPr lang="en-US" altLang="zh-CN" b="0" cap="none" spc="0" dirty="0">
+                <a:ln w="0"/>
+                <a:solidFill>
+                  <a:schemeClr val="tx1"/>
+                </a:solidFill>
+                <a:effectLst>
+                  <a:outerShdw blurRad="38100" dist="19050" dir="2700000" algn="tl" rotWithShape="0">
+                    <a:schemeClr val="dk1">
+                      <a:alpha val="40000"/>
+                    </a:schemeClr>
+                  </a:outerShdw>
+                </a:effectLst>
+              </a:rPr>
+              <a:t>1</a:t>
+            </a:r>
+            <a:endParaRPr lang="zh-CN" altLang="en-US" b="0" cap="none" spc="0" dirty="0">
+              <a:ln w="0"/>
+              <a:solidFill>
+                <a:schemeClr val="tx1"/>
+              </a:solidFill>
+              <a:effectLst>
+                <a:outerShdw blurRad="38100" dist="19050" dir="2700000" algn="tl" rotWithShape="0">
+                  <a:schemeClr val="dk1">
+                    <a:alpha val="40000"/>
+                  </a:schemeClr>
+                </a:outerShdw>
+              </a:effectLst>
+            </a:endParaRPr>
+          </a:p>
+        </p:txBody>
+      </p:sp>
+      <p:sp>
+        <p:nvSpPr>
+          <p:cNvPr id="44" name="矩形 43">
+            <a:extLst>
+              <a:ext uri="{FF2B5EF4-FFF2-40B4-BE49-F238E27FC236}">
+                <a16:creationId xmlns:a16="http://schemas.microsoft.com/office/drawing/2014/main" id="{035CA8EC-7BDD-4A0C-A39E-1B84B259DE28}"/>
+              </a:ext>
+            </a:extLst>
+          </p:cNvPr>
+          <p:cNvSpPr/>
+          <p:nvPr/>
+        </p:nvSpPr>
+        <p:spPr>
+          <a:xfrm>
+            <a:off x="4427657" y="4010784"/>
+            <a:ext cx="193565" cy="369332"/>
+          </a:xfrm>
+          <a:prstGeom prst="rect">
+            <a:avLst/>
+          </a:prstGeom>
+          <a:solidFill>
+            <a:schemeClr val="bg1"/>
+          </a:solidFill>
+        </p:spPr>
+        <p:txBody>
+          <a:bodyPr wrap="square" lIns="91440" tIns="45720" rIns="91440" bIns="45720">
+            <a:spAutoFit/>
+          </a:bodyPr>
+          <a:lstStyle/>
+          <a:p>
+            <a:pPr algn="ctr"/>
+            <a:r>
+              <a:rPr lang="en-US" altLang="zh-CN" b="0" cap="none" spc="0" dirty="0">
+                <a:ln w="0"/>
+                <a:solidFill>
+                  <a:schemeClr val="tx1"/>
+                </a:solidFill>
+                <a:effectLst>
+                  <a:outerShdw blurRad="38100" dist="19050" dir="2700000" algn="tl" rotWithShape="0">
+                    <a:schemeClr val="dk1">
+                      <a:alpha val="40000"/>
+                    </a:schemeClr>
+                  </a:outerShdw>
+                </a:effectLst>
+              </a:rPr>
+              <a:t>1</a:t>
+            </a:r>
+            <a:endParaRPr lang="zh-CN" altLang="en-US" b="0" cap="none" spc="0" dirty="0">
+              <a:ln w="0"/>
+              <a:solidFill>
+                <a:schemeClr val="tx1"/>
+              </a:solidFill>
+              <a:effectLst>
+                <a:outerShdw blurRad="38100" dist="19050" dir="2700000" algn="tl" rotWithShape="0">
+                  <a:schemeClr val="dk1">
+                    <a:alpha val="40000"/>
+                  </a:schemeClr>
+                </a:outerShdw>
+              </a:effectLst>
+            </a:endParaRPr>
+          </a:p>
+        </p:txBody>
+      </p:sp>
+      <p:sp>
+        <p:nvSpPr>
+          <p:cNvPr id="45" name="矩形 44">
+            <a:extLst>
+              <a:ext uri="{FF2B5EF4-FFF2-40B4-BE49-F238E27FC236}">
+                <a16:creationId xmlns:a16="http://schemas.microsoft.com/office/drawing/2014/main" id="{83626EC0-FEFD-4453-AD19-5F9F315F8E30}"/>
+              </a:ext>
+            </a:extLst>
+          </p:cNvPr>
+          <p:cNvSpPr/>
+          <p:nvPr/>
+        </p:nvSpPr>
+        <p:spPr>
+          <a:xfrm>
+            <a:off x="2576219" y="4084575"/>
+            <a:ext cx="193565" cy="369332"/>
+          </a:xfrm>
+          <a:prstGeom prst="rect">
+            <a:avLst/>
+          </a:prstGeom>
+          <a:solidFill>
+            <a:schemeClr val="bg1"/>
+          </a:solidFill>
+        </p:spPr>
+        <p:txBody>
+          <a:bodyPr wrap="square" lIns="91440" tIns="45720" rIns="91440" bIns="45720">
+            <a:spAutoFit/>
+          </a:bodyPr>
+          <a:lstStyle/>
+          <a:p>
+            <a:pPr algn="ctr"/>
+            <a:r>
+              <a:rPr lang="en-US" altLang="zh-CN" dirty="0">
+                <a:ln w="0"/>
+                <a:effectLst>
+                  <a:outerShdw blurRad="38100" dist="19050" dir="2700000" algn="tl" rotWithShape="0">
+                    <a:schemeClr val="dk1">
+                      <a:alpha val="40000"/>
+                    </a:schemeClr>
+                  </a:outerShdw>
+                </a:effectLst>
+              </a:rPr>
+              <a:t>4</a:t>
+            </a:r>
+            <a:endParaRPr lang="zh-CN" altLang="en-US" b="0" cap="none" spc="0" dirty="0">
+              <a:ln w="0"/>
+              <a:solidFill>
+                <a:schemeClr val="tx1"/>
+              </a:solidFill>
+              <a:effectLst>
+                <a:outerShdw blurRad="38100" dist="19050" dir="2700000" algn="tl" rotWithShape="0">
+                  <a:schemeClr val="dk1">
+                    <a:alpha val="40000"/>
+                  </a:schemeClr>
+                </a:outerShdw>
+              </a:effectLst>
+            </a:endParaRPr>
+          </a:p>
+        </p:txBody>
+      </p:sp>
+      <p:sp>
+        <p:nvSpPr>
+          <p:cNvPr id="46" name="矩形 45">
+            <a:extLst>
+              <a:ext uri="{FF2B5EF4-FFF2-40B4-BE49-F238E27FC236}">
+                <a16:creationId xmlns:a16="http://schemas.microsoft.com/office/drawing/2014/main" id="{ACEAC5EC-7876-459B-A2E4-ADB70F8B73BE}"/>
+              </a:ext>
+            </a:extLst>
+          </p:cNvPr>
+          <p:cNvSpPr/>
+          <p:nvPr/>
+        </p:nvSpPr>
+        <p:spPr>
+          <a:xfrm>
+            <a:off x="7041337" y="4133516"/>
+            <a:ext cx="193565" cy="369332"/>
+          </a:xfrm>
+          <a:prstGeom prst="rect">
+            <a:avLst/>
+          </a:prstGeom>
+          <a:solidFill>
+            <a:schemeClr val="bg1"/>
+          </a:solidFill>
+        </p:spPr>
+        <p:txBody>
+          <a:bodyPr wrap="square" lIns="91440" tIns="45720" rIns="91440" bIns="45720">
+            <a:spAutoFit/>
+          </a:bodyPr>
+          <a:lstStyle/>
+          <a:p>
+            <a:pPr algn="ctr"/>
+            <a:r>
+              <a:rPr lang="en-US" altLang="zh-CN" dirty="0">
+                <a:ln w="0"/>
+                <a:effectLst>
+                  <a:outerShdw blurRad="38100" dist="19050" dir="2700000" algn="tl" rotWithShape="0">
+                    <a:schemeClr val="dk1">
+                      <a:alpha val="40000"/>
+                    </a:schemeClr>
+                  </a:outerShdw>
+                </a:effectLst>
+              </a:rPr>
+              <a:t>2</a:t>
+            </a:r>
+            <a:endParaRPr lang="zh-CN" altLang="en-US" b="0" cap="none" spc="0" dirty="0">
+              <a:ln w="0"/>
+              <a:solidFill>
+                <a:schemeClr val="tx1"/>
+              </a:solidFill>
+              <a:effectLst>
+                <a:outerShdw blurRad="38100" dist="19050" dir="2700000" algn="tl" rotWithShape="0">
+                  <a:schemeClr val="dk1">
+                    <a:alpha val="40000"/>
+                  </a:schemeClr>
+                </a:outerShdw>
+              </a:effectLst>
+            </a:endParaRPr>
+          </a:p>
+        </p:txBody>
+      </p:sp>
+      <p:cxnSp>
+        <p:nvCxnSpPr>
+          <p:cNvPr id="48" name="直接连接符 47">
+            <a:extLst>
+              <a:ext uri="{FF2B5EF4-FFF2-40B4-BE49-F238E27FC236}">
+                <a16:creationId xmlns:a16="http://schemas.microsoft.com/office/drawing/2014/main" id="{9D87FD8F-7B5E-4129-9CF2-6FD38AF16C8A}"/>
+              </a:ext>
+            </a:extLst>
+          </p:cNvPr>
+          <p:cNvCxnSpPr>
+            <a:cxnSpLocks/>
+          </p:cNvCxnSpPr>
+          <p:nvPr/>
+        </p:nvCxnSpPr>
+        <p:spPr>
+          <a:xfrm>
+            <a:off x="9881261" y="2256311"/>
+            <a:ext cx="0" cy="2574966"/>
+          </a:xfrm>
+          <a:prstGeom prst="line">
+            <a:avLst/>
+          </a:prstGeom>
+        </p:spPr>
+        <p:style>
+          <a:lnRef idx="1">
+            <a:schemeClr val="accent1"/>
+          </a:lnRef>
+          <a:fillRef idx="0">
+            <a:schemeClr val="accent1"/>
+          </a:fillRef>
+          <a:effectRef idx="0">
+            <a:schemeClr val="accent1"/>
+          </a:effectRef>
+          <a:fontRef idx="minor">
+            <a:schemeClr val="tx1"/>
+          </a:fontRef>
+        </p:style>
+      </p:cxnSp>
+      <p:sp>
+        <p:nvSpPr>
+          <p:cNvPr id="49" name="矩形 48">
+            <a:extLst>
+              <a:ext uri="{FF2B5EF4-FFF2-40B4-BE49-F238E27FC236}">
+                <a16:creationId xmlns:a16="http://schemas.microsoft.com/office/drawing/2014/main" id="{638BCEEA-FA34-42DD-B89D-E92981DD8CF9}"/>
+              </a:ext>
+            </a:extLst>
+          </p:cNvPr>
+          <p:cNvSpPr/>
+          <p:nvPr/>
+        </p:nvSpPr>
+        <p:spPr>
+          <a:xfrm>
+            <a:off x="9785702" y="4084575"/>
+            <a:ext cx="193565" cy="369332"/>
+          </a:xfrm>
+          <a:prstGeom prst="rect">
+            <a:avLst/>
+          </a:prstGeom>
+          <a:solidFill>
+            <a:schemeClr val="bg1"/>
+          </a:solidFill>
+        </p:spPr>
+        <p:txBody>
+          <a:bodyPr wrap="square" lIns="91440" tIns="45720" rIns="91440" bIns="45720">
+            <a:spAutoFit/>
+          </a:bodyPr>
+          <a:lstStyle/>
+          <a:p>
+            <a:pPr algn="ctr"/>
+            <a:r>
+              <a:rPr lang="en-US" altLang="zh-CN" dirty="0">
+                <a:ln w="0"/>
+                <a:effectLst>
+                  <a:outerShdw blurRad="38100" dist="19050" dir="2700000" algn="tl" rotWithShape="0">
+                    <a:schemeClr val="dk1">
+                      <a:alpha val="40000"/>
+                    </a:schemeClr>
+                  </a:outerShdw>
+                </a:effectLst>
+              </a:rPr>
+              <a:t>2</a:t>
+            </a:r>
+            <a:endParaRPr lang="zh-CN" altLang="en-US" b="0" cap="none" spc="0" dirty="0">
+              <a:ln w="0"/>
+              <a:solidFill>
+                <a:schemeClr val="tx1"/>
+              </a:solidFill>
+              <a:effectLst>
+                <a:outerShdw blurRad="38100" dist="19050" dir="2700000" algn="tl" rotWithShape="0">
+                  <a:schemeClr val="dk1">
+                    <a:alpha val="40000"/>
+                  </a:schemeClr>
+                </a:outerShdw>
+              </a:effectLst>
+            </a:endParaRPr>
+          </a:p>
+        </p:txBody>
+      </p:sp>
+      <p:sp>
+        <p:nvSpPr>
+          <p:cNvPr id="3" name="矩形 2">
+            <a:extLst>
+              <a:ext uri="{FF2B5EF4-FFF2-40B4-BE49-F238E27FC236}">
+                <a16:creationId xmlns:a16="http://schemas.microsoft.com/office/drawing/2014/main" id="{F7CD4947-63C9-48F8-93B5-6F147E806FFD}"/>
+              </a:ext>
+            </a:extLst>
+          </p:cNvPr>
+          <p:cNvSpPr/>
+          <p:nvPr/>
+        </p:nvSpPr>
+        <p:spPr>
+          <a:xfrm>
+            <a:off x="6990347" y="4195450"/>
+            <a:ext cx="291383" cy="258457"/>
+          </a:xfrm>
+          <a:prstGeom prst="rect">
+            <a:avLst/>
+          </a:prstGeom>
+          <a:noFill/>
+        </p:spPr>
+        <p:style>
+          <a:lnRef idx="2">
+            <a:schemeClr val="accent2"/>
+          </a:lnRef>
+          <a:fillRef idx="1">
+            <a:schemeClr val="lt1"/>
+          </a:fillRef>
+          <a:effectRef idx="0">
+            <a:schemeClr val="accent2"/>
+          </a:effectRef>
+          <a:fontRef idx="minor">
+            <a:schemeClr val="dk1"/>
+          </a:fontRef>
+        </p:style>
+        <p:txBody>
+          <a:bodyPr rtlCol="0" anchor="ctr"/>
+          <a:lstStyle/>
+          <a:p>
+            <a:pPr algn="ctr"/>
+            <a:endParaRPr lang="zh-CN" altLang="en-US"/>
+          </a:p>
+        </p:txBody>
+      </p:sp>
+      <p:sp>
+        <p:nvSpPr>
+          <p:cNvPr id="47" name="矩形 46">
+            <a:extLst>
+              <a:ext uri="{FF2B5EF4-FFF2-40B4-BE49-F238E27FC236}">
+                <a16:creationId xmlns:a16="http://schemas.microsoft.com/office/drawing/2014/main" id="{C22B388D-2246-4CB3-9FBD-1E35CFEECEF8}"/>
+              </a:ext>
+            </a:extLst>
+          </p:cNvPr>
+          <p:cNvSpPr/>
+          <p:nvPr/>
+        </p:nvSpPr>
+        <p:spPr>
+          <a:xfrm>
+            <a:off x="4380829" y="4052623"/>
+            <a:ext cx="291383" cy="258457"/>
+          </a:xfrm>
+          <a:prstGeom prst="rect">
+            <a:avLst/>
+          </a:prstGeom>
+          <a:noFill/>
+        </p:spPr>
+        <p:style>
+          <a:lnRef idx="2">
+            <a:schemeClr val="accent2"/>
+          </a:lnRef>
+          <a:fillRef idx="1">
+            <a:schemeClr val="lt1"/>
+          </a:fillRef>
+          <a:effectRef idx="0">
+            <a:schemeClr val="accent2"/>
+          </a:effectRef>
+          <a:fontRef idx="minor">
+            <a:schemeClr val="dk1"/>
+          </a:fontRef>
+        </p:style>
+        <p:txBody>
+          <a:bodyPr rtlCol="0" anchor="ctr"/>
+          <a:lstStyle/>
+          <a:p>
+            <a:pPr algn="ctr"/>
+            <a:endParaRPr lang="zh-CN" altLang="en-US"/>
+          </a:p>
+        </p:txBody>
+      </p:sp>
+      <p:sp>
+        <p:nvSpPr>
+          <p:cNvPr id="50" name="椭圆 49">
+            <a:extLst>
+              <a:ext uri="{FF2B5EF4-FFF2-40B4-BE49-F238E27FC236}">
+                <a16:creationId xmlns:a16="http://schemas.microsoft.com/office/drawing/2014/main" id="{F275C426-EF1C-47F1-AE77-5B643FCD1C7A}"/>
+              </a:ext>
+            </a:extLst>
+          </p:cNvPr>
+          <p:cNvSpPr/>
+          <p:nvPr/>
+        </p:nvSpPr>
+        <p:spPr>
+          <a:xfrm>
+            <a:off x="1705432" y="1273921"/>
+            <a:ext cx="998810" cy="982389"/>
+          </a:xfrm>
+          <a:prstGeom prst="ellipse">
+            <a:avLst/>
+          </a:prstGeom>
+        </p:spPr>
+        <p:style>
+          <a:lnRef idx="2">
+            <a:schemeClr val="accent1">
+              <a:shade val="50000"/>
+            </a:schemeClr>
+          </a:lnRef>
+          <a:fillRef idx="1">
+            <a:schemeClr val="accent1"/>
+          </a:fillRef>
+          <a:effectRef idx="0">
+            <a:schemeClr val="accent1"/>
+          </a:effectRef>
+          <a:fontRef idx="minor">
+            <a:schemeClr val="lt1"/>
+          </a:fontRef>
+        </p:style>
+        <p:txBody>
+          <a:bodyPr rtlCol="0" anchor="ctr"/>
+          <a:lstStyle/>
+          <a:p>
+            <a:pPr algn="ctr"/>
+            <a:r>
+              <a:rPr lang="en-US" altLang="zh-CN" dirty="0"/>
+              <a:t>Ⅰ</a:t>
+            </a:r>
+            <a:endParaRPr lang="zh-CN" altLang="en-US" dirty="0"/>
+          </a:p>
+        </p:txBody>
+      </p:sp>
+      <p:sp>
+        <p:nvSpPr>
+          <p:cNvPr id="52" name="椭圆 51">
+            <a:extLst>
+              <a:ext uri="{FF2B5EF4-FFF2-40B4-BE49-F238E27FC236}">
+                <a16:creationId xmlns:a16="http://schemas.microsoft.com/office/drawing/2014/main" id="{07277C8C-C8AD-40D2-9ADF-9B51109C5192}"/>
+              </a:ext>
+            </a:extLst>
+          </p:cNvPr>
+          <p:cNvSpPr/>
+          <p:nvPr/>
+        </p:nvSpPr>
+        <p:spPr>
+          <a:xfrm>
+            <a:off x="4005351" y="1273966"/>
+            <a:ext cx="1020550" cy="981692"/>
+          </a:xfrm>
+          <a:prstGeom prst="ellipse">
+            <a:avLst/>
+          </a:prstGeom>
+        </p:spPr>
+        <p:style>
+          <a:lnRef idx="2">
+            <a:schemeClr val="accent1">
+              <a:shade val="50000"/>
+            </a:schemeClr>
+          </a:lnRef>
+          <a:fillRef idx="1">
+            <a:schemeClr val="accent1"/>
+          </a:fillRef>
+          <a:effectRef idx="0">
+            <a:schemeClr val="accent1"/>
+          </a:effectRef>
+          <a:fontRef idx="minor">
+            <a:schemeClr val="lt1"/>
+          </a:fontRef>
+        </p:style>
+        <p:txBody>
+          <a:bodyPr rtlCol="0" anchor="ctr"/>
+          <a:lstStyle/>
+          <a:p>
+            <a:pPr algn="ctr"/>
+            <a:r>
+              <a:rPr lang="en-US" altLang="zh-CN" dirty="0"/>
+              <a:t>Ⅱ</a:t>
+            </a:r>
+            <a:endParaRPr lang="zh-CN" altLang="en-US" dirty="0"/>
+          </a:p>
+        </p:txBody>
+      </p:sp>
+      <p:sp>
+        <p:nvSpPr>
+          <p:cNvPr id="53" name="椭圆 52">
+            <a:extLst>
+              <a:ext uri="{FF2B5EF4-FFF2-40B4-BE49-F238E27FC236}">
+                <a16:creationId xmlns:a16="http://schemas.microsoft.com/office/drawing/2014/main" id="{4765CFB3-AD04-4D29-B660-EE9590C4C6B3}"/>
+              </a:ext>
+            </a:extLst>
+          </p:cNvPr>
+          <p:cNvSpPr/>
+          <p:nvPr/>
+        </p:nvSpPr>
+        <p:spPr>
+          <a:xfrm>
+            <a:off x="6609894" y="1273966"/>
+            <a:ext cx="1031429" cy="981692"/>
+          </a:xfrm>
+          <a:prstGeom prst="ellipse">
+            <a:avLst/>
+          </a:prstGeom>
+        </p:spPr>
+        <p:style>
+          <a:lnRef idx="2">
+            <a:schemeClr val="accent1">
+              <a:shade val="50000"/>
+            </a:schemeClr>
+          </a:lnRef>
+          <a:fillRef idx="1">
+            <a:schemeClr val="accent1"/>
+          </a:fillRef>
+          <a:effectRef idx="0">
+            <a:schemeClr val="accent1"/>
+          </a:effectRef>
+          <a:fontRef idx="minor">
+            <a:schemeClr val="lt1"/>
+          </a:fontRef>
+        </p:style>
+        <p:txBody>
+          <a:bodyPr rtlCol="0" anchor="ctr"/>
+          <a:lstStyle/>
+          <a:p>
+            <a:pPr algn="ctr"/>
+            <a:r>
+              <a:rPr lang="en-US" altLang="zh-CN" dirty="0"/>
+              <a:t>Ⅲ</a:t>
+            </a:r>
+            <a:endParaRPr lang="zh-CN" altLang="en-US" dirty="0"/>
+          </a:p>
+        </p:txBody>
+      </p:sp>
+      <p:sp>
+        <p:nvSpPr>
+          <p:cNvPr id="54" name="椭圆 53">
+            <a:extLst>
+              <a:ext uri="{FF2B5EF4-FFF2-40B4-BE49-F238E27FC236}">
+                <a16:creationId xmlns:a16="http://schemas.microsoft.com/office/drawing/2014/main" id="{DA9D1C71-5E0B-496C-BBF3-2A688028DAC6}"/>
+              </a:ext>
+            </a:extLst>
+          </p:cNvPr>
+          <p:cNvSpPr/>
+          <p:nvPr/>
+        </p:nvSpPr>
+        <p:spPr>
+          <a:xfrm>
+            <a:off x="9323886" y="1273921"/>
+            <a:ext cx="1031427" cy="982389"/>
+          </a:xfrm>
+          <a:prstGeom prst="ellipse">
+            <a:avLst/>
+          </a:prstGeom>
+        </p:spPr>
+        <p:style>
+          <a:lnRef idx="2">
+            <a:schemeClr val="accent1">
+              <a:shade val="50000"/>
+            </a:schemeClr>
+          </a:lnRef>
+          <a:fillRef idx="1">
+            <a:schemeClr val="accent1"/>
+          </a:fillRef>
+          <a:effectRef idx="0">
+            <a:schemeClr val="accent1"/>
+          </a:effectRef>
+          <a:fontRef idx="minor">
+            <a:schemeClr val="lt1"/>
+          </a:fontRef>
+        </p:style>
+        <p:txBody>
+          <a:bodyPr rtlCol="0" anchor="ctr"/>
+          <a:lstStyle/>
+          <a:p>
+            <a:pPr algn="ctr"/>
+            <a:r>
+              <a:rPr lang="en-US" altLang="zh-CN" dirty="0"/>
+              <a:t>Ⅳ</a:t>
+            </a:r>
+            <a:endParaRPr lang="zh-CN" altLang="en-US" dirty="0"/>
+          </a:p>
+        </p:txBody>
+      </p:sp>
+      <p:sp>
+        <p:nvSpPr>
+          <p:cNvPr id="55" name="椭圆 54">
+            <a:extLst>
+              <a:ext uri="{FF2B5EF4-FFF2-40B4-BE49-F238E27FC236}">
+                <a16:creationId xmlns:a16="http://schemas.microsoft.com/office/drawing/2014/main" id="{911DD7BD-C77B-4A32-937A-2F727B46CE57}"/>
+              </a:ext>
+            </a:extLst>
+          </p:cNvPr>
+          <p:cNvSpPr/>
+          <p:nvPr/>
+        </p:nvSpPr>
+        <p:spPr>
+          <a:xfrm>
+            <a:off x="1683691" y="4831280"/>
+            <a:ext cx="1020552" cy="1039041"/>
+          </a:xfrm>
+          <a:prstGeom prst="ellipse">
+            <a:avLst/>
+          </a:prstGeom>
+        </p:spPr>
+        <p:style>
+          <a:lnRef idx="2">
+            <a:schemeClr val="accent1">
+              <a:shade val="50000"/>
+            </a:schemeClr>
+          </a:lnRef>
+          <a:fillRef idx="1">
+            <a:schemeClr val="accent1"/>
+          </a:fillRef>
+          <a:effectRef idx="0">
+            <a:schemeClr val="accent1"/>
+          </a:effectRef>
+          <a:fontRef idx="minor">
+            <a:schemeClr val="lt1"/>
+          </a:fontRef>
+        </p:style>
+        <p:txBody>
+          <a:bodyPr rtlCol="0" anchor="ctr"/>
+          <a:lstStyle/>
+          <a:p>
+            <a:pPr algn="ctr"/>
+            <a:r>
+              <a:rPr lang="en-US" altLang="zh-CN" dirty="0"/>
+              <a:t>a</a:t>
+            </a:r>
+            <a:endParaRPr lang="zh-CN" altLang="en-US" dirty="0"/>
+          </a:p>
+        </p:txBody>
+      </p:sp>
+      <p:sp>
+        <p:nvSpPr>
+          <p:cNvPr id="56" name="椭圆 55">
+            <a:extLst>
+              <a:ext uri="{FF2B5EF4-FFF2-40B4-BE49-F238E27FC236}">
+                <a16:creationId xmlns:a16="http://schemas.microsoft.com/office/drawing/2014/main" id="{C0A265B4-ACFC-4E28-990A-0A1029FBE709}"/>
+              </a:ext>
+            </a:extLst>
+          </p:cNvPr>
+          <p:cNvSpPr/>
+          <p:nvPr/>
+        </p:nvSpPr>
+        <p:spPr>
+          <a:xfrm>
+            <a:off x="4005349" y="4831278"/>
+            <a:ext cx="1020552" cy="1039041"/>
+          </a:xfrm>
+          <a:prstGeom prst="ellipse">
+            <a:avLst/>
+          </a:prstGeom>
+        </p:spPr>
+        <p:style>
+          <a:lnRef idx="2">
+            <a:schemeClr val="accent1">
+              <a:shade val="50000"/>
+            </a:schemeClr>
+          </a:lnRef>
+          <a:fillRef idx="1">
+            <a:schemeClr val="accent1"/>
+          </a:fillRef>
+          <a:effectRef idx="0">
+            <a:schemeClr val="accent1"/>
+          </a:effectRef>
+          <a:fontRef idx="minor">
+            <a:schemeClr val="lt1"/>
+          </a:fontRef>
+        </p:style>
+        <p:txBody>
+          <a:bodyPr rtlCol="0" anchor="ctr"/>
+          <a:lstStyle/>
+          <a:p>
+            <a:pPr algn="ctr"/>
+            <a:r>
+              <a:rPr lang="en-US" altLang="zh-CN" dirty="0"/>
+              <a:t>b</a:t>
+            </a:r>
+            <a:endParaRPr lang="zh-CN" altLang="en-US" dirty="0"/>
+          </a:p>
+        </p:txBody>
+      </p:sp>
+      <p:sp>
+        <p:nvSpPr>
+          <p:cNvPr id="57" name="椭圆 56">
+            <a:extLst>
+              <a:ext uri="{FF2B5EF4-FFF2-40B4-BE49-F238E27FC236}">
+                <a16:creationId xmlns:a16="http://schemas.microsoft.com/office/drawing/2014/main" id="{5297CBE9-F574-4BFC-8D67-3BA088819296}"/>
+              </a:ext>
+            </a:extLst>
+          </p:cNvPr>
+          <p:cNvSpPr/>
+          <p:nvPr/>
+        </p:nvSpPr>
+        <p:spPr>
+          <a:xfrm>
+            <a:off x="6603879" y="4845639"/>
+            <a:ext cx="1031429" cy="1010319"/>
+          </a:xfrm>
+          <a:prstGeom prst="ellipse">
+            <a:avLst/>
+          </a:prstGeom>
+        </p:spPr>
+        <p:style>
+          <a:lnRef idx="2">
+            <a:schemeClr val="accent1">
+              <a:shade val="50000"/>
+            </a:schemeClr>
+          </a:lnRef>
+          <a:fillRef idx="1">
+            <a:schemeClr val="accent1"/>
+          </a:fillRef>
+          <a:effectRef idx="0">
+            <a:schemeClr val="accent1"/>
+          </a:effectRef>
+          <a:fontRef idx="minor">
+            <a:schemeClr val="lt1"/>
+          </a:fontRef>
+        </p:style>
+        <p:txBody>
+          <a:bodyPr rtlCol="0" anchor="ctr"/>
+          <a:lstStyle/>
+          <a:p>
+            <a:pPr algn="ctr"/>
+            <a:r>
+              <a:rPr lang="en-US" altLang="zh-CN" dirty="0"/>
+              <a:t>c</a:t>
+            </a:r>
+            <a:endParaRPr lang="zh-CN" altLang="en-US" dirty="0"/>
+          </a:p>
+        </p:txBody>
+      </p:sp>
+      <p:sp>
+        <p:nvSpPr>
+          <p:cNvPr id="58" name="椭圆 57">
+            <a:extLst>
+              <a:ext uri="{FF2B5EF4-FFF2-40B4-BE49-F238E27FC236}">
+                <a16:creationId xmlns:a16="http://schemas.microsoft.com/office/drawing/2014/main" id="{6A785959-CD1D-4B0D-ADA3-492599BB5868}"/>
+              </a:ext>
+            </a:extLst>
+          </p:cNvPr>
+          <p:cNvSpPr/>
+          <p:nvPr/>
+        </p:nvSpPr>
+        <p:spPr>
+          <a:xfrm>
+            <a:off x="9339744" y="4831277"/>
+            <a:ext cx="1020551" cy="1010319"/>
+          </a:xfrm>
+          <a:prstGeom prst="ellipse">
+            <a:avLst/>
+          </a:prstGeom>
+        </p:spPr>
+        <p:style>
+          <a:lnRef idx="2">
+            <a:schemeClr val="accent1">
+              <a:shade val="50000"/>
+            </a:schemeClr>
+          </a:lnRef>
+          <a:fillRef idx="1">
+            <a:schemeClr val="accent1"/>
+          </a:fillRef>
+          <a:effectRef idx="0">
+            <a:schemeClr val="accent1"/>
+          </a:effectRef>
+          <a:fontRef idx="minor">
+            <a:schemeClr val="lt1"/>
+          </a:fontRef>
+        </p:style>
+        <p:txBody>
+          <a:bodyPr rtlCol="0" anchor="ctr"/>
+          <a:lstStyle/>
+          <a:p>
+            <a:pPr algn="ctr"/>
+            <a:r>
+              <a:rPr lang="en-US" altLang="zh-CN" dirty="0"/>
+              <a:t>d</a:t>
+            </a:r>
+            <a:endParaRPr lang="zh-CN" altLang="en-US" dirty="0"/>
+          </a:p>
+        </p:txBody>
+      </p:sp>
+    </p:spTree>
+    <p:extLst>
+      <p:ext uri="{BB962C8B-B14F-4D97-AF65-F5344CB8AC3E}">
+        <p14:creationId xmlns:p14="http://schemas.microsoft.com/office/powerpoint/2010/main" val="3445585517"/>
       </p:ext>
     </p:extLst>
   </p:cSld>

--- a/Inv_Summary/Graph.pptx
+++ b/Inv_Summary/Graph.pptx
@@ -203,7 +203,7 @@
           <a:p>
             <a:fld id="{DFA01F4A-61CA-4282-B66A-1965352A61A0}" type="datetimeFigureOut">
               <a:rPr lang="zh-CN" altLang="en-US" smtClean="0"/>
-              <a:t>2020/3/13</a:t>
+              <a:t>2020/3/14</a:t>
             </a:fld>
             <a:endParaRPr lang="zh-CN" altLang="en-US"/>
           </a:p>
@@ -1083,7 +1083,7 @@
           <a:p>
             <a:fld id="{1E7EB274-E40B-40C7-AD26-AB312C8C00A1}" type="datetimeFigureOut">
               <a:rPr lang="zh-CN" altLang="en-US" smtClean="0"/>
-              <a:t>2020/3/13</a:t>
+              <a:t>2020/3/14</a:t>
             </a:fld>
             <a:endParaRPr lang="zh-CN" altLang="en-US"/>
           </a:p>
@@ -1281,7 +1281,7 @@
           <a:p>
             <a:fld id="{1E7EB274-E40B-40C7-AD26-AB312C8C00A1}" type="datetimeFigureOut">
               <a:rPr lang="zh-CN" altLang="en-US" smtClean="0"/>
-              <a:t>2020/3/13</a:t>
+              <a:t>2020/3/14</a:t>
             </a:fld>
             <a:endParaRPr lang="zh-CN" altLang="en-US"/>
           </a:p>
@@ -1489,7 +1489,7 @@
           <a:p>
             <a:fld id="{1E7EB274-E40B-40C7-AD26-AB312C8C00A1}" type="datetimeFigureOut">
               <a:rPr lang="zh-CN" altLang="en-US" smtClean="0"/>
-              <a:t>2020/3/13</a:t>
+              <a:t>2020/3/14</a:t>
             </a:fld>
             <a:endParaRPr lang="zh-CN" altLang="en-US"/>
           </a:p>
@@ -1687,7 +1687,7 @@
           <a:p>
             <a:fld id="{1E7EB274-E40B-40C7-AD26-AB312C8C00A1}" type="datetimeFigureOut">
               <a:rPr lang="zh-CN" altLang="en-US" smtClean="0"/>
-              <a:t>2020/3/13</a:t>
+              <a:t>2020/3/14</a:t>
             </a:fld>
             <a:endParaRPr lang="zh-CN" altLang="en-US"/>
           </a:p>
@@ -1962,7 +1962,7 @@
           <a:p>
             <a:fld id="{1E7EB274-E40B-40C7-AD26-AB312C8C00A1}" type="datetimeFigureOut">
               <a:rPr lang="zh-CN" altLang="en-US" smtClean="0"/>
-              <a:t>2020/3/13</a:t>
+              <a:t>2020/3/14</a:t>
             </a:fld>
             <a:endParaRPr lang="zh-CN" altLang="en-US"/>
           </a:p>
@@ -2227,7 +2227,7 @@
           <a:p>
             <a:fld id="{1E7EB274-E40B-40C7-AD26-AB312C8C00A1}" type="datetimeFigureOut">
               <a:rPr lang="zh-CN" altLang="en-US" smtClean="0"/>
-              <a:t>2020/3/13</a:t>
+              <a:t>2020/3/14</a:t>
             </a:fld>
             <a:endParaRPr lang="zh-CN" altLang="en-US"/>
           </a:p>
@@ -2639,7 +2639,7 @@
           <a:p>
             <a:fld id="{1E7EB274-E40B-40C7-AD26-AB312C8C00A1}" type="datetimeFigureOut">
               <a:rPr lang="zh-CN" altLang="en-US" smtClean="0"/>
-              <a:t>2020/3/13</a:t>
+              <a:t>2020/3/14</a:t>
             </a:fld>
             <a:endParaRPr lang="zh-CN" altLang="en-US"/>
           </a:p>
@@ -2780,7 +2780,7 @@
           <a:p>
             <a:fld id="{1E7EB274-E40B-40C7-AD26-AB312C8C00A1}" type="datetimeFigureOut">
               <a:rPr lang="zh-CN" altLang="en-US" smtClean="0"/>
-              <a:t>2020/3/13</a:t>
+              <a:t>2020/3/14</a:t>
             </a:fld>
             <a:endParaRPr lang="zh-CN" altLang="en-US"/>
           </a:p>
@@ -2893,7 +2893,7 @@
           <a:p>
             <a:fld id="{1E7EB274-E40B-40C7-AD26-AB312C8C00A1}" type="datetimeFigureOut">
               <a:rPr lang="zh-CN" altLang="en-US" smtClean="0"/>
-              <a:t>2020/3/13</a:t>
+              <a:t>2020/3/14</a:t>
             </a:fld>
             <a:endParaRPr lang="zh-CN" altLang="en-US"/>
           </a:p>
@@ -3204,7 +3204,7 @@
           <a:p>
             <a:fld id="{1E7EB274-E40B-40C7-AD26-AB312C8C00A1}" type="datetimeFigureOut">
               <a:rPr lang="zh-CN" altLang="en-US" smtClean="0"/>
-              <a:t>2020/3/13</a:t>
+              <a:t>2020/3/14</a:t>
             </a:fld>
             <a:endParaRPr lang="zh-CN" altLang="en-US"/>
           </a:p>
@@ -3492,7 +3492,7 @@
           <a:p>
             <a:fld id="{1E7EB274-E40B-40C7-AD26-AB312C8C00A1}" type="datetimeFigureOut">
               <a:rPr lang="zh-CN" altLang="en-US" smtClean="0"/>
-              <a:t>2020/3/13</a:t>
+              <a:t>2020/3/14</a:t>
             </a:fld>
             <a:endParaRPr lang="zh-CN" altLang="en-US"/>
           </a:p>
@@ -3733,7 +3733,7 @@
           <a:p>
             <a:fld id="{1E7EB274-E40B-40C7-AD26-AB312C8C00A1}" type="datetimeFigureOut">
               <a:rPr lang="zh-CN" altLang="en-US" smtClean="0"/>
-              <a:t>2020/3/13</a:t>
+              <a:t>2020/3/14</a:t>
             </a:fld>
             <a:endParaRPr lang="zh-CN" altLang="en-US"/>
           </a:p>
@@ -10709,8 +10709,11 @@
           <a:p>
             <a:pPr algn="ctr"/>
             <a:r>
-              <a:rPr lang="en-US" altLang="zh-CN" sz="2400" dirty="0">
+              <a:rPr lang="en-US" altLang="zh-CN" sz="2400" b="0" cap="none" spc="0" dirty="0">
                 <a:ln w="0"/>
+                <a:solidFill>
+                  <a:schemeClr val="tx1"/>
+                </a:solidFill>
                 <a:effectLst>
                   <a:outerShdw blurRad="38100" dist="19050" dir="2700000" algn="tl" rotWithShape="0">
                     <a:schemeClr val="dk1">
@@ -10719,7 +10722,7 @@
                   </a:outerShdw>
                 </a:effectLst>
               </a:rPr>
-              <a:t>2</a:t>
+              <a:t>3</a:t>
             </a:r>
             <a:endParaRPr lang="zh-CN" altLang="en-US" sz="2400" b="0" cap="none" spc="0" dirty="0">
               <a:ln w="0"/>
@@ -11076,11 +11079,8 @@
           <a:p>
             <a:pPr algn="ctr"/>
             <a:r>
-              <a:rPr lang="en-US" altLang="zh-CN" sz="2400" b="0" cap="none" spc="0" dirty="0">
+              <a:rPr lang="en-US" altLang="zh-CN" sz="2400" dirty="0">
                 <a:ln w="0"/>
-                <a:solidFill>
-                  <a:schemeClr val="tx1"/>
-                </a:solidFill>
                 <a:effectLst>
                   <a:outerShdw blurRad="38100" dist="19050" dir="2700000" algn="tl" rotWithShape="0">
                     <a:schemeClr val="dk1">
@@ -11089,7 +11089,7 @@
                   </a:outerShdw>
                 </a:effectLst>
               </a:rPr>
-              <a:t>1</a:t>
+              <a:t>2</a:t>
             </a:r>
             <a:endParaRPr lang="zh-CN" altLang="en-US" sz="2400" b="0" cap="none" spc="0" dirty="0">
               <a:ln w="0"/>
